--- a/Algorithm/_____保研岛____Python蓝桥杯/课件/Python 课时1.pptx
+++ b/Algorithm/_____保研岛____Python蓝桥杯/课件/Python 课时1.pptx
@@ -41,8 +41,6 @@
     <p:sldId id="285" r:id="rId67"/>
     <p:sldId id="286" r:id="rId69"/>
     <p:sldId id="287" r:id="rId71"/>
-    <p:sldId id="288" r:id="rId73"/>
-    <p:sldId id="289" r:id="rId75"/>
   </p:sldIdLst>
   <p:sldSz cx="12192000" cy="6858000"/>
   <p:notesSz cx="6858000" cy="9144000"/>
@@ -5970,432 +5968,6 @@
 </file>
 
 <file path=ppt/notesSlides/notesSlide32.xml><?xml version="1.0" encoding="utf-8"?>
-<p:notes xmlns:p="http://schemas.openxmlformats.org/presentationml/2006/main">
-  <p:cSld>
-    <p:spTree xmlns:a="http://schemas.openxmlformats.org/drawingml/2006/main" xmlns:r="http://schemas.openxmlformats.org/officeDocument/2006/relationships">
-      <p:nvGrpSpPr>
-        <p:cNvPr id="1" name=""/>
-        <p:cNvGrpSpPr/>
-        <p:nvPr/>
-      </p:nvGrpSpPr>
-      <p:grpSpPr>
-        <a:xfrm>
-          <a:off x="0" y="0"/>
-          <a:ext cx="0" cy="0"/>
-          <a:chOff x="0" y="0"/>
-          <a:chExt cx="0" cy="0"/>
-        </a:xfrm>
-      </p:grpSpPr>
-      <p:sp>
-        <p:nvSpPr>
-          <p:cNvPr id="2" name="Header Placeholder 1"/>
-          <p:cNvSpPr>
-            <a:spLocks noGrp="1"/>
-          </p:cNvSpPr>
-          <p:nvPr>
-            <p:ph type="hdr" sz="quarter"/>
-          </p:nvPr>
-        </p:nvSpPr>
-        <p:spPr>
-          <a:xfrm>
-            <a:off x="0" y="0"/>
-            <a:ext cx="3962400" cy="342900"/>
-          </a:xfrm>
-          <a:prstGeom prst="rect">
-            <a:avLst/>
-          </a:prstGeom>
-        </p:spPr>
-        <p:txBody>
-          <a:bodyPr vert="horz" lIns="91440" tIns="45720" rIns="91440" bIns="45720" rtlCol="0"/>
-          <a:lstStyle>
-            <a:lvl1pPr algn="l">
-              <a:defRPr sz="1200"/>
-            </a:lvl1pPr>
-          </a:lstStyle>
-          <a:p/>
-        </p:txBody>
-      </p:sp>
-      <p:sp>
-        <p:nvSpPr>
-          <p:cNvPr id="3" name="Date Placeholder 2"/>
-          <p:cNvSpPr>
-            <a:spLocks noGrp="1"/>
-          </p:cNvSpPr>
-          <p:nvPr>
-            <p:ph type="dt" idx="1"/>
-          </p:nvPr>
-        </p:nvSpPr>
-        <p:spPr>
-          <a:xfrm>
-            <a:off x="5180013" y="0"/>
-            <a:ext cx="3962400" cy="342900"/>
-          </a:xfrm>
-          <a:prstGeom prst="rect">
-            <a:avLst/>
-          </a:prstGeom>
-        </p:spPr>
-        <p:txBody>
-          <a:bodyPr vert="horz" lIns="91440" tIns="45720" rIns="91440" bIns="45720" rtlCol="0"/>
-          <a:lstStyle>
-            <a:lvl1pPr algn="r">
-              <a:defRPr sz="1200"/>
-            </a:lvl1pPr>
-          </a:lstStyle>
-          <a:p>
-            <a:r id="{B7268E1E-0E44-426D-905E-8AD9B19D2182}" type="datetimeFigureOut">
-              <a:rPr lang="cs-CZ" smtClean="0"/>
-              <a:t>1.7.2013</a:t>
-            </a:r>
-          </a:p>
-        </p:txBody>
-      </p:sp>
-      <p:sp>
-        <p:nvSpPr>
-          <p:cNvPr id="4" name="Slide Image Placeholder 3"/>
-          <p:cNvSpPr>
-            <a:spLocks noGrp="1" noRot="1" noChangeAspect="1"/>
-          </p:cNvSpPr>
-          <p:nvPr>
-            <p:ph type="sldImg" idx="2"/>
-          </p:nvPr>
-        </p:nvSpPr>
-        <p:spPr>
-          <a:xfrm>
-            <a:off x="2857500" y="512763"/>
-            <a:ext cx="3429000" cy="2566987"/>
-          </a:xfrm>
-          <a:prstGeom prst="rect">
-            <a:avLst/>
-          </a:prstGeom>
-          <a:noFill/>
-          <a:ln w="12700">
-            <a:solidFill>
-              <a:prstClr val="black"/>
-            </a:solidFill>
-          </a:ln>
-        </p:spPr>
-        <p:txBody>
-          <a:bodyPr vert="horz" lIns="91440" tIns="45720" rIns="91440" bIns="45720" rtlCol="0" anchor="ctr"/>
-          <a:lstStyle/>
-          <a:p/>
-        </p:txBody>
-      </p:sp>
-      <p:sp>
-        <p:nvSpPr>
-          <p:cNvPr id="5" name="Notes Placeholder 4"/>
-          <p:cNvSpPr>
-            <a:spLocks noGrp="1"/>
-          </p:cNvSpPr>
-          <p:nvPr>
-            <p:ph type="body" sz="quarter" idx="3"/>
-          </p:nvPr>
-        </p:nvSpPr>
-        <p:spPr>
-          <a:xfrm>
-            <a:off x="914400" y="3251200"/>
-            <a:ext cx="7315200" cy="3081338"/>
-          </a:xfrm>
-          <a:prstGeom prst="rect">
-            <a:avLst/>
-          </a:prstGeom>
-        </p:spPr>
-        <p:txBody>
-          <a:bodyPr vert="horz" lIns="91440" tIns="45720" rIns="91440" bIns="45720" rtlCol="0" anchor="ctr">
-            <a:noAutofit/>
-          </a:bodyPr>
-          <a:lstStyle>
-            <a:lvl1pPr algn="l">
-              <a:defRPr sz="1400" b="false" i="false" u="none" strike="noStrike"/>
-            </a:lvl1pPr>
-          </a:lstStyle>
-          <a:p>
-            <a:pPr algn="l"/>
-            <a:endParaRPr/>
-          </a:p>
-        </p:txBody>
-      </p:sp>
-      <p:sp>
-        <p:nvSpPr>
-          <p:cNvPr id="6" name="Footer Placeholder 5"/>
-          <p:cNvSpPr>
-            <a:spLocks noGrp="1"/>
-          </p:cNvSpPr>
-          <p:nvPr>
-            <p:ph type="ftr" sz="quarter" idx="4"/>
-          </p:nvPr>
-        </p:nvSpPr>
-        <p:spPr>
-          <a:xfrm>
-            <a:off x="0" y="6502400"/>
-            <a:ext cx="3962400" cy="341313"/>
-          </a:xfrm>
-          <a:prstGeom prst="rect">
-            <a:avLst/>
-          </a:prstGeom>
-        </p:spPr>
-        <p:txBody>
-          <a:bodyPr vert="horz" lIns="91440" tIns="45720" rIns="91440" bIns="45720" rtlCol="0" anchor="b"/>
-          <a:lstStyle>
-            <a:lvl1pPr algn="l">
-              <a:defRPr sz="1200"/>
-            </a:lvl1pPr>
-          </a:lstStyle>
-          <a:p/>
-        </p:txBody>
-      </p:sp>
-      <p:sp>
-        <p:nvSpPr>
-          <p:cNvPr id="7" name="Slide Number Placeholder 6"/>
-          <p:cNvSpPr>
-            <a:spLocks noGrp="1"/>
-          </p:cNvSpPr>
-          <p:nvPr>
-            <p:ph type="sldNum" sz="quarter" idx="5"/>
-          </p:nvPr>
-        </p:nvSpPr>
-        <p:spPr>
-          <a:xfrm>
-            <a:off x="5180013" y="6502400"/>
-            <a:ext cx="3962400" cy="341313"/>
-          </a:xfrm>
-          <a:prstGeom prst="rect">
-            <a:avLst/>
-          </a:prstGeom>
-        </p:spPr>
-        <p:txBody>
-          <a:bodyPr vert="horz" lIns="91440" tIns="45720" rIns="91440" bIns="45720" rtlCol="0" anchor="b"/>
-          <a:lstStyle>
-            <a:lvl1pPr algn="r">
-              <a:defRPr sz="1200"/>
-            </a:lvl1pPr>
-          </a:lstStyle>
-          <a:p>
-            <a:r id="{871B2431-D351-4C6E-A3CF-9DFAC0E3E050}" type="slidenum">
-              <a:rPr lang="cs-CZ" smtClean="0"/>
-              <a:t>‹#›</a:t>
-            </a:r>
-          </a:p>
-        </p:txBody>
-      </p:sp>
-    </p:spTree>
-  </p:cSld>
-</p:notes>
-</file>
-
-<file path=ppt/notesSlides/notesSlide33.xml><?xml version="1.0" encoding="utf-8"?>
-<p:notes xmlns:p="http://schemas.openxmlformats.org/presentationml/2006/main">
-  <p:cSld>
-    <p:spTree xmlns:a="http://schemas.openxmlformats.org/drawingml/2006/main" xmlns:r="http://schemas.openxmlformats.org/officeDocument/2006/relationships">
-      <p:nvGrpSpPr>
-        <p:cNvPr id="1" name=""/>
-        <p:cNvGrpSpPr/>
-        <p:nvPr/>
-      </p:nvGrpSpPr>
-      <p:grpSpPr>
-        <a:xfrm>
-          <a:off x="0" y="0"/>
-          <a:ext cx="0" cy="0"/>
-          <a:chOff x="0" y="0"/>
-          <a:chExt cx="0" cy="0"/>
-        </a:xfrm>
-      </p:grpSpPr>
-      <p:sp>
-        <p:nvSpPr>
-          <p:cNvPr id="2" name="Header Placeholder 1"/>
-          <p:cNvSpPr>
-            <a:spLocks noGrp="1"/>
-          </p:cNvSpPr>
-          <p:nvPr>
-            <p:ph type="hdr" sz="quarter"/>
-          </p:nvPr>
-        </p:nvSpPr>
-        <p:spPr>
-          <a:xfrm>
-            <a:off x="0" y="0"/>
-            <a:ext cx="3962400" cy="342900"/>
-          </a:xfrm>
-          <a:prstGeom prst="rect">
-            <a:avLst/>
-          </a:prstGeom>
-        </p:spPr>
-        <p:txBody>
-          <a:bodyPr vert="horz" lIns="91440" tIns="45720" rIns="91440" bIns="45720" rtlCol="0"/>
-          <a:lstStyle>
-            <a:lvl1pPr algn="l">
-              <a:defRPr sz="1200"/>
-            </a:lvl1pPr>
-          </a:lstStyle>
-          <a:p/>
-        </p:txBody>
-      </p:sp>
-      <p:sp>
-        <p:nvSpPr>
-          <p:cNvPr id="3" name="Date Placeholder 2"/>
-          <p:cNvSpPr>
-            <a:spLocks noGrp="1"/>
-          </p:cNvSpPr>
-          <p:nvPr>
-            <p:ph type="dt" idx="1"/>
-          </p:nvPr>
-        </p:nvSpPr>
-        <p:spPr>
-          <a:xfrm>
-            <a:off x="5180013" y="0"/>
-            <a:ext cx="3962400" cy="342900"/>
-          </a:xfrm>
-          <a:prstGeom prst="rect">
-            <a:avLst/>
-          </a:prstGeom>
-        </p:spPr>
-        <p:txBody>
-          <a:bodyPr vert="horz" lIns="91440" tIns="45720" rIns="91440" bIns="45720" rtlCol="0"/>
-          <a:lstStyle>
-            <a:lvl1pPr algn="r">
-              <a:defRPr sz="1200"/>
-            </a:lvl1pPr>
-          </a:lstStyle>
-          <a:p>
-            <a:r id="{B7268E1E-0E44-426D-905E-8AD9B19D2182}" type="datetimeFigureOut">
-              <a:rPr lang="cs-CZ" smtClean="0"/>
-              <a:t>1.7.2013</a:t>
-            </a:r>
-          </a:p>
-        </p:txBody>
-      </p:sp>
-      <p:sp>
-        <p:nvSpPr>
-          <p:cNvPr id="4" name="Slide Image Placeholder 3"/>
-          <p:cNvSpPr>
-            <a:spLocks noGrp="1" noRot="1" noChangeAspect="1"/>
-          </p:cNvSpPr>
-          <p:nvPr>
-            <p:ph type="sldImg" idx="2"/>
-          </p:nvPr>
-        </p:nvSpPr>
-        <p:spPr>
-          <a:xfrm>
-            <a:off x="2857500" y="512763"/>
-            <a:ext cx="3429000" cy="2566987"/>
-          </a:xfrm>
-          <a:prstGeom prst="rect">
-            <a:avLst/>
-          </a:prstGeom>
-          <a:noFill/>
-          <a:ln w="12700">
-            <a:solidFill>
-              <a:prstClr val="black"/>
-            </a:solidFill>
-          </a:ln>
-        </p:spPr>
-        <p:txBody>
-          <a:bodyPr vert="horz" lIns="91440" tIns="45720" rIns="91440" bIns="45720" rtlCol="0" anchor="ctr"/>
-          <a:lstStyle/>
-          <a:p/>
-        </p:txBody>
-      </p:sp>
-      <p:sp>
-        <p:nvSpPr>
-          <p:cNvPr id="5" name="Notes Placeholder 4"/>
-          <p:cNvSpPr>
-            <a:spLocks noGrp="1"/>
-          </p:cNvSpPr>
-          <p:nvPr>
-            <p:ph type="body" sz="quarter" idx="3"/>
-          </p:nvPr>
-        </p:nvSpPr>
-        <p:spPr>
-          <a:xfrm>
-            <a:off x="914400" y="3251200"/>
-            <a:ext cx="7315200" cy="3081338"/>
-          </a:xfrm>
-          <a:prstGeom prst="rect">
-            <a:avLst/>
-          </a:prstGeom>
-        </p:spPr>
-        <p:txBody>
-          <a:bodyPr vert="horz" lIns="91440" tIns="45720" rIns="91440" bIns="45720" rtlCol="0" anchor="ctr">
-            <a:noAutofit/>
-          </a:bodyPr>
-          <a:lstStyle>
-            <a:lvl1pPr algn="l">
-              <a:defRPr sz="1400" b="false" i="false" u="none" strike="noStrike"/>
-            </a:lvl1pPr>
-          </a:lstStyle>
-          <a:p>
-            <a:pPr algn="l"/>
-            <a:endParaRPr/>
-          </a:p>
-        </p:txBody>
-      </p:sp>
-      <p:sp>
-        <p:nvSpPr>
-          <p:cNvPr id="6" name="Footer Placeholder 5"/>
-          <p:cNvSpPr>
-            <a:spLocks noGrp="1"/>
-          </p:cNvSpPr>
-          <p:nvPr>
-            <p:ph type="ftr" sz="quarter" idx="4"/>
-          </p:nvPr>
-        </p:nvSpPr>
-        <p:spPr>
-          <a:xfrm>
-            <a:off x="0" y="6502400"/>
-            <a:ext cx="3962400" cy="341313"/>
-          </a:xfrm>
-          <a:prstGeom prst="rect">
-            <a:avLst/>
-          </a:prstGeom>
-        </p:spPr>
-        <p:txBody>
-          <a:bodyPr vert="horz" lIns="91440" tIns="45720" rIns="91440" bIns="45720" rtlCol="0" anchor="b"/>
-          <a:lstStyle>
-            <a:lvl1pPr algn="l">
-              <a:defRPr sz="1200"/>
-            </a:lvl1pPr>
-          </a:lstStyle>
-          <a:p/>
-        </p:txBody>
-      </p:sp>
-      <p:sp>
-        <p:nvSpPr>
-          <p:cNvPr id="7" name="Slide Number Placeholder 6"/>
-          <p:cNvSpPr>
-            <a:spLocks noGrp="1"/>
-          </p:cNvSpPr>
-          <p:nvPr>
-            <p:ph type="sldNum" sz="quarter" idx="5"/>
-          </p:nvPr>
-        </p:nvSpPr>
-        <p:spPr>
-          <a:xfrm>
-            <a:off x="5180013" y="6502400"/>
-            <a:ext cx="3962400" cy="341313"/>
-          </a:xfrm>
-          <a:prstGeom prst="rect">
-            <a:avLst/>
-          </a:prstGeom>
-        </p:spPr>
-        <p:txBody>
-          <a:bodyPr vert="horz" lIns="91440" tIns="45720" rIns="91440" bIns="45720" rtlCol="0" anchor="b"/>
-          <a:lstStyle>
-            <a:lvl1pPr algn="r">
-              <a:defRPr sz="1200"/>
-            </a:lvl1pPr>
-          </a:lstStyle>
-          <a:p>
-            <a:r id="{871B2431-D351-4C6E-A3CF-9DFAC0E3E050}" type="slidenum">
-              <a:rPr lang="cs-CZ" smtClean="0"/>
-              <a:t>‹#›</a:t>
-            </a:r>
-          </a:p>
-        </p:txBody>
-      </p:sp>
-    </p:spTree>
-  </p:cSld>
-</p:notes>
-</file>
-
-<file path=ppt/notesSlides/notesSlide34.xml><?xml version="1.0" encoding="utf-8"?>
 <p:notes xmlns:p="http://schemas.openxmlformats.org/presentationml/2006/main">
   <p:cSld>
     <p:spTree xmlns:a="http://schemas.openxmlformats.org/drawingml/2006/main" xmlns:r="http://schemas.openxmlformats.org/officeDocument/2006/relationships">
@@ -22013,9 +21585,40 @@
                 <a:cs typeface="Noto Sans SC"/>
                 <a:sym typeface="Noto Sans SC"/>
               </a:rPr>
-              <a:t>保研岛蓝桥杯Python冲刺班</a:t>
+              <a:t>蓝桥杯</a:t>
+            </a:r>
+            <a:r>
+              <a:rPr lang="en-US" b="true" i="false" strike="noStrike" u="none" sz="5200">
+                <a:solidFill>
+                  <a:srgbClr val="000000"/>
+                </a:solidFill>
+                <a:latin typeface="Noto Sans SC"/>
+                <a:ea typeface="Noto Sans SC"/>
+                <a:cs typeface="Noto Sans SC"/>
+                <a:sym typeface="Noto Sans SC"/>
+              </a:rPr>
+              <a:t/>
             </a:r>
             <a:endParaRPr lang="en-US" sz="1100"/>
+          </a:p>
+          <a:p>
+            <a:pPr algn="ctr" indent="0">
+              <a:lnSpc>
+                <a:spcPct val="125000"/>
+              </a:lnSpc>
+            </a:pPr>
+            <a:r>
+              <a:rPr lang="en-US" b="true" i="false" strike="noStrike" u="none" sz="5200">
+                <a:solidFill>
+                  <a:srgbClr val="000000"/>
+                </a:solidFill>
+                <a:latin typeface="Noto Sans SC"/>
+                <a:ea typeface="Noto Sans SC"/>
+                <a:cs typeface="Noto Sans SC"/>
+                <a:sym typeface="Noto Sans SC"/>
+              </a:rPr>
+              <a:t>Python冲刺班</a:t>
+            </a:r>
           </a:p>
         </p:txBody>
       </p:sp>
@@ -22192,7 +21795,7 @@
 </file>
 
 <file path=ppt/slides/slide10.xml><?xml version="1.0" encoding="utf-8"?>
-<p:sld xmlns:p="http://schemas.openxmlformats.org/presentationml/2006/main" xmlns:a="http://schemas.openxmlformats.org/drawingml/2006/main" xmlns:r="http://schemas.openxmlformats.org/officeDocument/2006/relationships" show="true">
+<p:sld xmlns:p="http://schemas.openxmlformats.org/presentationml/2006/main" xmlns:a="http://schemas.openxmlformats.org/drawingml/2006/main" show="true">
   <p:cSld>
     <p:spTree>
       <p:nvGrpSpPr>
@@ -22216,8 +21819,8 @@
         </p:nvSpPr>
         <p:spPr>
           <a:xfrm rot="0" flipH="false" flipV="false">
-            <a:off x="260948" y="0"/>
-            <a:ext cx="11798300" cy="990600"/>
+            <a:off x="173472" y="1679969"/>
+            <a:ext cx="11645900" cy="1981200"/>
           </a:xfrm>
           <a:prstGeom prst="rect">
             <a:avLst/>
@@ -22234,7 +21837,7 @@
           </a:bodyPr>
           <a:lstStyle/>
           <a:p>
-            <a:pPr algn="l" indent="0">
+            <a:pPr algn="ctr" indent="0">
               <a:lnSpc>
                 <a:spcPct val="125000"/>
               </a:lnSpc>
@@ -22250,116 +21853,31 @@
                 <a:cs typeface="Noto Sans SC"/>
                 <a:sym typeface="Noto Sans SC"/>
               </a:rPr>
-              <a:t>1.2 Python基础语法讲解</a:t>
+              <a:t>课时1.2</a:t>
             </a:r>
             <a:endParaRPr lang="en-US" sz="1100"/>
           </a:p>
-        </p:txBody>
-      </p:sp>
-      <p:sp>
-        <p:nvSpPr>
-          <p:cNvPr name="AutoShape 3" id="3"/>
-          <p:cNvSpPr/>
-          <p:nvPr/>
-        </p:nvSpPr>
-        <p:spPr>
-          <a:xfrm rot="0" flipH="false" flipV="false">
-            <a:off x="260948" y="1056367"/>
-            <a:ext cx="3251200" cy="609600"/>
-          </a:xfrm>
-          <a:prstGeom prst="rect">
-            <a:avLst/>
-          </a:prstGeom>
-          <a:noFill/>
-          <a:ln w="12700">
-            <a:noFill/>
-            <a:prstDash val="solid"/>
-          </a:ln>
-        </p:spPr>
-        <p:txBody>
-          <a:bodyPr anchor="ctr" rtlCol="false" lIns="0" rIns="0" tIns="0" bIns="0">
-            <a:noAutofit/>
-          </a:bodyPr>
-          <a:lstStyle/>
           <a:p>
-            <a:pPr algn="l" indent="0">
+            <a:pPr algn="ctr" indent="0">
               <a:lnSpc>
                 <a:spcPct val="125000"/>
               </a:lnSpc>
-              <a:defRPr/>
             </a:pPr>
             <a:r>
-              <a:rPr lang="en-US" b="true" i="false" strike="noStrike" u="none" sz="3200">
+              <a:rPr lang="en-US" b="true" i="false" strike="noStrike" u="none" sz="5200">
                 <a:solidFill>
-                  <a:srgbClr val="1F2329"/>
+                  <a:srgbClr val="000000"/>
                 </a:solidFill>
                 <a:latin typeface="Noto Sans SC"/>
                 <a:ea typeface="Noto Sans SC"/>
                 <a:cs typeface="Noto Sans SC"/>
                 <a:sym typeface="Noto Sans SC"/>
               </a:rPr>
-              <a:t>标识符 </a:t>
+              <a:t>【基础精炼强化】Python基础语法讲解</a:t>
             </a:r>
-            <a:endParaRPr lang="en-US" sz="1100"/>
           </a:p>
         </p:txBody>
       </p:sp>
-      <p:pic>
-        <p:nvPicPr>
-          <p:cNvPr name="Picture 4" id="4"/>
-          <p:cNvPicPr>
-            <a:picLocks noChangeAspect="true"/>
-          </p:cNvPicPr>
-          <p:nvPr/>
-        </p:nvPicPr>
-        <p:blipFill>
-          <a:blip r:embed="rId2"/>
-          <a:stretch>
-            <a:fillRect/>
-          </a:stretch>
-        </p:blipFill>
-        <p:spPr>
-          <a:xfrm rot="0" flipH="false" flipV="false">
-            <a:off x="439402" y="1673885"/>
-            <a:ext cx="10588102" cy="1755115"/>
-          </a:xfrm>
-          <a:prstGeom prst="rect">
-            <a:avLst/>
-          </a:prstGeom>
-          <a:ln>
-            <a:noFill/>
-            <a:prstDash val="solid"/>
-          </a:ln>
-        </p:spPr>
-      </p:pic>
-      <p:pic>
-        <p:nvPicPr>
-          <p:cNvPr name="Picture 5" id="5"/>
-          <p:cNvPicPr>
-            <a:picLocks noChangeAspect="true"/>
-          </p:cNvPicPr>
-          <p:nvPr/>
-        </p:nvPicPr>
-        <p:blipFill>
-          <a:blip r:embed="rId3"/>
-          <a:stretch>
-            <a:fillRect/>
-          </a:stretch>
-        </p:blipFill>
-        <p:spPr>
-          <a:xfrm rot="0" flipH="false" flipV="false">
-            <a:off x="2648545" y="3429000"/>
-            <a:ext cx="4477523" cy="2927611"/>
-          </a:xfrm>
-          <a:prstGeom prst="rect">
-            <a:avLst/>
-          </a:prstGeom>
-          <a:ln>
-            <a:noFill/>
-            <a:prstDash val="solid"/>
-          </a:ln>
-        </p:spPr>
-      </p:pic>
     </p:spTree>
   </p:cSld>
   <p:clrMapOvr>
@@ -22442,7 +21960,7 @@
         <p:spPr>
           <a:xfrm rot="0" flipH="false" flipV="false">
             <a:off x="260948" y="1056367"/>
-            <a:ext cx="3251200" cy="1219200"/>
+            <a:ext cx="3251200" cy="609600"/>
           </a:xfrm>
           <a:prstGeom prst="rect">
             <a:avLst/>
@@ -22475,16 +21993,9 @@
                 <a:cs typeface="Noto Sans SC"/>
                 <a:sym typeface="Noto Sans SC"/>
               </a:rPr>
-              <a:t>python保留字</a:t>
+              <a:t>标识符 </a:t>
             </a:r>
             <a:endParaRPr lang="en-US" sz="1100"/>
-          </a:p>
-          <a:p>
-            <a:pPr algn="l" indent="0">
-              <a:lnSpc>
-                <a:spcPct val="125000"/>
-              </a:lnSpc>
-            </a:pPr>
           </a:p>
         </p:txBody>
       </p:sp>
@@ -22504,8 +22015,36 @@
         </p:blipFill>
         <p:spPr>
           <a:xfrm rot="0" flipH="false" flipV="false">
-            <a:off x="744433" y="1934021"/>
-            <a:ext cx="9733082" cy="4220448"/>
+            <a:off x="439402" y="1673885"/>
+            <a:ext cx="10588102" cy="1755115"/>
+          </a:xfrm>
+          <a:prstGeom prst="rect">
+            <a:avLst/>
+          </a:prstGeom>
+          <a:ln>
+            <a:noFill/>
+            <a:prstDash val="solid"/>
+          </a:ln>
+        </p:spPr>
+      </p:pic>
+      <p:pic>
+        <p:nvPicPr>
+          <p:cNvPr name="Picture 5" id="5"/>
+          <p:cNvPicPr>
+            <a:picLocks noChangeAspect="true"/>
+          </p:cNvPicPr>
+          <p:nvPr/>
+        </p:nvPicPr>
+        <p:blipFill>
+          <a:blip r:embed="rId3"/>
+          <a:stretch>
+            <a:fillRect/>
+          </a:stretch>
+        </p:blipFill>
+        <p:spPr>
+          <a:xfrm rot="0" flipH="false" flipV="false">
+            <a:off x="3101076" y="3597957"/>
+            <a:ext cx="4292003" cy="3056515"/>
           </a:xfrm>
           <a:prstGeom prst="rect">
             <a:avLst/>
@@ -22598,7 +22137,7 @@
         <p:spPr>
           <a:xfrm rot="0" flipH="false" flipV="false">
             <a:off x="260948" y="1056367"/>
-            <a:ext cx="3251200" cy="609600"/>
+            <a:ext cx="3251200" cy="1219200"/>
           </a:xfrm>
           <a:prstGeom prst="rect">
             <a:avLst/>
@@ -22631,9 +22170,16 @@
                 <a:cs typeface="Noto Sans SC"/>
                 <a:sym typeface="Noto Sans SC"/>
               </a:rPr>
-              <a:t>字符串</a:t>
+              <a:t>python保留字</a:t>
             </a:r>
             <a:endParaRPr lang="en-US" sz="1100"/>
+          </a:p>
+          <a:p>
+            <a:pPr algn="l" indent="0">
+              <a:lnSpc>
+                <a:spcPct val="125000"/>
+              </a:lnSpc>
+            </a:pPr>
           </a:p>
         </p:txBody>
       </p:sp>
@@ -22653,8 +22199,8 @@
         </p:blipFill>
         <p:spPr>
           <a:xfrm rot="0" flipH="false" flipV="false">
-            <a:off x="999345" y="1925507"/>
-            <a:ext cx="9806060" cy="4255730"/>
+            <a:off x="744433" y="1934021"/>
+            <a:ext cx="9733082" cy="4220448"/>
           </a:xfrm>
           <a:prstGeom prst="rect">
             <a:avLst/>
@@ -22802,36 +22348,8 @@
         </p:blipFill>
         <p:spPr>
           <a:xfrm rot="0" flipH="false" flipV="false">
-            <a:off x="597822" y="1951140"/>
-            <a:ext cx="8113605" cy="4328388"/>
-          </a:xfrm>
-          <a:prstGeom prst="rect">
-            <a:avLst/>
-          </a:prstGeom>
-          <a:ln>
-            <a:noFill/>
-            <a:prstDash val="solid"/>
-          </a:ln>
-        </p:spPr>
-      </p:pic>
-      <p:pic>
-        <p:nvPicPr>
-          <p:cNvPr name="Picture 5" id="5"/>
-          <p:cNvPicPr>
-            <a:picLocks noChangeAspect="true"/>
-          </p:cNvPicPr>
-          <p:nvPr/>
-        </p:nvPicPr>
-        <p:blipFill>
-          <a:blip r:embed="rId3"/>
-          <a:stretch>
-            <a:fillRect/>
-          </a:stretch>
-        </p:blipFill>
-        <p:spPr>
-          <a:xfrm rot="0" flipH="false" flipV="false">
-            <a:off x="6372604" y="1951140"/>
-            <a:ext cx="6172200" cy="1612900"/>
+            <a:off x="999345" y="1925507"/>
+            <a:ext cx="9806060" cy="4255730"/>
           </a:xfrm>
           <a:prstGeom prst="rect">
             <a:avLst/>
@@ -22851,7 +22369,7 @@
 </file>
 
 <file path=ppt/slides/slide14.xml><?xml version="1.0" encoding="utf-8"?>
-<p:sld xmlns:p="http://schemas.openxmlformats.org/presentationml/2006/main" xmlns:a="http://schemas.openxmlformats.org/drawingml/2006/main" xmlns:r="http://schemas.openxmlformats.org/officeDocument/2006/relationships" show="true">
+<p:sld xmlns:p="http://schemas.openxmlformats.org/presentationml/2006/main" xmlns:a="http://schemas.openxmlformats.org/drawingml/2006/main" show="true">
   <p:cSld>
     <p:spTree>
       <p:nvGrpSpPr>
@@ -22957,40 +22475,1522 @@
                 <a:cs typeface="Noto Sans SC"/>
                 <a:sym typeface="Noto Sans SC"/>
               </a:rPr>
-              <a:t>import</a:t>
+              <a:t>字符串索引</a:t>
             </a:r>
             <a:endParaRPr lang="en-US" sz="1100"/>
           </a:p>
         </p:txBody>
       </p:sp>
-      <p:pic>
-        <p:nvPicPr>
-          <p:cNvPr name="Picture 4" id="4"/>
-          <p:cNvPicPr>
-            <a:picLocks noChangeAspect="true"/>
-          </p:cNvPicPr>
+      <p:graphicFrame>
+        <p:nvGraphicFramePr>
+          <p:cNvPr name="Table 4" id="4"/>
+          <p:cNvGraphicFramePr>
+            <a:graphicFrameLocks noGrp="true"/>
+          </p:cNvGraphicFramePr>
           <p:nvPr/>
-        </p:nvPicPr>
-        <p:blipFill>
-          <a:blip r:embed="rId2"/>
-          <a:stretch>
-            <a:fillRect/>
-          </a:stretch>
-        </p:blipFill>
+        </p:nvGraphicFramePr>
+        <p:xfrm>
+          <a:off x="1126195" y="1894337"/>
+          <a:ext cx="9779000" cy="2146300"/>
+        </p:xfrm>
+        <a:graphic>
+          <a:graphicData uri="http://schemas.openxmlformats.org/drawingml/2006/table">
+            <a:tbl>
+              <a:tblPr>
+                <a:effectLst/>
+              </a:tblPr>
+              <a:tblGrid>
+                <a:gridCol w="1397000"/>
+                <a:gridCol w="1397000"/>
+                <a:gridCol w="1397000"/>
+                <a:gridCol w="1397000"/>
+                <a:gridCol w="1397000"/>
+                <a:gridCol w="1397000"/>
+                <a:gridCol w="1397000"/>
+              </a:tblGrid>
+              <a:tr h="825500">
+                <a:tc>
+                  <a:txBody>
+                    <a:bodyPr anchor="t" rtlCol="false">
+                      <a:noAutofit/>
+                    </a:bodyPr>
+                    <a:lstStyle/>
+                    <a:p>
+                      <a:pPr algn="ctr">
+                        <a:defRPr/>
+                      </a:pPr>
+                      <a:endParaRPr/>
+                    </a:p>
+                  </a:txBody>
+                  <a:tcPr anchor="ctr" marL="101600" marR="101600" marT="101600" marB="101600">
+                    <a:lnL cmpd="sng" algn="ctr" cap="flat" w="12700">
+                      <a:solidFill>
+                        <a:srgbClr val="DDDEDF"/>
+                      </a:solidFill>
+                      <a:prstDash val="solid"/>
+                      <a:round/>
+                      <a:headEnd type="none" w="med" len="med"/>
+                      <a:tailEnd type="none" w="med" len="med"/>
+                    </a:lnL>
+                    <a:lnR cmpd="sng" algn="ctr" cap="flat" w="12700">
+                      <a:solidFill>
+                        <a:srgbClr val="DDDEDF"/>
+                      </a:solidFill>
+                      <a:prstDash val="solid"/>
+                      <a:round/>
+                      <a:headEnd type="none" w="med" len="med"/>
+                      <a:tailEnd type="none" w="med" len="med"/>
+                    </a:lnR>
+                    <a:lnT cmpd="sng" algn="ctr" cap="flat" w="12700">
+                      <a:solidFill>
+                        <a:srgbClr val="DDDEDF"/>
+                      </a:solidFill>
+                      <a:prstDash val="solid"/>
+                      <a:round/>
+                      <a:headEnd type="none" w="med" len="med"/>
+                      <a:tailEnd type="none" w="med" len="med"/>
+                    </a:lnT>
+                    <a:lnB cmpd="sng" algn="ctr" cap="flat" w="12700">
+                      <a:solidFill>
+                        <a:srgbClr val="DDDEDF"/>
+                      </a:solidFill>
+                      <a:prstDash val="solid"/>
+                      <a:round/>
+                      <a:headEnd type="none" w="med" len="med"/>
+                      <a:tailEnd type="none" w="med" len="med"/>
+                    </a:lnB>
+                    <a:noFill/>
+                  </a:tcPr>
+                </a:tc>
+                <a:tc>
+                  <a:txBody>
+                    <a:bodyPr anchor="t" rtlCol="false">
+                      <a:noAutofit/>
+                    </a:bodyPr>
+                    <a:lstStyle/>
+                    <a:p>
+                      <a:pPr algn="ctr" indent="0">
+                        <a:lnSpc>
+                          <a:spcPct val="100000"/>
+                        </a:lnSpc>
+                        <a:defRPr/>
+                      </a:pPr>
+                      <a:r>
+                        <a:rPr lang="en-US" b="false" i="false" strike="noStrike" u="none" sz="3300">
+                          <a:solidFill>
+                            <a:srgbClr val="4F4F4F"/>
+                          </a:solidFill>
+                          <a:highlight>
+                            <a:srgbClr val="FFFFFF">
+                              <a:alpha val="0"/>
+                            </a:srgbClr>
+                          </a:highlight>
+                          <a:latin typeface="Noto Sans SC"/>
+                          <a:ea typeface="Noto Sans SC"/>
+                          <a:cs typeface="Noto Sans SC"/>
+                          <a:sym typeface="Noto Sans SC"/>
+                        </a:rPr>
+                        <a:t>p</a:t>
+                      </a:r>
+                      <a:endParaRPr lang="en-US" sz="1100"/>
+                    </a:p>
+                  </a:txBody>
+                  <a:tcPr anchor="ctr" marL="101600" marR="101600" marT="101600" marB="101600">
+                    <a:lnL cmpd="sng" algn="ctr" cap="flat" w="12700">
+                      <a:solidFill>
+                        <a:srgbClr val="DDDEDF"/>
+                      </a:solidFill>
+                      <a:prstDash val="solid"/>
+                      <a:round/>
+                      <a:headEnd type="none" w="med" len="med"/>
+                      <a:tailEnd type="none" w="med" len="med"/>
+                    </a:lnL>
+                    <a:lnR cmpd="sng" algn="ctr" cap="flat" w="12700">
+                      <a:solidFill>
+                        <a:srgbClr val="DDDEDF"/>
+                      </a:solidFill>
+                      <a:prstDash val="solid"/>
+                      <a:round/>
+                      <a:headEnd type="none" w="med" len="med"/>
+                      <a:tailEnd type="none" w="med" len="med"/>
+                    </a:lnR>
+                    <a:lnT cmpd="sng" algn="ctr" cap="flat" w="12700">
+                      <a:solidFill>
+                        <a:srgbClr val="DDDEDF"/>
+                      </a:solidFill>
+                      <a:prstDash val="solid"/>
+                      <a:round/>
+                      <a:headEnd type="none" w="med" len="med"/>
+                      <a:tailEnd type="none" w="med" len="med"/>
+                    </a:lnT>
+                    <a:lnB cmpd="sng" algn="ctr" cap="flat" w="12700">
+                      <a:solidFill>
+                        <a:srgbClr val="DDDEDF"/>
+                      </a:solidFill>
+                      <a:prstDash val="solid"/>
+                      <a:round/>
+                      <a:headEnd type="none" w="med" len="med"/>
+                      <a:tailEnd type="none" w="med" len="med"/>
+                    </a:lnB>
+                    <a:noFill/>
+                  </a:tcPr>
+                </a:tc>
+                <a:tc>
+                  <a:txBody>
+                    <a:bodyPr anchor="t" rtlCol="false">
+                      <a:noAutofit/>
+                    </a:bodyPr>
+                    <a:lstStyle/>
+                    <a:p>
+                      <a:pPr algn="ctr" indent="0">
+                        <a:lnSpc>
+                          <a:spcPct val="100000"/>
+                        </a:lnSpc>
+                        <a:defRPr/>
+                      </a:pPr>
+                      <a:r>
+                        <a:rPr lang="en-US" b="false" i="false" strike="noStrike" u="none" sz="3300">
+                          <a:solidFill>
+                            <a:srgbClr val="4F4F4F"/>
+                          </a:solidFill>
+                          <a:highlight>
+                            <a:srgbClr val="FFFFFF">
+                              <a:alpha val="0"/>
+                            </a:srgbClr>
+                          </a:highlight>
+                          <a:latin typeface="Noto Sans SC"/>
+                          <a:ea typeface="Noto Sans SC"/>
+                          <a:cs typeface="Noto Sans SC"/>
+                          <a:sym typeface="Noto Sans SC"/>
+                        </a:rPr>
+                        <a:t>y</a:t>
+                      </a:r>
+                      <a:endParaRPr lang="en-US" sz="1100"/>
+                    </a:p>
+                  </a:txBody>
+                  <a:tcPr anchor="ctr" marL="101600" marR="101600" marT="101600" marB="101600">
+                    <a:lnL cmpd="sng" algn="ctr" cap="flat" w="12700">
+                      <a:solidFill>
+                        <a:srgbClr val="DDDEDF"/>
+                      </a:solidFill>
+                      <a:prstDash val="solid"/>
+                      <a:round/>
+                      <a:headEnd type="none" w="med" len="med"/>
+                      <a:tailEnd type="none" w="med" len="med"/>
+                    </a:lnL>
+                    <a:lnR cmpd="sng" algn="ctr" cap="flat" w="12700">
+                      <a:solidFill>
+                        <a:srgbClr val="DDDEDF"/>
+                      </a:solidFill>
+                      <a:prstDash val="solid"/>
+                      <a:round/>
+                      <a:headEnd type="none" w="med" len="med"/>
+                      <a:tailEnd type="none" w="med" len="med"/>
+                    </a:lnR>
+                    <a:lnT cmpd="sng" algn="ctr" cap="flat" w="12700">
+                      <a:solidFill>
+                        <a:srgbClr val="DDDEDF"/>
+                      </a:solidFill>
+                      <a:prstDash val="solid"/>
+                      <a:round/>
+                      <a:headEnd type="none" w="med" len="med"/>
+                      <a:tailEnd type="none" w="med" len="med"/>
+                    </a:lnT>
+                    <a:lnB cmpd="sng" algn="ctr" cap="flat" w="12700">
+                      <a:solidFill>
+                        <a:srgbClr val="DDDEDF"/>
+                      </a:solidFill>
+                      <a:prstDash val="solid"/>
+                      <a:round/>
+                      <a:headEnd type="none" w="med" len="med"/>
+                      <a:tailEnd type="none" w="med" len="med"/>
+                    </a:lnB>
+                    <a:noFill/>
+                  </a:tcPr>
+                </a:tc>
+                <a:tc>
+                  <a:txBody>
+                    <a:bodyPr anchor="t" rtlCol="false">
+                      <a:noAutofit/>
+                    </a:bodyPr>
+                    <a:lstStyle/>
+                    <a:p>
+                      <a:pPr algn="ctr" indent="0">
+                        <a:lnSpc>
+                          <a:spcPct val="100000"/>
+                        </a:lnSpc>
+                        <a:defRPr/>
+                      </a:pPr>
+                      <a:r>
+                        <a:rPr lang="en-US" b="false" i="false" strike="noStrike" u="none" sz="3300">
+                          <a:solidFill>
+                            <a:srgbClr val="4F4F4F"/>
+                          </a:solidFill>
+                          <a:highlight>
+                            <a:srgbClr val="FFFFFF">
+                              <a:alpha val="0"/>
+                            </a:srgbClr>
+                          </a:highlight>
+                          <a:latin typeface="Noto Sans SC"/>
+                          <a:ea typeface="Noto Sans SC"/>
+                          <a:cs typeface="Noto Sans SC"/>
+                          <a:sym typeface="Noto Sans SC"/>
+                        </a:rPr>
+                        <a:t>t</a:t>
+                      </a:r>
+                      <a:endParaRPr lang="en-US" sz="1100"/>
+                    </a:p>
+                  </a:txBody>
+                  <a:tcPr anchor="ctr" marL="101600" marR="101600" marT="101600" marB="101600">
+                    <a:lnL cmpd="sng" algn="ctr" cap="flat" w="12700">
+                      <a:solidFill>
+                        <a:srgbClr val="DDDEDF"/>
+                      </a:solidFill>
+                      <a:prstDash val="solid"/>
+                      <a:round/>
+                      <a:headEnd type="none" w="med" len="med"/>
+                      <a:tailEnd type="none" w="med" len="med"/>
+                    </a:lnL>
+                    <a:lnR cmpd="sng" algn="ctr" cap="flat" w="12700">
+                      <a:solidFill>
+                        <a:srgbClr val="DDDEDF"/>
+                      </a:solidFill>
+                      <a:prstDash val="solid"/>
+                      <a:round/>
+                      <a:headEnd type="none" w="med" len="med"/>
+                      <a:tailEnd type="none" w="med" len="med"/>
+                    </a:lnR>
+                    <a:lnT cmpd="sng" algn="ctr" cap="flat" w="12700">
+                      <a:solidFill>
+                        <a:srgbClr val="DDDEDF"/>
+                      </a:solidFill>
+                      <a:prstDash val="solid"/>
+                      <a:round/>
+                      <a:headEnd type="none" w="med" len="med"/>
+                      <a:tailEnd type="none" w="med" len="med"/>
+                    </a:lnT>
+                    <a:lnB cmpd="sng" algn="ctr" cap="flat" w="12700">
+                      <a:solidFill>
+                        <a:srgbClr val="DDDEDF"/>
+                      </a:solidFill>
+                      <a:prstDash val="solid"/>
+                      <a:round/>
+                      <a:headEnd type="none" w="med" len="med"/>
+                      <a:tailEnd type="none" w="med" len="med"/>
+                    </a:lnB>
+                    <a:noFill/>
+                  </a:tcPr>
+                </a:tc>
+                <a:tc>
+                  <a:txBody>
+                    <a:bodyPr anchor="t" rtlCol="false">
+                      <a:noAutofit/>
+                    </a:bodyPr>
+                    <a:lstStyle/>
+                    <a:p>
+                      <a:pPr algn="ctr" indent="0">
+                        <a:lnSpc>
+                          <a:spcPct val="100000"/>
+                        </a:lnSpc>
+                        <a:defRPr/>
+                      </a:pPr>
+                      <a:r>
+                        <a:rPr lang="en-US" b="false" i="false" strike="noStrike" u="none" sz="3300">
+                          <a:solidFill>
+                            <a:srgbClr val="4F4F4F"/>
+                          </a:solidFill>
+                          <a:highlight>
+                            <a:srgbClr val="FFFFFF">
+                              <a:alpha val="0"/>
+                            </a:srgbClr>
+                          </a:highlight>
+                          <a:latin typeface="Noto Sans SC"/>
+                          <a:ea typeface="Noto Sans SC"/>
+                          <a:cs typeface="Noto Sans SC"/>
+                          <a:sym typeface="Noto Sans SC"/>
+                        </a:rPr>
+                        <a:t>h</a:t>
+                      </a:r>
+                      <a:endParaRPr lang="en-US" sz="1100"/>
+                    </a:p>
+                  </a:txBody>
+                  <a:tcPr anchor="ctr" marL="101600" marR="101600" marT="101600" marB="101600">
+                    <a:lnL cmpd="sng" algn="ctr" cap="flat" w="12700">
+                      <a:solidFill>
+                        <a:srgbClr val="DDDEDF"/>
+                      </a:solidFill>
+                      <a:prstDash val="solid"/>
+                      <a:round/>
+                      <a:headEnd type="none" w="med" len="med"/>
+                      <a:tailEnd type="none" w="med" len="med"/>
+                    </a:lnL>
+                    <a:lnR cmpd="sng" algn="ctr" cap="flat" w="12700">
+                      <a:solidFill>
+                        <a:srgbClr val="DDDEDF"/>
+                      </a:solidFill>
+                      <a:prstDash val="solid"/>
+                      <a:round/>
+                      <a:headEnd type="none" w="med" len="med"/>
+                      <a:tailEnd type="none" w="med" len="med"/>
+                    </a:lnR>
+                    <a:lnT cmpd="sng" algn="ctr" cap="flat" w="12700">
+                      <a:solidFill>
+                        <a:srgbClr val="DDDEDF"/>
+                      </a:solidFill>
+                      <a:prstDash val="solid"/>
+                      <a:round/>
+                      <a:headEnd type="none" w="med" len="med"/>
+                      <a:tailEnd type="none" w="med" len="med"/>
+                    </a:lnT>
+                    <a:lnB cmpd="sng" algn="ctr" cap="flat" w="12700">
+                      <a:solidFill>
+                        <a:srgbClr val="DDDEDF"/>
+                      </a:solidFill>
+                      <a:prstDash val="solid"/>
+                      <a:round/>
+                      <a:headEnd type="none" w="med" len="med"/>
+                      <a:tailEnd type="none" w="med" len="med"/>
+                    </a:lnB>
+                    <a:noFill/>
+                  </a:tcPr>
+                </a:tc>
+                <a:tc>
+                  <a:txBody>
+                    <a:bodyPr anchor="t" rtlCol="false">
+                      <a:noAutofit/>
+                    </a:bodyPr>
+                    <a:lstStyle/>
+                    <a:p>
+                      <a:pPr algn="ctr" indent="0">
+                        <a:lnSpc>
+                          <a:spcPct val="100000"/>
+                        </a:lnSpc>
+                        <a:defRPr/>
+                      </a:pPr>
+                      <a:r>
+                        <a:rPr lang="en-US" b="false" i="false" strike="noStrike" u="none" sz="3300">
+                          <a:solidFill>
+                            <a:srgbClr val="4F4F4F"/>
+                          </a:solidFill>
+                          <a:highlight>
+                            <a:srgbClr val="FFFFFF">
+                              <a:alpha val="0"/>
+                            </a:srgbClr>
+                          </a:highlight>
+                          <a:latin typeface="Noto Sans SC"/>
+                          <a:ea typeface="Noto Sans SC"/>
+                          <a:cs typeface="Noto Sans SC"/>
+                          <a:sym typeface="Noto Sans SC"/>
+                        </a:rPr>
+                        <a:t>o</a:t>
+                      </a:r>
+                      <a:endParaRPr lang="en-US" sz="1100"/>
+                    </a:p>
+                  </a:txBody>
+                  <a:tcPr anchor="ctr" marL="101600" marR="101600" marT="101600" marB="101600">
+                    <a:lnL cmpd="sng" algn="ctr" cap="flat" w="12700">
+                      <a:solidFill>
+                        <a:srgbClr val="DDDEDF"/>
+                      </a:solidFill>
+                      <a:prstDash val="solid"/>
+                      <a:round/>
+                      <a:headEnd type="none" w="med" len="med"/>
+                      <a:tailEnd type="none" w="med" len="med"/>
+                    </a:lnL>
+                    <a:lnR cmpd="sng" algn="ctr" cap="flat" w="12700">
+                      <a:solidFill>
+                        <a:srgbClr val="DDDEDF"/>
+                      </a:solidFill>
+                      <a:prstDash val="solid"/>
+                      <a:round/>
+                      <a:headEnd type="none" w="med" len="med"/>
+                      <a:tailEnd type="none" w="med" len="med"/>
+                    </a:lnR>
+                    <a:lnT cmpd="sng" algn="ctr" cap="flat" w="12700">
+                      <a:solidFill>
+                        <a:srgbClr val="DDDEDF"/>
+                      </a:solidFill>
+                      <a:prstDash val="solid"/>
+                      <a:round/>
+                      <a:headEnd type="none" w="med" len="med"/>
+                      <a:tailEnd type="none" w="med" len="med"/>
+                    </a:lnT>
+                    <a:lnB cmpd="sng" algn="ctr" cap="flat" w="12700">
+                      <a:solidFill>
+                        <a:srgbClr val="DDDEDF"/>
+                      </a:solidFill>
+                      <a:prstDash val="solid"/>
+                      <a:round/>
+                      <a:headEnd type="none" w="med" len="med"/>
+                      <a:tailEnd type="none" w="med" len="med"/>
+                    </a:lnB>
+                    <a:noFill/>
+                  </a:tcPr>
+                </a:tc>
+                <a:tc>
+                  <a:txBody>
+                    <a:bodyPr anchor="t" rtlCol="false">
+                      <a:noAutofit/>
+                    </a:bodyPr>
+                    <a:lstStyle/>
+                    <a:p>
+                      <a:pPr algn="ctr" indent="0">
+                        <a:lnSpc>
+                          <a:spcPct val="100000"/>
+                        </a:lnSpc>
+                        <a:defRPr/>
+                      </a:pPr>
+                      <a:r>
+                        <a:rPr lang="en-US" b="false" i="false" strike="noStrike" u="none" sz="3300">
+                          <a:solidFill>
+                            <a:srgbClr val="4F4F4F"/>
+                          </a:solidFill>
+                          <a:highlight>
+                            <a:srgbClr val="FFFFFF">
+                              <a:alpha val="0"/>
+                            </a:srgbClr>
+                          </a:highlight>
+                          <a:latin typeface="Noto Sans SC"/>
+                          <a:ea typeface="Noto Sans SC"/>
+                          <a:cs typeface="Noto Sans SC"/>
+                          <a:sym typeface="Noto Sans SC"/>
+                        </a:rPr>
+                        <a:t>n</a:t>
+                      </a:r>
+                      <a:endParaRPr lang="en-US" sz="1100"/>
+                    </a:p>
+                  </a:txBody>
+                  <a:tcPr anchor="ctr" marL="101600" marR="101600" marT="101600" marB="101600">
+                    <a:lnL>
+                      <a:noFill/>
+                    </a:lnL>
+                    <a:lnR cmpd="sng" algn="ctr" cap="flat" w="12700">
+                      <a:solidFill>
+                        <a:srgbClr val="DDDEDF"/>
+                      </a:solidFill>
+                      <a:prstDash val="solid"/>
+                      <a:round/>
+                      <a:headEnd type="none" w="med" len="med"/>
+                      <a:tailEnd type="none" w="med" len="med"/>
+                    </a:lnR>
+                    <a:lnT cmpd="sng" algn="ctr" cap="flat" w="12700">
+                      <a:solidFill>
+                        <a:srgbClr val="DDDEDF"/>
+                      </a:solidFill>
+                      <a:prstDash val="solid"/>
+                      <a:round/>
+                      <a:headEnd type="none" w="med" len="med"/>
+                      <a:tailEnd type="none" w="med" len="med"/>
+                    </a:lnT>
+                    <a:lnB cmpd="sng" algn="ctr" cap="flat" w="12700">
+                      <a:solidFill>
+                        <a:srgbClr val="DDDEDF"/>
+                      </a:solidFill>
+                      <a:prstDash val="solid"/>
+                      <a:round/>
+                      <a:headEnd type="none" w="med" len="med"/>
+                      <a:tailEnd type="none" w="med" len="med"/>
+                    </a:lnB>
+                    <a:noFill/>
+                  </a:tcPr>
+                </a:tc>
+              </a:tr>
+              <a:tr h="660400">
+                <a:tc>
+                  <a:txBody>
+                    <a:bodyPr anchor="t" rtlCol="false">
+                      <a:noAutofit/>
+                    </a:bodyPr>
+                    <a:lstStyle/>
+                    <a:p>
+                      <a:pPr algn="ctr" indent="0">
+                        <a:lnSpc>
+                          <a:spcPct val="100000"/>
+                        </a:lnSpc>
+                        <a:defRPr/>
+                      </a:pPr>
+                      <a:r>
+                        <a:rPr lang="en-US" b="false" i="false" strike="noStrike" u="none" sz="2400">
+                          <a:solidFill>
+                            <a:srgbClr val="4F4F4F"/>
+                          </a:solidFill>
+                          <a:latin typeface="Noto Sans SC"/>
+                          <a:ea typeface="Noto Sans SC"/>
+                          <a:cs typeface="Noto Sans SC"/>
+                          <a:sym typeface="Noto Sans SC"/>
+                        </a:rPr>
+                        <a:t>正索引</a:t>
+                      </a:r>
+                      <a:endParaRPr lang="en-US" sz="1100"/>
+                    </a:p>
+                  </a:txBody>
+                  <a:tcPr anchor="ctr" marL="101600" marR="101600" marT="101600" marB="101600">
+                    <a:lnL cmpd="sng" algn="ctr" cap="flat" w="12700">
+                      <a:solidFill>
+                        <a:srgbClr val="DDDEDF"/>
+                      </a:solidFill>
+                      <a:prstDash val="solid"/>
+                      <a:round/>
+                      <a:headEnd type="none" w="med" len="med"/>
+                      <a:tailEnd type="none" w="med" len="med"/>
+                    </a:lnL>
+                    <a:lnR cmpd="sng" algn="ctr" cap="flat" w="12700">
+                      <a:solidFill>
+                        <a:srgbClr val="DDDEDF"/>
+                      </a:solidFill>
+                      <a:prstDash val="solid"/>
+                      <a:round/>
+                      <a:headEnd type="none" w="med" len="med"/>
+                      <a:tailEnd type="none" w="med" len="med"/>
+                    </a:lnR>
+                    <a:lnT cmpd="sng" algn="ctr" cap="flat" w="12700">
+                      <a:solidFill>
+                        <a:srgbClr val="DDDEDF"/>
+                      </a:solidFill>
+                      <a:prstDash val="solid"/>
+                      <a:round/>
+                      <a:headEnd type="none" w="med" len="med"/>
+                      <a:tailEnd type="none" w="med" len="med"/>
+                    </a:lnT>
+                    <a:lnB cmpd="sng" algn="ctr" cap="flat" w="12700">
+                      <a:solidFill>
+                        <a:srgbClr val="DDDEDF"/>
+                      </a:solidFill>
+                      <a:prstDash val="solid"/>
+                      <a:round/>
+                      <a:headEnd type="none" w="med" len="med"/>
+                      <a:tailEnd type="none" w="med" len="med"/>
+                    </a:lnB>
+                    <a:noFill/>
+                  </a:tcPr>
+                </a:tc>
+                <a:tc>
+                  <a:txBody>
+                    <a:bodyPr anchor="t" rtlCol="false">
+                      <a:noAutofit/>
+                    </a:bodyPr>
+                    <a:lstStyle/>
+                    <a:p>
+                      <a:pPr algn="ctr" indent="0">
+                        <a:lnSpc>
+                          <a:spcPct val="100000"/>
+                        </a:lnSpc>
+                        <a:defRPr/>
+                      </a:pPr>
+                      <a:r>
+                        <a:rPr lang="en-US" b="false" i="false" strike="noStrike" u="none" sz="2400">
+                          <a:solidFill>
+                            <a:srgbClr val="4F4F4F"/>
+                          </a:solidFill>
+                          <a:latin typeface="Noto Sans SC"/>
+                          <a:ea typeface="Noto Sans SC"/>
+                          <a:cs typeface="Noto Sans SC"/>
+                          <a:sym typeface="Noto Sans SC"/>
+                        </a:rPr>
+                        <a:t>0</a:t>
+                      </a:r>
+                      <a:endParaRPr lang="en-US" sz="1100"/>
+                    </a:p>
+                  </a:txBody>
+                  <a:tcPr anchor="ctr" marL="101600" marR="101600" marT="101600" marB="101600">
+                    <a:lnL cmpd="sng" algn="ctr" cap="flat" w="12700">
+                      <a:solidFill>
+                        <a:srgbClr val="DDDEDF"/>
+                      </a:solidFill>
+                      <a:prstDash val="solid"/>
+                      <a:round/>
+                      <a:headEnd type="none" w="med" len="med"/>
+                      <a:tailEnd type="none" w="med" len="med"/>
+                    </a:lnL>
+                    <a:lnR cmpd="sng" algn="ctr" cap="flat" w="12700">
+                      <a:solidFill>
+                        <a:srgbClr val="DDDEDF"/>
+                      </a:solidFill>
+                      <a:prstDash val="solid"/>
+                      <a:round/>
+                      <a:headEnd type="none" w="med" len="med"/>
+                      <a:tailEnd type="none" w="med" len="med"/>
+                    </a:lnR>
+                    <a:lnT cmpd="sng" algn="ctr" cap="flat" w="12700">
+                      <a:solidFill>
+                        <a:srgbClr val="DDDEDF"/>
+                      </a:solidFill>
+                      <a:prstDash val="solid"/>
+                      <a:round/>
+                      <a:headEnd type="none" w="med" len="med"/>
+                      <a:tailEnd type="none" w="med" len="med"/>
+                    </a:lnT>
+                    <a:lnB cmpd="sng" algn="ctr" cap="flat" w="12700">
+                      <a:solidFill>
+                        <a:srgbClr val="DDDEDF"/>
+                      </a:solidFill>
+                      <a:prstDash val="solid"/>
+                      <a:round/>
+                      <a:headEnd type="none" w="med" len="med"/>
+                      <a:tailEnd type="none" w="med" len="med"/>
+                    </a:lnB>
+                    <a:noFill/>
+                  </a:tcPr>
+                </a:tc>
+                <a:tc>
+                  <a:txBody>
+                    <a:bodyPr anchor="t" rtlCol="false">
+                      <a:noAutofit/>
+                    </a:bodyPr>
+                    <a:lstStyle/>
+                    <a:p>
+                      <a:pPr algn="ctr" indent="0">
+                        <a:lnSpc>
+                          <a:spcPct val="100000"/>
+                        </a:lnSpc>
+                        <a:defRPr/>
+                      </a:pPr>
+                      <a:r>
+                        <a:rPr lang="en-US" b="false" i="false" strike="noStrike" u="none" sz="2400">
+                          <a:solidFill>
+                            <a:srgbClr val="4F4F4F"/>
+                          </a:solidFill>
+                          <a:latin typeface="Noto Sans SC"/>
+                          <a:ea typeface="Noto Sans SC"/>
+                          <a:cs typeface="Noto Sans SC"/>
+                          <a:sym typeface="Noto Sans SC"/>
+                        </a:rPr>
+                        <a:t>1</a:t>
+                      </a:r>
+                      <a:endParaRPr lang="en-US" sz="1100"/>
+                    </a:p>
+                  </a:txBody>
+                  <a:tcPr anchor="ctr" marL="101600" marR="101600" marT="101600" marB="101600">
+                    <a:lnL cmpd="sng" algn="ctr" cap="flat" w="12700">
+                      <a:solidFill>
+                        <a:srgbClr val="DDDEDF"/>
+                      </a:solidFill>
+                      <a:prstDash val="solid"/>
+                      <a:round/>
+                      <a:headEnd type="none" w="med" len="med"/>
+                      <a:tailEnd type="none" w="med" len="med"/>
+                    </a:lnL>
+                    <a:lnR cmpd="sng" algn="ctr" cap="flat" w="12700">
+                      <a:solidFill>
+                        <a:srgbClr val="DDDEDF"/>
+                      </a:solidFill>
+                      <a:prstDash val="solid"/>
+                      <a:round/>
+                      <a:headEnd type="none" w="med" len="med"/>
+                      <a:tailEnd type="none" w="med" len="med"/>
+                    </a:lnR>
+                    <a:lnT cmpd="sng" algn="ctr" cap="flat" w="12700">
+                      <a:solidFill>
+                        <a:srgbClr val="DDDEDF"/>
+                      </a:solidFill>
+                      <a:prstDash val="solid"/>
+                      <a:round/>
+                      <a:headEnd type="none" w="med" len="med"/>
+                      <a:tailEnd type="none" w="med" len="med"/>
+                    </a:lnT>
+                    <a:lnB cmpd="sng" algn="ctr" cap="flat" w="12700">
+                      <a:solidFill>
+                        <a:srgbClr val="DDDEDF"/>
+                      </a:solidFill>
+                      <a:prstDash val="solid"/>
+                      <a:round/>
+                      <a:headEnd type="none" w="med" len="med"/>
+                      <a:tailEnd type="none" w="med" len="med"/>
+                    </a:lnB>
+                    <a:noFill/>
+                  </a:tcPr>
+                </a:tc>
+                <a:tc>
+                  <a:txBody>
+                    <a:bodyPr anchor="t" rtlCol="false">
+                      <a:noAutofit/>
+                    </a:bodyPr>
+                    <a:lstStyle/>
+                    <a:p>
+                      <a:pPr algn="ctr" indent="0">
+                        <a:lnSpc>
+                          <a:spcPct val="100000"/>
+                        </a:lnSpc>
+                        <a:defRPr/>
+                      </a:pPr>
+                      <a:r>
+                        <a:rPr lang="en-US" b="false" i="false" strike="noStrike" u="none" sz="2400">
+                          <a:solidFill>
+                            <a:srgbClr val="4F4F4F"/>
+                          </a:solidFill>
+                          <a:latin typeface="Noto Sans SC"/>
+                          <a:ea typeface="Noto Sans SC"/>
+                          <a:cs typeface="Noto Sans SC"/>
+                          <a:sym typeface="Noto Sans SC"/>
+                        </a:rPr>
+                        <a:t>2</a:t>
+                      </a:r>
+                      <a:endParaRPr lang="en-US" sz="1100"/>
+                    </a:p>
+                  </a:txBody>
+                  <a:tcPr anchor="ctr" marL="101600" marR="101600" marT="101600" marB="101600">
+                    <a:lnL cmpd="sng" algn="ctr" cap="flat" w="12700">
+                      <a:solidFill>
+                        <a:srgbClr val="DDDEDF"/>
+                      </a:solidFill>
+                      <a:prstDash val="solid"/>
+                      <a:round/>
+                      <a:headEnd type="none" w="med" len="med"/>
+                      <a:tailEnd type="none" w="med" len="med"/>
+                    </a:lnL>
+                    <a:lnR cmpd="sng" algn="ctr" cap="flat" w="12700">
+                      <a:solidFill>
+                        <a:srgbClr val="DDDEDF"/>
+                      </a:solidFill>
+                      <a:prstDash val="solid"/>
+                      <a:round/>
+                      <a:headEnd type="none" w="med" len="med"/>
+                      <a:tailEnd type="none" w="med" len="med"/>
+                    </a:lnR>
+                    <a:lnT cmpd="sng" algn="ctr" cap="flat" w="12700">
+                      <a:solidFill>
+                        <a:srgbClr val="DDDEDF"/>
+                      </a:solidFill>
+                      <a:prstDash val="solid"/>
+                      <a:round/>
+                      <a:headEnd type="none" w="med" len="med"/>
+                      <a:tailEnd type="none" w="med" len="med"/>
+                    </a:lnT>
+                    <a:lnB cmpd="sng" algn="ctr" cap="flat" w="12700">
+                      <a:solidFill>
+                        <a:srgbClr val="DDDEDF"/>
+                      </a:solidFill>
+                      <a:prstDash val="solid"/>
+                      <a:round/>
+                      <a:headEnd type="none" w="med" len="med"/>
+                      <a:tailEnd type="none" w="med" len="med"/>
+                    </a:lnB>
+                    <a:noFill/>
+                  </a:tcPr>
+                </a:tc>
+                <a:tc>
+                  <a:txBody>
+                    <a:bodyPr anchor="t" rtlCol="false">
+                      <a:noAutofit/>
+                    </a:bodyPr>
+                    <a:lstStyle/>
+                    <a:p>
+                      <a:pPr algn="ctr" indent="0">
+                        <a:lnSpc>
+                          <a:spcPct val="100000"/>
+                        </a:lnSpc>
+                        <a:defRPr/>
+                      </a:pPr>
+                      <a:r>
+                        <a:rPr lang="en-US" b="false" i="false" strike="noStrike" u="none" sz="2400">
+                          <a:solidFill>
+                            <a:srgbClr val="4F4F4F"/>
+                          </a:solidFill>
+                          <a:latin typeface="Noto Sans SC"/>
+                          <a:ea typeface="Noto Sans SC"/>
+                          <a:cs typeface="Noto Sans SC"/>
+                          <a:sym typeface="Noto Sans SC"/>
+                        </a:rPr>
+                        <a:t>3</a:t>
+                      </a:r>
+                      <a:endParaRPr lang="en-US" sz="1100"/>
+                    </a:p>
+                  </a:txBody>
+                  <a:tcPr anchor="ctr" marL="101600" marR="101600" marT="101600" marB="101600">
+                    <a:lnL cmpd="sng" algn="ctr" cap="flat" w="12700">
+                      <a:solidFill>
+                        <a:srgbClr val="DDDEDF"/>
+                      </a:solidFill>
+                      <a:prstDash val="solid"/>
+                      <a:round/>
+                      <a:headEnd type="none" w="med" len="med"/>
+                      <a:tailEnd type="none" w="med" len="med"/>
+                    </a:lnL>
+                    <a:lnR cmpd="sng" algn="ctr" cap="flat" w="12700">
+                      <a:solidFill>
+                        <a:srgbClr val="DDDEDF"/>
+                      </a:solidFill>
+                      <a:prstDash val="solid"/>
+                      <a:round/>
+                      <a:headEnd type="none" w="med" len="med"/>
+                      <a:tailEnd type="none" w="med" len="med"/>
+                    </a:lnR>
+                    <a:lnT cmpd="sng" algn="ctr" cap="flat" w="12700">
+                      <a:solidFill>
+                        <a:srgbClr val="DDDEDF"/>
+                      </a:solidFill>
+                      <a:prstDash val="solid"/>
+                      <a:round/>
+                      <a:headEnd type="none" w="med" len="med"/>
+                      <a:tailEnd type="none" w="med" len="med"/>
+                    </a:lnT>
+                    <a:lnB cmpd="sng" algn="ctr" cap="flat" w="12700">
+                      <a:solidFill>
+                        <a:srgbClr val="DDDEDF"/>
+                      </a:solidFill>
+                      <a:prstDash val="solid"/>
+                      <a:round/>
+                      <a:headEnd type="none" w="med" len="med"/>
+                      <a:tailEnd type="none" w="med" len="med"/>
+                    </a:lnB>
+                    <a:noFill/>
+                  </a:tcPr>
+                </a:tc>
+                <a:tc>
+                  <a:txBody>
+                    <a:bodyPr anchor="t" rtlCol="false">
+                      <a:noAutofit/>
+                    </a:bodyPr>
+                    <a:lstStyle/>
+                    <a:p>
+                      <a:pPr algn="ctr" indent="0">
+                        <a:lnSpc>
+                          <a:spcPct val="100000"/>
+                        </a:lnSpc>
+                        <a:defRPr/>
+                      </a:pPr>
+                      <a:r>
+                        <a:rPr lang="en-US" b="false" i="false" strike="noStrike" u="none" sz="2400">
+                          <a:solidFill>
+                            <a:srgbClr val="4F4F4F"/>
+                          </a:solidFill>
+                          <a:latin typeface="Noto Sans SC"/>
+                          <a:ea typeface="Noto Sans SC"/>
+                          <a:cs typeface="Noto Sans SC"/>
+                          <a:sym typeface="Noto Sans SC"/>
+                        </a:rPr>
+                        <a:t>4</a:t>
+                      </a:r>
+                      <a:endParaRPr lang="en-US" sz="1100"/>
+                    </a:p>
+                  </a:txBody>
+                  <a:tcPr anchor="ctr" marL="101600" marR="101600" marT="101600" marB="101600">
+                    <a:lnL cmpd="sng" algn="ctr" cap="flat" w="12700">
+                      <a:solidFill>
+                        <a:srgbClr val="DDDEDF"/>
+                      </a:solidFill>
+                      <a:prstDash val="solid"/>
+                      <a:round/>
+                      <a:headEnd type="none" w="med" len="med"/>
+                      <a:tailEnd type="none" w="med" len="med"/>
+                    </a:lnL>
+                    <a:lnR cmpd="sng" algn="ctr" cap="flat" w="12700">
+                      <a:solidFill>
+                        <a:srgbClr val="DDDEDF"/>
+                      </a:solidFill>
+                      <a:prstDash val="solid"/>
+                      <a:round/>
+                      <a:headEnd type="none" w="med" len="med"/>
+                      <a:tailEnd type="none" w="med" len="med"/>
+                    </a:lnR>
+                    <a:lnT cmpd="sng" algn="ctr" cap="flat" w="12700">
+                      <a:solidFill>
+                        <a:srgbClr val="DDDEDF"/>
+                      </a:solidFill>
+                      <a:prstDash val="solid"/>
+                      <a:round/>
+                      <a:headEnd type="none" w="med" len="med"/>
+                      <a:tailEnd type="none" w="med" len="med"/>
+                    </a:lnT>
+                    <a:lnB cmpd="sng" algn="ctr" cap="flat" w="12700">
+                      <a:solidFill>
+                        <a:srgbClr val="DDDEDF"/>
+                      </a:solidFill>
+                      <a:prstDash val="solid"/>
+                      <a:round/>
+                      <a:headEnd type="none" w="med" len="med"/>
+                      <a:tailEnd type="none" w="med" len="med"/>
+                    </a:lnB>
+                    <a:noFill/>
+                  </a:tcPr>
+                </a:tc>
+                <a:tc>
+                  <a:txBody>
+                    <a:bodyPr anchor="t" rtlCol="false">
+                      <a:noAutofit/>
+                    </a:bodyPr>
+                    <a:lstStyle/>
+                    <a:p>
+                      <a:pPr algn="ctr" indent="0">
+                        <a:lnSpc>
+                          <a:spcPct val="100000"/>
+                        </a:lnSpc>
+                        <a:defRPr/>
+                      </a:pPr>
+                      <a:r>
+                        <a:rPr lang="en-US" b="false" i="false" strike="noStrike" u="none" sz="2400">
+                          <a:solidFill>
+                            <a:srgbClr val="4F4F4F"/>
+                          </a:solidFill>
+                          <a:latin typeface="Noto Sans SC"/>
+                          <a:ea typeface="Noto Sans SC"/>
+                          <a:cs typeface="Noto Sans SC"/>
+                          <a:sym typeface="Noto Sans SC"/>
+                        </a:rPr>
+                        <a:t>5</a:t>
+                      </a:r>
+                      <a:endParaRPr lang="en-US" sz="1100"/>
+                    </a:p>
+                  </a:txBody>
+                  <a:tcPr anchor="ctr" marL="101600" marR="101600" marT="101600" marB="101600">
+                    <a:lnL>
+                      <a:noFill/>
+                    </a:lnL>
+                    <a:lnR cmpd="sng" algn="ctr" cap="flat" w="12700">
+                      <a:solidFill>
+                        <a:srgbClr val="DDDEDF"/>
+                      </a:solidFill>
+                      <a:prstDash val="solid"/>
+                      <a:round/>
+                      <a:headEnd type="none" w="med" len="med"/>
+                      <a:tailEnd type="none" w="med" len="med"/>
+                    </a:lnR>
+                    <a:lnT cmpd="sng" algn="ctr" cap="flat" w="12700">
+                      <a:solidFill>
+                        <a:srgbClr val="DDDEDF"/>
+                      </a:solidFill>
+                      <a:prstDash val="solid"/>
+                      <a:round/>
+                      <a:headEnd type="none" w="med" len="med"/>
+                      <a:tailEnd type="none" w="med" len="med"/>
+                    </a:lnT>
+                    <a:lnB cmpd="sng" algn="ctr" cap="flat" w="12700">
+                      <a:solidFill>
+                        <a:srgbClr val="DDDEDF"/>
+                      </a:solidFill>
+                      <a:prstDash val="solid"/>
+                      <a:round/>
+                      <a:headEnd type="none" w="med" len="med"/>
+                      <a:tailEnd type="none" w="med" len="med"/>
+                    </a:lnB>
+                    <a:noFill/>
+                  </a:tcPr>
+                </a:tc>
+              </a:tr>
+              <a:tr h="660400">
+                <a:tc>
+                  <a:txBody>
+                    <a:bodyPr anchor="t" rtlCol="false">
+                      <a:noAutofit/>
+                    </a:bodyPr>
+                    <a:lstStyle/>
+                    <a:p>
+                      <a:pPr algn="ctr" indent="0">
+                        <a:lnSpc>
+                          <a:spcPct val="100000"/>
+                        </a:lnSpc>
+                        <a:defRPr/>
+                      </a:pPr>
+                      <a:r>
+                        <a:rPr lang="en-US" b="false" i="false" strike="noStrike" u="none" sz="2400">
+                          <a:solidFill>
+                            <a:srgbClr val="4F4F4F"/>
+                          </a:solidFill>
+                          <a:latin typeface="Noto Sans SC"/>
+                          <a:ea typeface="Noto Sans SC"/>
+                          <a:cs typeface="Noto Sans SC"/>
+                          <a:sym typeface="Noto Sans SC"/>
+                        </a:rPr>
+                        <a:t>负索引</a:t>
+                      </a:r>
+                      <a:endParaRPr lang="en-US" sz="1100"/>
+                    </a:p>
+                  </a:txBody>
+                  <a:tcPr anchor="ctr" marL="101600" marR="101600" marT="101600" marB="101600">
+                    <a:lnL cmpd="sng" algn="ctr" cap="flat" w="12700">
+                      <a:solidFill>
+                        <a:srgbClr val="DDDEDF"/>
+                      </a:solidFill>
+                      <a:prstDash val="solid"/>
+                      <a:round/>
+                      <a:headEnd type="none" w="med" len="med"/>
+                      <a:tailEnd type="none" w="med" len="med"/>
+                    </a:lnL>
+                    <a:lnR cmpd="sng" algn="ctr" cap="flat" w="12700">
+                      <a:solidFill>
+                        <a:srgbClr val="DDDEDF"/>
+                      </a:solidFill>
+                      <a:prstDash val="solid"/>
+                      <a:round/>
+                      <a:headEnd type="none" w="med" len="med"/>
+                      <a:tailEnd type="none" w="med" len="med"/>
+                    </a:lnR>
+                    <a:lnT cmpd="sng" algn="ctr" cap="flat" w="12700">
+                      <a:solidFill>
+                        <a:srgbClr val="DDDEDF"/>
+                      </a:solidFill>
+                      <a:prstDash val="solid"/>
+                      <a:round/>
+                      <a:headEnd type="none" w="med" len="med"/>
+                      <a:tailEnd type="none" w="med" len="med"/>
+                    </a:lnT>
+                    <a:lnB cmpd="sng" algn="ctr" cap="flat" w="12700">
+                      <a:solidFill>
+                        <a:srgbClr val="DDDEDF"/>
+                      </a:solidFill>
+                      <a:prstDash val="solid"/>
+                      <a:round/>
+                      <a:headEnd type="none" w="med" len="med"/>
+                      <a:tailEnd type="none" w="med" len="med"/>
+                    </a:lnB>
+                    <a:noFill/>
+                  </a:tcPr>
+                </a:tc>
+                <a:tc>
+                  <a:txBody>
+                    <a:bodyPr anchor="t" rtlCol="false">
+                      <a:noAutofit/>
+                    </a:bodyPr>
+                    <a:lstStyle/>
+                    <a:p>
+                      <a:pPr algn="ctr" indent="0">
+                        <a:lnSpc>
+                          <a:spcPct val="100000"/>
+                        </a:lnSpc>
+                        <a:defRPr/>
+                      </a:pPr>
+                      <a:r>
+                        <a:rPr lang="en-US" b="false" i="false" strike="noStrike" u="none" sz="2400">
+                          <a:solidFill>
+                            <a:srgbClr val="4F4F4F"/>
+                          </a:solidFill>
+                          <a:latin typeface="Noto Sans SC"/>
+                          <a:ea typeface="Noto Sans SC"/>
+                          <a:cs typeface="Noto Sans SC"/>
+                          <a:sym typeface="Noto Sans SC"/>
+                        </a:rPr>
+                        <a:t>-6</a:t>
+                      </a:r>
+                      <a:endParaRPr lang="en-US" sz="1100"/>
+                    </a:p>
+                  </a:txBody>
+                  <a:tcPr anchor="ctr" marL="101600" marR="101600" marT="101600" marB="101600">
+                    <a:lnL cmpd="sng" algn="ctr" cap="flat" w="12700">
+                      <a:solidFill>
+                        <a:srgbClr val="DDDEDF"/>
+                      </a:solidFill>
+                      <a:prstDash val="solid"/>
+                      <a:round/>
+                      <a:headEnd type="none" w="med" len="med"/>
+                      <a:tailEnd type="none" w="med" len="med"/>
+                    </a:lnL>
+                    <a:lnR cmpd="sng" algn="ctr" cap="flat" w="12700">
+                      <a:solidFill>
+                        <a:srgbClr val="DDDEDF"/>
+                      </a:solidFill>
+                      <a:prstDash val="solid"/>
+                      <a:round/>
+                      <a:headEnd type="none" w="med" len="med"/>
+                      <a:tailEnd type="none" w="med" len="med"/>
+                    </a:lnR>
+                    <a:lnT cmpd="sng" algn="ctr" cap="flat" w="12700">
+                      <a:solidFill>
+                        <a:srgbClr val="DDDEDF"/>
+                      </a:solidFill>
+                      <a:prstDash val="solid"/>
+                      <a:round/>
+                      <a:headEnd type="none" w="med" len="med"/>
+                      <a:tailEnd type="none" w="med" len="med"/>
+                    </a:lnT>
+                    <a:lnB cmpd="sng" algn="ctr" cap="flat" w="12700">
+                      <a:solidFill>
+                        <a:srgbClr val="DDDEDF"/>
+                      </a:solidFill>
+                      <a:prstDash val="solid"/>
+                      <a:round/>
+                      <a:headEnd type="none" w="med" len="med"/>
+                      <a:tailEnd type="none" w="med" len="med"/>
+                    </a:lnB>
+                    <a:noFill/>
+                  </a:tcPr>
+                </a:tc>
+                <a:tc>
+                  <a:txBody>
+                    <a:bodyPr anchor="t" rtlCol="false">
+                      <a:noAutofit/>
+                    </a:bodyPr>
+                    <a:lstStyle/>
+                    <a:p>
+                      <a:pPr algn="ctr" indent="0">
+                        <a:lnSpc>
+                          <a:spcPct val="100000"/>
+                        </a:lnSpc>
+                        <a:defRPr/>
+                      </a:pPr>
+                      <a:r>
+                        <a:rPr lang="en-US" b="false" i="false" strike="noStrike" u="none" sz="2400">
+                          <a:solidFill>
+                            <a:srgbClr val="4F4F4F"/>
+                          </a:solidFill>
+                          <a:latin typeface="Noto Sans SC"/>
+                          <a:ea typeface="Noto Sans SC"/>
+                          <a:cs typeface="Noto Sans SC"/>
+                          <a:sym typeface="Noto Sans SC"/>
+                        </a:rPr>
+                        <a:t>-5</a:t>
+                      </a:r>
+                      <a:endParaRPr lang="en-US" sz="1100"/>
+                    </a:p>
+                  </a:txBody>
+                  <a:tcPr anchor="ctr" marL="101600" marR="101600" marT="101600" marB="101600">
+                    <a:lnL cmpd="sng" algn="ctr" cap="flat" w="12700">
+                      <a:solidFill>
+                        <a:srgbClr val="DDDEDF"/>
+                      </a:solidFill>
+                      <a:prstDash val="solid"/>
+                      <a:round/>
+                      <a:headEnd type="none" w="med" len="med"/>
+                      <a:tailEnd type="none" w="med" len="med"/>
+                    </a:lnL>
+                    <a:lnR cmpd="sng" algn="ctr" cap="flat" w="12700">
+                      <a:solidFill>
+                        <a:srgbClr val="DDDEDF"/>
+                      </a:solidFill>
+                      <a:prstDash val="solid"/>
+                      <a:round/>
+                      <a:headEnd type="none" w="med" len="med"/>
+                      <a:tailEnd type="none" w="med" len="med"/>
+                    </a:lnR>
+                    <a:lnT cmpd="sng" algn="ctr" cap="flat" w="12700">
+                      <a:solidFill>
+                        <a:srgbClr val="DDDEDF"/>
+                      </a:solidFill>
+                      <a:prstDash val="solid"/>
+                      <a:round/>
+                      <a:headEnd type="none" w="med" len="med"/>
+                      <a:tailEnd type="none" w="med" len="med"/>
+                    </a:lnT>
+                    <a:lnB cmpd="sng" algn="ctr" cap="flat" w="12700">
+                      <a:solidFill>
+                        <a:srgbClr val="DDDEDF"/>
+                      </a:solidFill>
+                      <a:prstDash val="solid"/>
+                      <a:round/>
+                      <a:headEnd type="none" w="med" len="med"/>
+                      <a:tailEnd type="none" w="med" len="med"/>
+                    </a:lnB>
+                    <a:noFill/>
+                  </a:tcPr>
+                </a:tc>
+                <a:tc>
+                  <a:txBody>
+                    <a:bodyPr anchor="t" rtlCol="false">
+                      <a:noAutofit/>
+                    </a:bodyPr>
+                    <a:lstStyle/>
+                    <a:p>
+                      <a:pPr algn="ctr" indent="0">
+                        <a:lnSpc>
+                          <a:spcPct val="100000"/>
+                        </a:lnSpc>
+                        <a:defRPr/>
+                      </a:pPr>
+                      <a:r>
+                        <a:rPr lang="en-US" b="false" i="false" strike="noStrike" u="none" sz="2400">
+                          <a:solidFill>
+                            <a:srgbClr val="4F4F4F"/>
+                          </a:solidFill>
+                          <a:latin typeface="Noto Sans SC"/>
+                          <a:ea typeface="Noto Sans SC"/>
+                          <a:cs typeface="Noto Sans SC"/>
+                          <a:sym typeface="Noto Sans SC"/>
+                        </a:rPr>
+                        <a:t>-4</a:t>
+                      </a:r>
+                      <a:endParaRPr lang="en-US" sz="1100"/>
+                    </a:p>
+                  </a:txBody>
+                  <a:tcPr anchor="ctr" marL="101600" marR="101600" marT="101600" marB="101600">
+                    <a:lnL cmpd="sng" algn="ctr" cap="flat" w="12700">
+                      <a:solidFill>
+                        <a:srgbClr val="DDDEDF"/>
+                      </a:solidFill>
+                      <a:prstDash val="solid"/>
+                      <a:round/>
+                      <a:headEnd type="none" w="med" len="med"/>
+                      <a:tailEnd type="none" w="med" len="med"/>
+                    </a:lnL>
+                    <a:lnR cmpd="sng" algn="ctr" cap="flat" w="12700">
+                      <a:solidFill>
+                        <a:srgbClr val="DDDEDF"/>
+                      </a:solidFill>
+                      <a:prstDash val="solid"/>
+                      <a:round/>
+                      <a:headEnd type="none" w="med" len="med"/>
+                      <a:tailEnd type="none" w="med" len="med"/>
+                    </a:lnR>
+                    <a:lnT cmpd="sng" algn="ctr" cap="flat" w="12700">
+                      <a:solidFill>
+                        <a:srgbClr val="DDDEDF"/>
+                      </a:solidFill>
+                      <a:prstDash val="solid"/>
+                      <a:round/>
+                      <a:headEnd type="none" w="med" len="med"/>
+                      <a:tailEnd type="none" w="med" len="med"/>
+                    </a:lnT>
+                    <a:lnB cmpd="sng" algn="ctr" cap="flat" w="12700">
+                      <a:solidFill>
+                        <a:srgbClr val="DDDEDF"/>
+                      </a:solidFill>
+                      <a:prstDash val="solid"/>
+                      <a:round/>
+                      <a:headEnd type="none" w="med" len="med"/>
+                      <a:tailEnd type="none" w="med" len="med"/>
+                    </a:lnB>
+                    <a:noFill/>
+                  </a:tcPr>
+                </a:tc>
+                <a:tc>
+                  <a:txBody>
+                    <a:bodyPr anchor="t" rtlCol="false">
+                      <a:noAutofit/>
+                    </a:bodyPr>
+                    <a:lstStyle/>
+                    <a:p>
+                      <a:pPr algn="ctr" indent="0">
+                        <a:lnSpc>
+                          <a:spcPct val="100000"/>
+                        </a:lnSpc>
+                        <a:defRPr/>
+                      </a:pPr>
+                      <a:r>
+                        <a:rPr lang="en-US" b="false" i="false" strike="noStrike" u="none" sz="2400">
+                          <a:solidFill>
+                            <a:srgbClr val="4F4F4F"/>
+                          </a:solidFill>
+                          <a:latin typeface="Noto Sans SC"/>
+                          <a:ea typeface="Noto Sans SC"/>
+                          <a:cs typeface="Noto Sans SC"/>
+                          <a:sym typeface="Noto Sans SC"/>
+                        </a:rPr>
+                        <a:t>-3</a:t>
+                      </a:r>
+                      <a:endParaRPr lang="en-US" sz="1100"/>
+                    </a:p>
+                  </a:txBody>
+                  <a:tcPr anchor="ctr" marL="101600" marR="101600" marT="101600" marB="101600">
+                    <a:lnL cmpd="sng" algn="ctr" cap="flat" w="12700">
+                      <a:solidFill>
+                        <a:srgbClr val="DDDEDF"/>
+                      </a:solidFill>
+                      <a:prstDash val="solid"/>
+                      <a:round/>
+                      <a:headEnd type="none" w="med" len="med"/>
+                      <a:tailEnd type="none" w="med" len="med"/>
+                    </a:lnL>
+                    <a:lnR cmpd="sng" algn="ctr" cap="flat" w="12700">
+                      <a:solidFill>
+                        <a:srgbClr val="DDDEDF"/>
+                      </a:solidFill>
+                      <a:prstDash val="solid"/>
+                      <a:round/>
+                      <a:headEnd type="none" w="med" len="med"/>
+                      <a:tailEnd type="none" w="med" len="med"/>
+                    </a:lnR>
+                    <a:lnT cmpd="sng" algn="ctr" cap="flat" w="12700">
+                      <a:solidFill>
+                        <a:srgbClr val="DDDEDF"/>
+                      </a:solidFill>
+                      <a:prstDash val="solid"/>
+                      <a:round/>
+                      <a:headEnd type="none" w="med" len="med"/>
+                      <a:tailEnd type="none" w="med" len="med"/>
+                    </a:lnT>
+                    <a:lnB cmpd="sng" algn="ctr" cap="flat" w="12700">
+                      <a:solidFill>
+                        <a:srgbClr val="DDDEDF"/>
+                      </a:solidFill>
+                      <a:prstDash val="solid"/>
+                      <a:round/>
+                      <a:headEnd type="none" w="med" len="med"/>
+                      <a:tailEnd type="none" w="med" len="med"/>
+                    </a:lnB>
+                    <a:noFill/>
+                  </a:tcPr>
+                </a:tc>
+                <a:tc>
+                  <a:txBody>
+                    <a:bodyPr anchor="t" rtlCol="false">
+                      <a:noAutofit/>
+                    </a:bodyPr>
+                    <a:lstStyle/>
+                    <a:p>
+                      <a:pPr algn="ctr" indent="0">
+                        <a:lnSpc>
+                          <a:spcPct val="100000"/>
+                        </a:lnSpc>
+                        <a:defRPr/>
+                      </a:pPr>
+                      <a:r>
+                        <a:rPr lang="en-US" b="false" i="false" strike="noStrike" u="none" sz="2400">
+                          <a:solidFill>
+                            <a:srgbClr val="4F4F4F"/>
+                          </a:solidFill>
+                          <a:latin typeface="Noto Sans SC"/>
+                          <a:ea typeface="Noto Sans SC"/>
+                          <a:cs typeface="Noto Sans SC"/>
+                          <a:sym typeface="Noto Sans SC"/>
+                        </a:rPr>
+                        <a:t>-2</a:t>
+                      </a:r>
+                      <a:endParaRPr lang="en-US" sz="1100"/>
+                    </a:p>
+                  </a:txBody>
+                  <a:tcPr anchor="ctr" marL="101600" marR="101600" marT="101600" marB="101600">
+                    <a:lnL cmpd="sng" algn="ctr" cap="flat" w="12700">
+                      <a:solidFill>
+                        <a:srgbClr val="DDDEDF"/>
+                      </a:solidFill>
+                      <a:prstDash val="solid"/>
+                      <a:round/>
+                      <a:headEnd type="none" w="med" len="med"/>
+                      <a:tailEnd type="none" w="med" len="med"/>
+                    </a:lnL>
+                    <a:lnR cmpd="sng" algn="ctr" cap="flat" w="12700">
+                      <a:solidFill>
+                        <a:srgbClr val="DDDEDF"/>
+                      </a:solidFill>
+                      <a:prstDash val="solid"/>
+                      <a:round/>
+                      <a:headEnd type="none" w="med" len="med"/>
+                      <a:tailEnd type="none" w="med" len="med"/>
+                    </a:lnR>
+                    <a:lnT cmpd="sng" algn="ctr" cap="flat" w="12700">
+                      <a:solidFill>
+                        <a:srgbClr val="DDDEDF"/>
+                      </a:solidFill>
+                      <a:prstDash val="solid"/>
+                      <a:round/>
+                      <a:headEnd type="none" w="med" len="med"/>
+                      <a:tailEnd type="none" w="med" len="med"/>
+                    </a:lnT>
+                    <a:lnB cmpd="sng" algn="ctr" cap="flat" w="12700">
+                      <a:solidFill>
+                        <a:srgbClr val="DDDEDF"/>
+                      </a:solidFill>
+                      <a:prstDash val="solid"/>
+                      <a:round/>
+                      <a:headEnd type="none" w="med" len="med"/>
+                      <a:tailEnd type="none" w="med" len="med"/>
+                    </a:lnB>
+                    <a:noFill/>
+                  </a:tcPr>
+                </a:tc>
+                <a:tc>
+                  <a:txBody>
+                    <a:bodyPr anchor="t" rtlCol="false">
+                      <a:noAutofit/>
+                    </a:bodyPr>
+                    <a:lstStyle/>
+                    <a:p>
+                      <a:pPr algn="ctr" indent="0">
+                        <a:lnSpc>
+                          <a:spcPct val="100000"/>
+                        </a:lnSpc>
+                        <a:defRPr/>
+                      </a:pPr>
+                      <a:r>
+                        <a:rPr lang="en-US" b="false" i="false" strike="noStrike" u="none" sz="2400">
+                          <a:solidFill>
+                            <a:srgbClr val="4F4F4F"/>
+                          </a:solidFill>
+                          <a:latin typeface="Noto Sans SC"/>
+                          <a:ea typeface="Noto Sans SC"/>
+                          <a:cs typeface="Noto Sans SC"/>
+                          <a:sym typeface="Noto Sans SC"/>
+                        </a:rPr>
+                        <a:t>-1</a:t>
+                      </a:r>
+                      <a:endParaRPr lang="en-US" sz="1100"/>
+                    </a:p>
+                  </a:txBody>
+                  <a:tcPr anchor="ctr" marL="101600" marR="101600" marT="101600" marB="101600">
+                    <a:lnL>
+                      <a:noFill/>
+                    </a:lnL>
+                    <a:lnR cmpd="sng" algn="ctr" cap="flat" w="12700">
+                      <a:solidFill>
+                        <a:srgbClr val="DDDEDF"/>
+                      </a:solidFill>
+                      <a:prstDash val="solid"/>
+                      <a:round/>
+                      <a:headEnd type="none" w="med" len="med"/>
+                      <a:tailEnd type="none" w="med" len="med"/>
+                    </a:lnR>
+                    <a:lnT cmpd="sng" algn="ctr" cap="flat" w="12700">
+                      <a:solidFill>
+                        <a:srgbClr val="DDDEDF"/>
+                      </a:solidFill>
+                      <a:prstDash val="solid"/>
+                      <a:round/>
+                      <a:headEnd type="none" w="med" len="med"/>
+                      <a:tailEnd type="none" w="med" len="med"/>
+                    </a:lnT>
+                    <a:lnB cmpd="sng" algn="ctr" cap="flat" w="12700">
+                      <a:solidFill>
+                        <a:srgbClr val="DDDEDF"/>
+                      </a:solidFill>
+                      <a:prstDash val="solid"/>
+                      <a:round/>
+                      <a:headEnd type="none" w="med" len="med"/>
+                      <a:tailEnd type="none" w="med" len="med"/>
+                    </a:lnB>
+                    <a:noFill/>
+                  </a:tcPr>
+                </a:tc>
+              </a:tr>
+            </a:tbl>
+          </a:graphicData>
+        </a:graphic>
+      </p:graphicFrame>
+      <p:sp>
+        <p:nvSpPr>
+          <p:cNvPr name="AutoShape 5" id="5"/>
+          <p:cNvSpPr/>
+          <p:nvPr/>
+        </p:nvSpPr>
         <p:spPr>
           <a:xfrm rot="0" flipH="false" flipV="false">
-            <a:off x="1742120" y="2166012"/>
-            <a:ext cx="9492105" cy="3954012"/>
-          </a:xfrm>
-          <a:prstGeom prst="rect">
-            <a:avLst/>
-          </a:prstGeom>
-          <a:ln>
+            <a:off x="2260382" y="4137933"/>
+            <a:ext cx="7264400" cy="508000"/>
+          </a:xfrm>
+          <a:prstGeom prst="rect">
+            <a:avLst/>
+          </a:prstGeom>
+          <a:noFill/>
+          <a:ln w="12700">
             <a:noFill/>
             <a:prstDash val="solid"/>
           </a:ln>
         </p:spPr>
-      </p:pic>
+        <p:txBody>
+          <a:bodyPr anchor="ctr" rtlCol="false" lIns="0" rIns="0" tIns="0" bIns="0">
+            <a:noAutofit/>
+          </a:bodyPr>
+          <a:lstStyle/>
+          <a:p>
+            <a:pPr algn="l" indent="0">
+              <a:lnSpc>
+                <a:spcPct val="125000"/>
+              </a:lnSpc>
+              <a:defRPr/>
+            </a:pPr>
+            <a:r>
+              <a:rPr lang="en-US" b="false" i="false" strike="noStrike" u="none" sz="2700">
+                <a:solidFill>
+                  <a:srgbClr val="1F2329"/>
+                </a:solidFill>
+                <a:latin typeface="Noto Sans SC"/>
+                <a:ea typeface="Noto Sans SC"/>
+                <a:cs typeface="Noto Sans SC"/>
+                <a:sym typeface="Noto Sans SC"/>
+              </a:rPr>
+              <a:t>一个简单的切片操作为 aList[1:5:2]=[‘y’, ‘h’]</a:t>
+            </a:r>
+            <a:endParaRPr lang="en-US" sz="1100"/>
+          </a:p>
+        </p:txBody>
+      </p:sp>
     </p:spTree>
   </p:cSld>
   <p:clrMapOvr>
@@ -23106,7 +24106,7 @@
                 <a:cs typeface="Noto Sans SC"/>
                 <a:sym typeface="Noto Sans SC"/>
               </a:rPr>
-              <a:t>import</a:t>
+              <a:t>字符串</a:t>
             </a:r>
             <a:endParaRPr lang="en-US" sz="1100"/>
           </a:p>
@@ -23128,8 +24128,8 @@
         </p:blipFill>
         <p:spPr>
           <a:xfrm rot="0" flipH="false" flipV="false">
-            <a:off x="260948" y="2582612"/>
-            <a:ext cx="11798300" cy="2602893"/>
+            <a:off x="597822" y="1951140"/>
+            <a:ext cx="8113605" cy="4328388"/>
           </a:xfrm>
           <a:prstGeom prst="rect">
             <a:avLst/>
@@ -23255,7 +24255,7 @@
                 <a:cs typeface="Noto Sans SC"/>
                 <a:sym typeface="Noto Sans SC"/>
               </a:rPr>
-              <a:t>print()</a:t>
+              <a:t>import</a:t>
             </a:r>
             <a:endParaRPr lang="en-US" sz="1100"/>
           </a:p>
@@ -23277,8 +24277,8 @@
         </p:blipFill>
         <p:spPr>
           <a:xfrm rot="0" flipH="false" flipV="false">
-            <a:off x="1411761" y="1800329"/>
-            <a:ext cx="8111634" cy="4611535"/>
+            <a:off x="1742120" y="2178712"/>
+            <a:ext cx="9492105" cy="3954012"/>
           </a:xfrm>
           <a:prstGeom prst="rect">
             <a:avLst/>
@@ -23426,8 +24426,8 @@
         </p:blipFill>
         <p:spPr>
           <a:xfrm rot="0" flipH="false" flipV="false">
-            <a:off x="894461" y="1823585"/>
-            <a:ext cx="9813921" cy="4422637"/>
+            <a:off x="1411761" y="1800329"/>
+            <a:ext cx="8111634" cy="4611535"/>
           </a:xfrm>
           <a:prstGeom prst="rect">
             <a:avLst/>
@@ -23575,8 +24575,8 @@
         </p:blipFill>
         <p:spPr>
           <a:xfrm rot="0" flipH="false" flipV="false">
-            <a:off x="2171676" y="1147021"/>
-            <a:ext cx="6791161" cy="5496833"/>
+            <a:off x="894461" y="1823585"/>
+            <a:ext cx="9813921" cy="4422637"/>
           </a:xfrm>
           <a:prstGeom prst="rect">
             <a:avLst/>
@@ -23725,7 +24725,7 @@
         <p:spPr>
           <a:xfrm rot="0" flipH="false" flipV="false">
             <a:off x="1240258" y="1766420"/>
-            <a:ext cx="9527969" cy="4048985"/>
+            <a:ext cx="6320138" cy="2685792"/>
           </a:xfrm>
           <a:prstGeom prst="rect">
             <a:avLst/>
@@ -23744,8 +24744,8 @@
         </p:nvSpPr>
         <p:spPr>
           <a:xfrm rot="0" flipH="false" flipV="false">
-            <a:off x="1287722" y="6065241"/>
-            <a:ext cx="6705600" cy="609600"/>
+            <a:off x="568408" y="4611522"/>
+            <a:ext cx="11798300" cy="990600"/>
           </a:xfrm>
           <a:prstGeom prst="rect">
             <a:avLst/>
@@ -23769,7 +24769,7 @@
               <a:defRPr/>
             </a:pPr>
             <a:r>
-              <a:rPr lang="en-US" b="false" i="false" strike="noStrike" u="none" sz="1600">
+              <a:rPr lang="en-US" b="false" i="false" strike="noStrike" u="none" sz="2600">
                 <a:solidFill>
                   <a:srgbClr val="D83931"/>
                 </a:solidFill>
@@ -23781,7 +24781,7 @@
               <a:t>不可变数据（3 个）：Number（数字）、String（字符串）、Tuple（元组）；</a:t>
             </a:r>
             <a:r>
-              <a:rPr lang="en-US" b="false" i="false" strike="noStrike" u="none" sz="1600">
+              <a:rPr lang="en-US" b="false" i="false" strike="noStrike" u="none" sz="2600">
                 <a:solidFill>
                   <a:srgbClr val="D83931"/>
                 </a:solidFill>
@@ -23801,7 +24801,7 @@
               </a:lnSpc>
             </a:pPr>
             <a:r>
-              <a:rPr lang="en-US" b="false" i="false" strike="noStrike" u="none" sz="1600">
+              <a:rPr lang="en-US" b="false" i="false" strike="noStrike" u="none" sz="2600">
                 <a:solidFill>
                   <a:srgbClr val="D83931"/>
                 </a:solidFill>
@@ -23915,8 +24915,8 @@
         </p:nvSpPr>
         <p:spPr>
           <a:xfrm rot="0" flipH="false" flipV="false">
-            <a:off x="292100" y="1262386"/>
-            <a:ext cx="11899900" cy="2743200"/>
+            <a:off x="292100" y="762714"/>
+            <a:ext cx="11899900" cy="3657600"/>
           </a:xfrm>
           <a:prstGeom prst="rect">
             <a:avLst/>
@@ -23933,14 +24933,14 @@
           </a:bodyPr>
           <a:lstStyle/>
           <a:p>
-            <a:pPr algn="ctr" indent="0">
+            <a:pPr algn="l" indent="0">
               <a:lnSpc>
                 <a:spcPct val="125000"/>
               </a:lnSpc>
               <a:defRPr/>
             </a:pPr>
             <a:r>
-              <a:rPr lang="en-US" b="true" i="false" strike="noStrike" u="none" sz="4800">
+              <a:rPr lang="en-US" b="true" i="false" strike="noStrike" u="none" sz="3200">
                 <a:solidFill>
                   <a:srgbClr val="000000"/>
                 </a:solidFill>
@@ -23949,10 +24949,10 @@
                 <a:cs typeface="Noto Sans SC"/>
                 <a:sym typeface="Noto Sans SC"/>
               </a:rPr>
-              <a:t>课前准备：安装好Python环境</a:t>
+              <a:t>前言</a:t>
             </a:r>
             <a:r>
-              <a:rPr lang="en-US" b="true" i="false" strike="noStrike" u="none" sz="4800">
+              <a:rPr lang="en-US" b="true" i="false" strike="noStrike" u="none" sz="3200">
                 <a:solidFill>
                   <a:srgbClr val="000000"/>
                 </a:solidFill>
@@ -23966,13 +24966,13 @@
             <a:endParaRPr lang="en-US" sz="1100"/>
           </a:p>
           <a:p>
-            <a:pPr algn="ctr" indent="0">
+            <a:pPr algn="l" indent="0">
               <a:lnSpc>
                 <a:spcPct val="125000"/>
               </a:lnSpc>
             </a:pPr>
             <a:r>
-              <a:rPr lang="en-US" b="true" i="false" strike="noStrike" u="none" sz="4800">
+              <a:rPr lang="en-US" b="true" i="false" strike="noStrike" u="none" sz="3200">
                 <a:solidFill>
                   <a:srgbClr val="000000"/>
                 </a:solidFill>
@@ -23981,10 +24981,10 @@
                 <a:cs typeface="Noto Sans SC"/>
                 <a:sym typeface="Noto Sans SC"/>
               </a:rPr>
-              <a:t>包括Python解释器、Python编辑器IDLE</a:t>
+              <a:t>1.课程面向全体同学，会尽可能照顾零基础，但是基础语法不是本课程重点，整体课程节奏可能偏快，需要结合补充资料学习。</a:t>
             </a:r>
             <a:r>
-              <a:rPr lang="en-US" b="true" i="false" strike="noStrike" u="none" sz="4800">
+              <a:rPr lang="en-US" b="true" i="false" strike="noStrike" u="none" sz="3200">
                 <a:solidFill>
                   <a:srgbClr val="000000"/>
                 </a:solidFill>
@@ -23997,13 +24997,13 @@
             </a:r>
           </a:p>
           <a:p>
-            <a:pPr algn="ctr" indent="0">
+            <a:pPr algn="l" indent="0">
               <a:lnSpc>
                 <a:spcPct val="125000"/>
               </a:lnSpc>
             </a:pPr>
             <a:r>
-              <a:rPr lang="en-US" b="true" i="false" strike="noStrike" u="none" sz="4800">
+              <a:rPr lang="en-US" b="true" i="false" strike="noStrike" u="none" sz="3200">
                 <a:solidFill>
                   <a:srgbClr val="000000"/>
                 </a:solidFill>
@@ -24012,7 +25012,38 @@
                 <a:cs typeface="Noto Sans SC"/>
                 <a:sym typeface="Noto Sans SC"/>
               </a:rPr>
-              <a:t>了解基本的Python语法</a:t>
+              <a:t>2.课程共建：</a:t>
+            </a:r>
+            <a:r>
+              <a:rPr lang="en-US" b="true" i="false" strike="noStrike" u="none" sz="3200">
+                <a:solidFill>
+                  <a:srgbClr val="000000"/>
+                </a:solidFill>
+                <a:latin typeface="Noto Sans SC"/>
+                <a:ea typeface="Noto Sans SC"/>
+                <a:cs typeface="Noto Sans SC"/>
+                <a:sym typeface="Noto Sans SC"/>
+              </a:rPr>
+              <a:t/>
+            </a:r>
+          </a:p>
+          <a:p>
+            <a:pPr algn="l" indent="0">
+              <a:lnSpc>
+                <a:spcPct val="125000"/>
+              </a:lnSpc>
+            </a:pPr>
+            <a:r>
+              <a:rPr lang="en-US" b="true" i="false" strike="noStrike" u="none" sz="3200">
+                <a:solidFill>
+                  <a:srgbClr val="000000"/>
+                </a:solidFill>
+                <a:latin typeface="Noto Sans SC"/>
+                <a:ea typeface="Noto Sans SC"/>
+                <a:cs typeface="Noto Sans SC"/>
+                <a:sym typeface="Noto Sans SC"/>
+              </a:rPr>
+              <a:t>直播中有问题可以在评论区发出来，也可以课后在大群里讨论。学习需要交流，希望能和大家共同成长</a:t>
             </a:r>
           </a:p>
         </p:txBody>
@@ -24025,8 +25056,8 @@
         </p:nvSpPr>
         <p:spPr>
           <a:xfrm rot="0" flipH="false" flipV="false">
-            <a:off x="1004132" y="4124972"/>
-            <a:ext cx="11093853" cy="457200"/>
+            <a:off x="2775781" y="2591514"/>
+            <a:ext cx="9245600" cy="609600"/>
           </a:xfrm>
           <a:prstGeom prst="rect">
             <a:avLst/>
@@ -24050,7 +25081,7 @@
               <a:defRPr/>
             </a:pPr>
             <a:r>
-              <a:rPr lang="en-US" b="false" i="false" strike="noStrike" u="none" sz="2400">
+              <a:rPr lang="en-US" b="false" i="false" strike="noStrike" u="none" sz="3200">
                 <a:solidFill>
                   <a:srgbClr val="1F2329"/>
                 </a:solidFill>
@@ -24058,7 +25089,7 @@
                 <a:ea typeface="Noto Sans SC"/>
                 <a:cs typeface="Noto Sans SC"/>
                 <a:sym typeface="Noto Sans SC"/>
-                <a:hlinkClick r:id="rId2" tooltip="https://blog.csdn.net/weixin_47282404/article/details/128855388">
+                <a:hlinkClick r:id="rId2" tooltip="https://github.com/TsingPig/Lesson_Python_TsingPig">
                   <a:extLst>
                     <a:ext uri="{A12FA001-AC4F-418D-AE19-62706E023703}">
                       <ahyp:hlinkClr xmlns:ahyp="http://schemas.microsoft.com/office/drawing/2018/hyperlinkcolor" val="tx"/>
@@ -24066,12 +25097,69 @@
                   </a:extLst>
                 </a:hlinkClick>
               </a:rPr>
-              <a:t>【教程】Python：IDLE开发环境安装与配置保姆级教学_idle安装-CSDN博客</a:t>
+              <a:t>课件Github仓库课</a:t>
             </a:r>
             <a:endParaRPr lang="en-US" sz="1100"/>
           </a:p>
         </p:txBody>
       </p:sp>
+      <p:pic>
+        <p:nvPicPr>
+          <p:cNvPr name="Picture 4" id="4"/>
+          <p:cNvPicPr>
+            <a:picLocks noChangeAspect="true"/>
+          </p:cNvPicPr>
+          <p:nvPr/>
+        </p:nvPicPr>
+        <p:blipFill>
+          <a:blip r:embed="rId3"/>
+          <a:stretch>
+            <a:fillRect/>
+          </a:stretch>
+        </p:blipFill>
+        <p:spPr>
+          <a:xfrm rot="0" flipH="false" flipV="false">
+            <a:off x="775666" y="4512219"/>
+            <a:ext cx="4910348" cy="2231976"/>
+          </a:xfrm>
+          <a:prstGeom prst="rect">
+            <a:avLst/>
+          </a:prstGeom>
+          <a:ln>
+            <a:noFill/>
+            <a:prstDash val="solid"/>
+          </a:ln>
+        </p:spPr>
+      </p:pic>
+      <p:pic>
+        <p:nvPicPr>
+          <p:cNvPr name="Picture 5" id="5"/>
+          <p:cNvPicPr>
+            <a:picLocks noChangeAspect="true"/>
+          </p:cNvPicPr>
+          <p:nvPr/>
+        </p:nvPicPr>
+        <p:blipFill>
+          <a:blip r:embed="rId4"/>
+          <a:srcRect l="0" r="29353" t="0" b="0"/>
+          <a:stretch>
+            <a:fillRect/>
+          </a:stretch>
+        </p:blipFill>
+        <p:spPr>
+          <a:xfrm rot="0" flipH="false" flipV="false">
+            <a:off x="6242050" y="4420314"/>
+            <a:ext cx="5271690" cy="2231976"/>
+          </a:xfrm>
+          <a:prstGeom prst="rect">
+            <a:avLst/>
+          </a:prstGeom>
+          <a:ln>
+            <a:noFill/>
+            <a:prstDash val="solid"/>
+          </a:ln>
+        </p:spPr>
+      </p:pic>
     </p:spTree>
   </p:cSld>
   <p:clrMapOvr>
@@ -24187,7 +25275,7 @@
                 <a:cs typeface="Noto Sans SC"/>
                 <a:sym typeface="Noto Sans SC"/>
               </a:rPr>
-              <a:t>数据类型</a:t>
+              <a:t>函数</a:t>
             </a:r>
             <a:endParaRPr lang="en-US" sz="1100"/>
           </a:p>
@@ -24209,8 +25297,8 @@
         </p:blipFill>
         <p:spPr>
           <a:xfrm rot="0" flipH="false" flipV="false">
-            <a:off x="785971" y="1665967"/>
-            <a:ext cx="8398361" cy="5122077"/>
+            <a:off x="1260954" y="2340958"/>
+            <a:ext cx="10101232" cy="3044869"/>
           </a:xfrm>
           <a:prstGeom prst="rect">
             <a:avLst/>
@@ -24336,7 +25424,7 @@
                 <a:cs typeface="Noto Sans SC"/>
                 <a:sym typeface="Noto Sans SC"/>
               </a:rPr>
-              <a:t>数据类型</a:t>
+              <a:t>函数</a:t>
             </a:r>
             <a:endParaRPr lang="en-US" sz="1100"/>
           </a:p>
@@ -24358,8 +25446,8 @@
         </p:blipFill>
         <p:spPr>
           <a:xfrm rot="0" flipH="false" flipV="false">
-            <a:off x="963654" y="1939375"/>
-            <a:ext cx="9246791" cy="3952706"/>
+            <a:off x="2325117" y="1169481"/>
+            <a:ext cx="7669961" cy="4943560"/>
           </a:xfrm>
           <a:prstGeom prst="rect">
             <a:avLst/>
@@ -24379,304 +25467,6 @@
 </file>
 
 <file path=ppt/slides/slide22.xml><?xml version="1.0" encoding="utf-8"?>
-<p:sld xmlns:p="http://schemas.openxmlformats.org/presentationml/2006/main" xmlns:a="http://schemas.openxmlformats.org/drawingml/2006/main" xmlns:r="http://schemas.openxmlformats.org/officeDocument/2006/relationships" show="true">
-  <p:cSld>
-    <p:spTree>
-      <p:nvGrpSpPr>
-        <p:cNvPr id="1" name=""/>
-        <p:cNvGrpSpPr/>
-        <p:nvPr/>
-      </p:nvGrpSpPr>
-      <p:grpSpPr>
-        <a:xfrm>
-          <a:off x="0" y="0"/>
-          <a:ext cx="0" cy="0"/>
-          <a:chOff x="0" y="0"/>
-          <a:chExt cx="0" cy="0"/>
-        </a:xfrm>
-      </p:grpSpPr>
-      <p:sp>
-        <p:nvSpPr>
-          <p:cNvPr name="AutoShape 2" id="2"/>
-          <p:cNvSpPr/>
-          <p:nvPr/>
-        </p:nvSpPr>
-        <p:spPr>
-          <a:xfrm rot="0" flipH="false" flipV="false">
-            <a:off x="260948" y="0"/>
-            <a:ext cx="11798300" cy="990600"/>
-          </a:xfrm>
-          <a:prstGeom prst="rect">
-            <a:avLst/>
-          </a:prstGeom>
-          <a:noFill/>
-          <a:ln w="12700">
-            <a:noFill/>
-            <a:prstDash val="solid"/>
-          </a:ln>
-        </p:spPr>
-        <p:txBody>
-          <a:bodyPr anchor="ctr" rtlCol="false" lIns="0" rIns="0" tIns="0" bIns="0">
-            <a:noAutofit/>
-          </a:bodyPr>
-          <a:lstStyle/>
-          <a:p>
-            <a:pPr algn="l" indent="0">
-              <a:lnSpc>
-                <a:spcPct val="125000"/>
-              </a:lnSpc>
-              <a:defRPr/>
-            </a:pPr>
-            <a:r>
-              <a:rPr lang="en-US" b="true" i="false" strike="noStrike" u="none" sz="5200">
-                <a:solidFill>
-                  <a:srgbClr val="000000"/>
-                </a:solidFill>
-                <a:latin typeface="Noto Sans SC"/>
-                <a:ea typeface="Noto Sans SC"/>
-                <a:cs typeface="Noto Sans SC"/>
-                <a:sym typeface="Noto Sans SC"/>
-              </a:rPr>
-              <a:t>1.2 Python基础语法讲解</a:t>
-            </a:r>
-            <a:endParaRPr lang="en-US" sz="1100"/>
-          </a:p>
-        </p:txBody>
-      </p:sp>
-      <p:sp>
-        <p:nvSpPr>
-          <p:cNvPr name="AutoShape 3" id="3"/>
-          <p:cNvSpPr/>
-          <p:nvPr/>
-        </p:nvSpPr>
-        <p:spPr>
-          <a:xfrm rot="0" flipH="false" flipV="false">
-            <a:off x="260948" y="1056367"/>
-            <a:ext cx="3251200" cy="609600"/>
-          </a:xfrm>
-          <a:prstGeom prst="rect">
-            <a:avLst/>
-          </a:prstGeom>
-          <a:noFill/>
-          <a:ln w="12700">
-            <a:noFill/>
-            <a:prstDash val="solid"/>
-          </a:ln>
-        </p:spPr>
-        <p:txBody>
-          <a:bodyPr anchor="ctr" rtlCol="false" lIns="0" rIns="0" tIns="0" bIns="0">
-            <a:noAutofit/>
-          </a:bodyPr>
-          <a:lstStyle/>
-          <a:p>
-            <a:pPr algn="l" indent="0">
-              <a:lnSpc>
-                <a:spcPct val="125000"/>
-              </a:lnSpc>
-              <a:defRPr/>
-            </a:pPr>
-            <a:r>
-              <a:rPr lang="en-US" b="true" i="false" strike="noStrike" u="none" sz="3200">
-                <a:solidFill>
-                  <a:srgbClr val="1F2329"/>
-                </a:solidFill>
-                <a:latin typeface="Noto Sans SC"/>
-                <a:ea typeface="Noto Sans SC"/>
-                <a:cs typeface="Noto Sans SC"/>
-                <a:sym typeface="Noto Sans SC"/>
-              </a:rPr>
-              <a:t>函数</a:t>
-            </a:r>
-            <a:endParaRPr lang="en-US" sz="1100"/>
-          </a:p>
-        </p:txBody>
-      </p:sp>
-      <p:pic>
-        <p:nvPicPr>
-          <p:cNvPr name="Picture 4" id="4"/>
-          <p:cNvPicPr>
-            <a:picLocks noChangeAspect="true"/>
-          </p:cNvPicPr>
-          <p:nvPr/>
-        </p:nvPicPr>
-        <p:blipFill>
-          <a:blip r:embed="rId2"/>
-          <a:stretch>
-            <a:fillRect/>
-          </a:stretch>
-        </p:blipFill>
-        <p:spPr>
-          <a:xfrm rot="0" flipH="false" flipV="false">
-            <a:off x="1260954" y="2340958"/>
-            <a:ext cx="10101232" cy="3044869"/>
-          </a:xfrm>
-          <a:prstGeom prst="rect">
-            <a:avLst/>
-          </a:prstGeom>
-          <a:ln>
-            <a:noFill/>
-            <a:prstDash val="solid"/>
-          </a:ln>
-        </p:spPr>
-      </p:pic>
-    </p:spTree>
-  </p:cSld>
-  <p:clrMapOvr>
-    <a:masterClrMapping/>
-  </p:clrMapOvr>
-</p:sld>
-</file>
-
-<file path=ppt/slides/slide23.xml><?xml version="1.0" encoding="utf-8"?>
-<p:sld xmlns:p="http://schemas.openxmlformats.org/presentationml/2006/main" xmlns:a="http://schemas.openxmlformats.org/drawingml/2006/main" xmlns:r="http://schemas.openxmlformats.org/officeDocument/2006/relationships" show="true">
-  <p:cSld>
-    <p:spTree>
-      <p:nvGrpSpPr>
-        <p:cNvPr id="1" name=""/>
-        <p:cNvGrpSpPr/>
-        <p:nvPr/>
-      </p:nvGrpSpPr>
-      <p:grpSpPr>
-        <a:xfrm>
-          <a:off x="0" y="0"/>
-          <a:ext cx="0" cy="0"/>
-          <a:chOff x="0" y="0"/>
-          <a:chExt cx="0" cy="0"/>
-        </a:xfrm>
-      </p:grpSpPr>
-      <p:sp>
-        <p:nvSpPr>
-          <p:cNvPr name="AutoShape 2" id="2"/>
-          <p:cNvSpPr/>
-          <p:nvPr/>
-        </p:nvSpPr>
-        <p:spPr>
-          <a:xfrm rot="0" flipH="false" flipV="false">
-            <a:off x="260948" y="0"/>
-            <a:ext cx="11798300" cy="990600"/>
-          </a:xfrm>
-          <a:prstGeom prst="rect">
-            <a:avLst/>
-          </a:prstGeom>
-          <a:noFill/>
-          <a:ln w="12700">
-            <a:noFill/>
-            <a:prstDash val="solid"/>
-          </a:ln>
-        </p:spPr>
-        <p:txBody>
-          <a:bodyPr anchor="ctr" rtlCol="false" lIns="0" rIns="0" tIns="0" bIns="0">
-            <a:noAutofit/>
-          </a:bodyPr>
-          <a:lstStyle/>
-          <a:p>
-            <a:pPr algn="l" indent="0">
-              <a:lnSpc>
-                <a:spcPct val="125000"/>
-              </a:lnSpc>
-              <a:defRPr/>
-            </a:pPr>
-            <a:r>
-              <a:rPr lang="en-US" b="true" i="false" strike="noStrike" u="none" sz="5200">
-                <a:solidFill>
-                  <a:srgbClr val="000000"/>
-                </a:solidFill>
-                <a:latin typeface="Noto Sans SC"/>
-                <a:ea typeface="Noto Sans SC"/>
-                <a:cs typeface="Noto Sans SC"/>
-                <a:sym typeface="Noto Sans SC"/>
-              </a:rPr>
-              <a:t>1.2 Python基础语法讲解</a:t>
-            </a:r>
-            <a:endParaRPr lang="en-US" sz="1100"/>
-          </a:p>
-        </p:txBody>
-      </p:sp>
-      <p:sp>
-        <p:nvSpPr>
-          <p:cNvPr name="AutoShape 3" id="3"/>
-          <p:cNvSpPr/>
-          <p:nvPr/>
-        </p:nvSpPr>
-        <p:spPr>
-          <a:xfrm rot="0" flipH="false" flipV="false">
-            <a:off x="260948" y="1056367"/>
-            <a:ext cx="3251200" cy="609600"/>
-          </a:xfrm>
-          <a:prstGeom prst="rect">
-            <a:avLst/>
-          </a:prstGeom>
-          <a:noFill/>
-          <a:ln w="12700">
-            <a:noFill/>
-            <a:prstDash val="solid"/>
-          </a:ln>
-        </p:spPr>
-        <p:txBody>
-          <a:bodyPr anchor="ctr" rtlCol="false" lIns="0" rIns="0" tIns="0" bIns="0">
-            <a:noAutofit/>
-          </a:bodyPr>
-          <a:lstStyle/>
-          <a:p>
-            <a:pPr algn="l" indent="0">
-              <a:lnSpc>
-                <a:spcPct val="125000"/>
-              </a:lnSpc>
-              <a:defRPr/>
-            </a:pPr>
-            <a:r>
-              <a:rPr lang="en-US" b="true" i="false" strike="noStrike" u="none" sz="3200">
-                <a:solidFill>
-                  <a:srgbClr val="1F2329"/>
-                </a:solidFill>
-                <a:latin typeface="Noto Sans SC"/>
-                <a:ea typeface="Noto Sans SC"/>
-                <a:cs typeface="Noto Sans SC"/>
-                <a:sym typeface="Noto Sans SC"/>
-              </a:rPr>
-              <a:t>函数</a:t>
-            </a:r>
-            <a:endParaRPr lang="en-US" sz="1100"/>
-          </a:p>
-        </p:txBody>
-      </p:sp>
-      <p:pic>
-        <p:nvPicPr>
-          <p:cNvPr name="Picture 4" id="4"/>
-          <p:cNvPicPr>
-            <a:picLocks noChangeAspect="true"/>
-          </p:cNvPicPr>
-          <p:nvPr/>
-        </p:nvPicPr>
-        <p:blipFill>
-          <a:blip r:embed="rId2"/>
-          <a:stretch>
-            <a:fillRect/>
-          </a:stretch>
-        </p:blipFill>
-        <p:spPr>
-          <a:xfrm rot="0" flipH="false" flipV="false">
-            <a:off x="2325117" y="1169481"/>
-            <a:ext cx="7669961" cy="4943560"/>
-          </a:xfrm>
-          <a:prstGeom prst="rect">
-            <a:avLst/>
-          </a:prstGeom>
-          <a:ln>
-            <a:noFill/>
-            <a:prstDash val="solid"/>
-          </a:ln>
-        </p:spPr>
-      </p:pic>
-    </p:spTree>
-  </p:cSld>
-  <p:clrMapOvr>
-    <a:masterClrMapping/>
-  </p:clrMapOvr>
-</p:sld>
-</file>
-
-<file path=ppt/slides/slide24.xml><?xml version="1.0" encoding="utf-8"?>
 <p:sld xmlns:p="http://schemas.openxmlformats.org/presentationml/2006/main" xmlns:a="http://schemas.openxmlformats.org/drawingml/2006/main" xmlns:r="http://schemas.openxmlformats.org/officeDocument/2006/relationships" show="true">
   <p:cSld>
     <p:spTree>
@@ -25165,7 +25955,7 @@
 </p:sld>
 </file>
 
-<file path=ppt/slides/slide25.xml><?xml version="1.0" encoding="utf-8"?>
+<file path=ppt/slides/slide23.xml><?xml version="1.0" encoding="utf-8"?>
 <p:sld xmlns:p="http://schemas.openxmlformats.org/presentationml/2006/main" xmlns:a="http://schemas.openxmlformats.org/drawingml/2006/main" xmlns:r="http://schemas.openxmlformats.org/officeDocument/2006/relationships" show="true">
   <p:cSld>
     <p:spTree>
@@ -25726,7 +26516,7 @@
 </p:sld>
 </file>
 
-<file path=ppt/slides/slide26.xml><?xml version="1.0" encoding="utf-8"?>
+<file path=ppt/slides/slide24.xml><?xml version="1.0" encoding="utf-8"?>
 <p:sld xmlns:p="http://schemas.openxmlformats.org/presentationml/2006/main" xmlns:a="http://schemas.openxmlformats.org/drawingml/2006/main" show="true">
   <p:cSld>
     <p:spTree>
@@ -25818,6 +26608,360 @@
 </p:sld>
 </file>
 
+<file path=ppt/slides/slide25.xml><?xml version="1.0" encoding="utf-8"?>
+<p:sld xmlns:p="http://schemas.openxmlformats.org/presentationml/2006/main" xmlns:a="http://schemas.openxmlformats.org/drawingml/2006/main" xmlns:r="http://schemas.openxmlformats.org/officeDocument/2006/relationships" show="true">
+  <p:cSld>
+    <p:spTree>
+      <p:nvGrpSpPr>
+        <p:cNvPr id="1" name=""/>
+        <p:cNvGrpSpPr/>
+        <p:nvPr/>
+      </p:nvGrpSpPr>
+      <p:grpSpPr>
+        <a:xfrm>
+          <a:off x="0" y="0"/>
+          <a:ext cx="0" cy="0"/>
+          <a:chOff x="0" y="0"/>
+          <a:chExt cx="0" cy="0"/>
+        </a:xfrm>
+      </p:grpSpPr>
+      <p:sp>
+        <p:nvSpPr>
+          <p:cNvPr name="AutoShape 2" id="2"/>
+          <p:cNvSpPr/>
+          <p:nvPr/>
+        </p:nvSpPr>
+        <p:spPr>
+          <a:xfrm rot="0" flipH="false" flipV="false">
+            <a:off x="260948" y="0"/>
+            <a:ext cx="10858500" cy="990600"/>
+          </a:xfrm>
+          <a:prstGeom prst="rect">
+            <a:avLst/>
+          </a:prstGeom>
+          <a:noFill/>
+          <a:ln w="12700">
+            <a:noFill/>
+            <a:prstDash val="solid"/>
+          </a:ln>
+        </p:spPr>
+        <p:txBody>
+          <a:bodyPr anchor="ctr" rtlCol="false" lIns="0" rIns="0" tIns="0" bIns="0">
+            <a:noAutofit/>
+          </a:bodyPr>
+          <a:lstStyle/>
+          <a:p>
+            <a:pPr algn="l" indent="0">
+              <a:lnSpc>
+                <a:spcPct val="125000"/>
+              </a:lnSpc>
+              <a:defRPr/>
+            </a:pPr>
+            <a:r>
+              <a:rPr lang="en-US" b="true" i="false" strike="noStrike" u="none" sz="5200">
+                <a:solidFill>
+                  <a:srgbClr val="000000"/>
+                </a:solidFill>
+                <a:latin typeface="Noto Sans SC"/>
+                <a:ea typeface="Noto Sans SC"/>
+                <a:cs typeface="Noto Sans SC"/>
+                <a:sym typeface="Noto Sans SC"/>
+              </a:rPr>
+              <a:t>1.3 Python算法基础</a:t>
+            </a:r>
+            <a:endParaRPr lang="en-US" sz="1100"/>
+          </a:p>
+        </p:txBody>
+      </p:sp>
+      <p:sp>
+        <p:nvSpPr>
+          <p:cNvPr name="AutoShape 3" id="3"/>
+          <p:cNvSpPr/>
+          <p:nvPr/>
+        </p:nvSpPr>
+        <p:spPr>
+          <a:xfrm rot="0" flipH="false" flipV="false">
+            <a:off x="260948" y="1056367"/>
+            <a:ext cx="3251200" cy="609600"/>
+          </a:xfrm>
+          <a:prstGeom prst="rect">
+            <a:avLst/>
+          </a:prstGeom>
+          <a:noFill/>
+          <a:ln w="12700">
+            <a:noFill/>
+            <a:prstDash val="solid"/>
+          </a:ln>
+        </p:spPr>
+        <p:txBody>
+          <a:bodyPr anchor="ctr" rtlCol="false" lIns="0" rIns="0" tIns="0" bIns="0">
+            <a:noAutofit/>
+          </a:bodyPr>
+          <a:lstStyle/>
+          <a:p>
+            <a:pPr algn="l" indent="0">
+              <a:lnSpc>
+                <a:spcPct val="125000"/>
+              </a:lnSpc>
+              <a:defRPr/>
+            </a:pPr>
+            <a:r>
+              <a:rPr lang="en-US" b="true" i="false" strike="noStrike" u="none" sz="3200">
+                <a:solidFill>
+                  <a:srgbClr val="1F2329"/>
+                </a:solidFill>
+                <a:latin typeface="Noto Sans SC"/>
+                <a:ea typeface="Noto Sans SC"/>
+                <a:cs typeface="Noto Sans SC"/>
+                <a:sym typeface="Noto Sans SC"/>
+              </a:rPr>
+              <a:t>快读模板</a:t>
+            </a:r>
+            <a:endParaRPr lang="en-US" sz="1100"/>
+          </a:p>
+        </p:txBody>
+      </p:sp>
+      <p:pic>
+        <p:nvPicPr>
+          <p:cNvPr name="Picture 4" id="4"/>
+          <p:cNvPicPr>
+            <a:picLocks noChangeAspect="true"/>
+          </p:cNvPicPr>
+          <p:nvPr/>
+        </p:nvPicPr>
+        <p:blipFill>
+          <a:blip r:embed="rId2"/>
+          <a:stretch>
+            <a:fillRect/>
+          </a:stretch>
+        </p:blipFill>
+        <p:spPr>
+          <a:xfrm rot="0" flipH="false" flipV="false">
+            <a:off x="260948" y="1929639"/>
+            <a:ext cx="11696700" cy="1866900"/>
+          </a:xfrm>
+          <a:prstGeom prst="rect">
+            <a:avLst/>
+          </a:prstGeom>
+          <a:ln>
+            <a:noFill/>
+            <a:prstDash val="solid"/>
+          </a:ln>
+        </p:spPr>
+      </p:pic>
+    </p:spTree>
+  </p:cSld>
+  <p:clrMapOvr>
+    <a:masterClrMapping/>
+  </p:clrMapOvr>
+</p:sld>
+</file>
+
+<file path=ppt/slides/slide26.xml><?xml version="1.0" encoding="utf-8"?>
+<p:sld xmlns:p="http://schemas.openxmlformats.org/presentationml/2006/main" xmlns:a="http://schemas.openxmlformats.org/drawingml/2006/main" xmlns:r="http://schemas.openxmlformats.org/officeDocument/2006/relationships" show="true">
+  <p:cSld>
+    <p:spTree>
+      <p:nvGrpSpPr>
+        <p:cNvPr id="1" name=""/>
+        <p:cNvGrpSpPr/>
+        <p:nvPr/>
+      </p:nvGrpSpPr>
+      <p:grpSpPr>
+        <a:xfrm>
+          <a:off x="0" y="0"/>
+          <a:ext cx="0" cy="0"/>
+          <a:chOff x="0" y="0"/>
+          <a:chExt cx="0" cy="0"/>
+        </a:xfrm>
+      </p:grpSpPr>
+      <p:sp>
+        <p:nvSpPr>
+          <p:cNvPr name="AutoShape 2" id="2"/>
+          <p:cNvSpPr/>
+          <p:nvPr/>
+        </p:nvSpPr>
+        <p:spPr>
+          <a:xfrm rot="0" flipH="false" flipV="false">
+            <a:off x="260948" y="0"/>
+            <a:ext cx="10858500" cy="990600"/>
+          </a:xfrm>
+          <a:prstGeom prst="rect">
+            <a:avLst/>
+          </a:prstGeom>
+          <a:noFill/>
+          <a:ln w="12700">
+            <a:noFill/>
+            <a:prstDash val="solid"/>
+          </a:ln>
+        </p:spPr>
+        <p:txBody>
+          <a:bodyPr anchor="ctr" rtlCol="false" lIns="0" rIns="0" tIns="0" bIns="0">
+            <a:noAutofit/>
+          </a:bodyPr>
+          <a:lstStyle/>
+          <a:p>
+            <a:pPr algn="l" indent="0">
+              <a:lnSpc>
+                <a:spcPct val="125000"/>
+              </a:lnSpc>
+              <a:defRPr/>
+            </a:pPr>
+            <a:r>
+              <a:rPr lang="en-US" b="true" i="false" strike="noStrike" u="none" sz="5200">
+                <a:solidFill>
+                  <a:srgbClr val="000000"/>
+                </a:solidFill>
+                <a:latin typeface="Noto Sans SC"/>
+                <a:ea typeface="Noto Sans SC"/>
+                <a:cs typeface="Noto Sans SC"/>
+                <a:sym typeface="Noto Sans SC"/>
+              </a:rPr>
+              <a:t>1.3 Python算法基础</a:t>
+            </a:r>
+            <a:endParaRPr lang="en-US" sz="1100"/>
+          </a:p>
+        </p:txBody>
+      </p:sp>
+      <p:sp>
+        <p:nvSpPr>
+          <p:cNvPr name="AutoShape 3" id="3"/>
+          <p:cNvSpPr/>
+          <p:nvPr/>
+        </p:nvSpPr>
+        <p:spPr>
+          <a:xfrm rot="0" flipH="false" flipV="false">
+            <a:off x="260948" y="1056367"/>
+            <a:ext cx="3251200" cy="609600"/>
+          </a:xfrm>
+          <a:prstGeom prst="rect">
+            <a:avLst/>
+          </a:prstGeom>
+          <a:noFill/>
+          <a:ln w="12700">
+            <a:noFill/>
+            <a:prstDash val="solid"/>
+          </a:ln>
+        </p:spPr>
+        <p:txBody>
+          <a:bodyPr anchor="ctr" rtlCol="false" lIns="0" rIns="0" tIns="0" bIns="0">
+            <a:noAutofit/>
+          </a:bodyPr>
+          <a:lstStyle/>
+          <a:p>
+            <a:pPr algn="l" indent="0">
+              <a:lnSpc>
+                <a:spcPct val="125000"/>
+              </a:lnSpc>
+              <a:defRPr/>
+            </a:pPr>
+            <a:r>
+              <a:rPr lang="en-US" b="true" i="false" strike="noStrike" u="none" sz="3200">
+                <a:solidFill>
+                  <a:srgbClr val="1F2329"/>
+                </a:solidFill>
+                <a:latin typeface="Noto Sans SC"/>
+                <a:ea typeface="Noto Sans SC"/>
+                <a:cs typeface="Noto Sans SC"/>
+                <a:sym typeface="Noto Sans SC"/>
+              </a:rPr>
+              <a:t>Lambda表达式</a:t>
+            </a:r>
+            <a:endParaRPr lang="en-US" sz="1100"/>
+          </a:p>
+        </p:txBody>
+      </p:sp>
+      <p:pic>
+        <p:nvPicPr>
+          <p:cNvPr name="Picture 4" id="4"/>
+          <p:cNvPicPr>
+            <a:picLocks noChangeAspect="true"/>
+          </p:cNvPicPr>
+          <p:nvPr/>
+        </p:nvPicPr>
+        <p:blipFill>
+          <a:blip r:embed="rId2"/>
+          <a:stretch>
+            <a:fillRect/>
+          </a:stretch>
+        </p:blipFill>
+        <p:spPr>
+          <a:xfrm rot="0" flipH="false" flipV="false">
+            <a:off x="1021667" y="1739475"/>
+            <a:ext cx="10148667" cy="4985550"/>
+          </a:xfrm>
+          <a:prstGeom prst="rect">
+            <a:avLst/>
+          </a:prstGeom>
+          <a:ln>
+            <a:noFill/>
+            <a:prstDash val="solid"/>
+          </a:ln>
+        </p:spPr>
+      </p:pic>
+      <p:sp>
+        <p:nvSpPr>
+          <p:cNvPr name="AutoShape 5" id="5"/>
+          <p:cNvSpPr/>
+          <p:nvPr/>
+        </p:nvSpPr>
+        <p:spPr>
+          <a:xfrm rot="0" flipH="false" flipV="false">
+            <a:off x="3372010" y="1284967"/>
+            <a:ext cx="6731363" cy="304800"/>
+          </a:xfrm>
+          <a:prstGeom prst="rect">
+            <a:avLst/>
+          </a:prstGeom>
+          <a:solidFill>
+            <a:srgbClr val="EDEDED">
+              <a:alpha val="100000"/>
+            </a:srgbClr>
+          </a:solidFill>
+          <a:ln w="25400">
+            <a:solidFill>
+              <a:srgbClr val="000000">
+                <a:alpha val="100000"/>
+              </a:srgbClr>
+            </a:solidFill>
+            <a:prstDash val="solid"/>
+          </a:ln>
+        </p:spPr>
+        <p:txBody>
+          <a:bodyPr anchor="ctr" rtlCol="false" lIns="0" rIns="0" tIns="0" bIns="0">
+            <a:noAutofit/>
+          </a:bodyPr>
+          <a:lstStyle/>
+          <a:p>
+            <a:pPr algn="l" indent="0">
+              <a:lnSpc>
+                <a:spcPct val="125000"/>
+              </a:lnSpc>
+              <a:defRPr/>
+            </a:pPr>
+            <a:r>
+              <a:rPr lang="en-US" b="false" i="false" strike="noStrike" u="none" sz="1600">
+                <a:solidFill>
+                  <a:srgbClr val="1F2329"/>
+                </a:solidFill>
+                <a:latin typeface="Consolas"/>
+                <a:ea typeface="Consolas"/>
+                <a:cs typeface="Consolas"/>
+                <a:sym typeface="Consolas"/>
+              </a:rPr>
+              <a:t>语法格式： lambda 参数列表: 表达式</a:t>
+            </a:r>
+            <a:endParaRPr lang="en-US" sz="1100"/>
+          </a:p>
+        </p:txBody>
+      </p:sp>
+    </p:spTree>
+  </p:cSld>
+  <p:clrMapOvr>
+    <a:masterClrMapping/>
+  </p:clrMapOvr>
+</p:sld>
+</file>
+
 <file path=ppt/slides/slide27.xml><?xml version="1.0" encoding="utf-8"?>
 <p:sld xmlns:p="http://schemas.openxmlformats.org/presentationml/2006/main" xmlns:a="http://schemas.openxmlformats.org/drawingml/2006/main" xmlns:r="http://schemas.openxmlformats.org/officeDocument/2006/relationships" show="true">
   <p:cSld>
@@ -25925,7 +27069,7 @@
                 <a:cs typeface="Noto Sans SC"/>
                 <a:sym typeface="Noto Sans SC"/>
               </a:rPr>
-              <a:t>快读模板</a:t>
+              <a:t>内置排序算法</a:t>
             </a:r>
             <a:endParaRPr lang="en-US" sz="1100"/>
           </a:p>
@@ -25947,8 +27091,8 @@
         </p:blipFill>
         <p:spPr>
           <a:xfrm rot="0" flipH="false" flipV="false">
-            <a:off x="260948" y="1929639"/>
-            <a:ext cx="11696700" cy="1866900"/>
+            <a:off x="1498238" y="1665967"/>
+            <a:ext cx="8898131" cy="5192033"/>
           </a:xfrm>
           <a:prstGeom prst="rect">
             <a:avLst/>
@@ -25959,6 +27103,62 @@
           </a:ln>
         </p:spPr>
       </p:pic>
+      <p:sp>
+        <p:nvSpPr>
+          <p:cNvPr name="AutoShape 5" id="5"/>
+          <p:cNvSpPr/>
+          <p:nvPr/>
+        </p:nvSpPr>
+        <p:spPr>
+          <a:xfrm rot="0" flipH="false" flipV="false">
+            <a:off x="1498238" y="1665967"/>
+            <a:ext cx="6731363" cy="304800"/>
+          </a:xfrm>
+          <a:prstGeom prst="rect">
+            <a:avLst/>
+          </a:prstGeom>
+          <a:solidFill>
+            <a:srgbClr val="EDEDED">
+              <a:alpha val="100000"/>
+            </a:srgbClr>
+          </a:solidFill>
+          <a:ln w="25400">
+            <a:solidFill>
+              <a:srgbClr val="000000">
+                <a:alpha val="100000"/>
+              </a:srgbClr>
+            </a:solidFill>
+            <a:prstDash val="solid"/>
+          </a:ln>
+        </p:spPr>
+        <p:txBody>
+          <a:bodyPr anchor="ctr" rtlCol="false" lIns="0" rIns="0" tIns="0" bIns="0">
+            <a:noAutofit/>
+          </a:bodyPr>
+          <a:lstStyle/>
+          <a:p>
+            <a:pPr algn="l" indent="0">
+              <a:lnSpc>
+                <a:spcPct val="125000"/>
+              </a:lnSpc>
+              <a:defRPr/>
+            </a:pPr>
+            <a:r>
+              <a:rPr lang="en-US" b="false" i="false" strike="noStrike" u="none" sz="1600">
+                <a:solidFill>
+                  <a:srgbClr val="1F2329"/>
+                </a:solidFill>
+                <a:latin typeface="Consolas"/>
+                <a:ea typeface="Consolas"/>
+                <a:cs typeface="Consolas"/>
+                <a:sym typeface="Consolas"/>
+              </a:rPr>
+              <a:t>语法格式： sorted(iterable, key = None, reverse = False) </a:t>
+            </a:r>
+            <a:endParaRPr lang="en-US" sz="1100"/>
+          </a:p>
+        </p:txBody>
+      </p:sp>
     </p:spTree>
   </p:cSld>
   <p:clrMapOvr>
@@ -26074,7 +27274,7 @@
                 <a:cs typeface="Noto Sans SC"/>
                 <a:sym typeface="Noto Sans SC"/>
               </a:rPr>
-              <a:t>Lambda表达式</a:t>
+              <a:t>内置排序算法</a:t>
             </a:r>
             <a:endParaRPr lang="en-US" sz="1100"/>
           </a:p>
@@ -26096,8 +27296,8 @@
         </p:blipFill>
         <p:spPr>
           <a:xfrm rot="0" flipH="false" flipV="false">
-            <a:off x="1021667" y="1739475"/>
-            <a:ext cx="10148667" cy="4985550"/>
+            <a:off x="78658" y="1815218"/>
+            <a:ext cx="12113342" cy="5147359"/>
           </a:xfrm>
           <a:prstGeom prst="rect">
             <a:avLst/>
@@ -26108,6 +27308,62 @@
           </a:ln>
         </p:spPr>
       </p:pic>
+      <p:sp>
+        <p:nvSpPr>
+          <p:cNvPr name="AutoShape 5" id="5"/>
+          <p:cNvSpPr/>
+          <p:nvPr/>
+        </p:nvSpPr>
+        <p:spPr>
+          <a:xfrm rot="0" flipH="false" flipV="false">
+            <a:off x="2899105" y="1250509"/>
+            <a:ext cx="6731363" cy="304800"/>
+          </a:xfrm>
+          <a:prstGeom prst="rect">
+            <a:avLst/>
+          </a:prstGeom>
+          <a:solidFill>
+            <a:srgbClr val="EDEDED">
+              <a:alpha val="100000"/>
+            </a:srgbClr>
+          </a:solidFill>
+          <a:ln w="25400">
+            <a:solidFill>
+              <a:srgbClr val="000000">
+                <a:alpha val="100000"/>
+              </a:srgbClr>
+            </a:solidFill>
+            <a:prstDash val="solid"/>
+          </a:ln>
+        </p:spPr>
+        <p:txBody>
+          <a:bodyPr anchor="ctr" rtlCol="false" lIns="0" rIns="0" tIns="0" bIns="0">
+            <a:noAutofit/>
+          </a:bodyPr>
+          <a:lstStyle/>
+          <a:p>
+            <a:pPr algn="l" indent="0">
+              <a:lnSpc>
+                <a:spcPct val="125000"/>
+              </a:lnSpc>
+              <a:defRPr/>
+            </a:pPr>
+            <a:r>
+              <a:rPr lang="en-US" b="false" i="false" strike="noStrike" u="none" sz="1600">
+                <a:solidFill>
+                  <a:srgbClr val="1F2329"/>
+                </a:solidFill>
+                <a:latin typeface="Consolas"/>
+                <a:ea typeface="Consolas"/>
+                <a:cs typeface="Consolas"/>
+                <a:sym typeface="Consolas"/>
+              </a:rPr>
+              <a:t>语法格式： list.sort(key = None, reverse = False) </a:t>
+            </a:r>
+            <a:endParaRPr lang="en-US" sz="1100"/>
+          </a:p>
+        </p:txBody>
+      </p:sp>
     </p:spTree>
   </p:cSld>
   <p:clrMapOvr>
@@ -26245,8 +27501,8 @@
         </p:blipFill>
         <p:spPr>
           <a:xfrm rot="0" flipH="false" flipV="false">
-            <a:off x="1498238" y="1665967"/>
-            <a:ext cx="8898131" cy="5192033"/>
+            <a:off x="132046" y="2216740"/>
+            <a:ext cx="12192000" cy="2914975"/>
           </a:xfrm>
           <a:prstGeom prst="rect">
             <a:avLst/>
@@ -26266,6 +27522,699 @@
 </file>
 
 <file path=ppt/slides/slide3.xml><?xml version="1.0" encoding="utf-8"?>
+<p:sld xmlns:p="http://schemas.openxmlformats.org/presentationml/2006/main" xmlns:a="http://schemas.openxmlformats.org/drawingml/2006/main" xmlns:r="http://schemas.openxmlformats.org/officeDocument/2006/relationships" show="true">
+  <p:cSld>
+    <p:spTree>
+      <p:nvGrpSpPr>
+        <p:cNvPr id="1" name=""/>
+        <p:cNvGrpSpPr/>
+        <p:nvPr/>
+      </p:nvGrpSpPr>
+      <p:grpSpPr>
+        <a:xfrm>
+          <a:off x="0" y="0"/>
+          <a:ext cx="0" cy="0"/>
+          <a:chOff x="0" y="0"/>
+          <a:chExt cx="0" cy="0"/>
+        </a:xfrm>
+      </p:grpSpPr>
+      <p:sp>
+        <p:nvSpPr>
+          <p:cNvPr name="AutoShape 2" id="2"/>
+          <p:cNvSpPr/>
+          <p:nvPr/>
+        </p:nvSpPr>
+        <p:spPr>
+          <a:xfrm rot="0" flipH="false" flipV="false">
+            <a:off x="292100" y="1262386"/>
+            <a:ext cx="11899900" cy="2743200"/>
+          </a:xfrm>
+          <a:prstGeom prst="rect">
+            <a:avLst/>
+          </a:prstGeom>
+          <a:noFill/>
+          <a:ln w="12700">
+            <a:noFill/>
+            <a:prstDash val="solid"/>
+          </a:ln>
+        </p:spPr>
+        <p:txBody>
+          <a:bodyPr anchor="ctr" rtlCol="false" lIns="0" rIns="0" tIns="0" bIns="0">
+            <a:noAutofit/>
+          </a:bodyPr>
+          <a:lstStyle/>
+          <a:p>
+            <a:pPr algn="ctr" indent="0">
+              <a:lnSpc>
+                <a:spcPct val="125000"/>
+              </a:lnSpc>
+              <a:defRPr/>
+            </a:pPr>
+            <a:r>
+              <a:rPr lang="en-US" b="true" i="false" strike="noStrike" u="none" sz="4800">
+                <a:solidFill>
+                  <a:srgbClr val="000000"/>
+                </a:solidFill>
+                <a:latin typeface="Noto Sans SC"/>
+                <a:ea typeface="Noto Sans SC"/>
+                <a:cs typeface="Noto Sans SC"/>
+                <a:sym typeface="Noto Sans SC"/>
+              </a:rPr>
+              <a:t>课前准备：安装好Python环境</a:t>
+            </a:r>
+            <a:r>
+              <a:rPr lang="en-US" b="true" i="false" strike="noStrike" u="none" sz="4800">
+                <a:solidFill>
+                  <a:srgbClr val="000000"/>
+                </a:solidFill>
+                <a:latin typeface="Noto Sans SC"/>
+                <a:ea typeface="Noto Sans SC"/>
+                <a:cs typeface="Noto Sans SC"/>
+                <a:sym typeface="Noto Sans SC"/>
+              </a:rPr>
+              <a:t/>
+            </a:r>
+            <a:endParaRPr lang="en-US" sz="1100"/>
+          </a:p>
+          <a:p>
+            <a:pPr algn="ctr" indent="0">
+              <a:lnSpc>
+                <a:spcPct val="125000"/>
+              </a:lnSpc>
+            </a:pPr>
+            <a:r>
+              <a:rPr lang="en-US" b="true" i="false" strike="noStrike" u="none" sz="4800">
+                <a:solidFill>
+                  <a:srgbClr val="000000"/>
+                </a:solidFill>
+                <a:latin typeface="Noto Sans SC"/>
+                <a:ea typeface="Noto Sans SC"/>
+                <a:cs typeface="Noto Sans SC"/>
+                <a:sym typeface="Noto Sans SC"/>
+              </a:rPr>
+              <a:t>包括Python解释器、Python编辑器IDLE</a:t>
+            </a:r>
+            <a:r>
+              <a:rPr lang="en-US" b="true" i="false" strike="noStrike" u="none" sz="4800">
+                <a:solidFill>
+                  <a:srgbClr val="000000"/>
+                </a:solidFill>
+                <a:latin typeface="Noto Sans SC"/>
+                <a:ea typeface="Noto Sans SC"/>
+                <a:cs typeface="Noto Sans SC"/>
+                <a:sym typeface="Noto Sans SC"/>
+              </a:rPr>
+              <a:t/>
+            </a:r>
+          </a:p>
+          <a:p>
+            <a:pPr algn="ctr" indent="0">
+              <a:lnSpc>
+                <a:spcPct val="125000"/>
+              </a:lnSpc>
+            </a:pPr>
+            <a:r>
+              <a:rPr lang="en-US" b="true" i="false" strike="noStrike" u="none" sz="4800">
+                <a:solidFill>
+                  <a:srgbClr val="000000"/>
+                </a:solidFill>
+                <a:latin typeface="Noto Sans SC"/>
+                <a:ea typeface="Noto Sans SC"/>
+                <a:cs typeface="Noto Sans SC"/>
+                <a:sym typeface="Noto Sans SC"/>
+              </a:rPr>
+              <a:t>了解基本的Python语法</a:t>
+            </a:r>
+          </a:p>
+        </p:txBody>
+      </p:sp>
+      <p:sp>
+        <p:nvSpPr>
+          <p:cNvPr name="AutoShape 3" id="3"/>
+          <p:cNvSpPr/>
+          <p:nvPr/>
+        </p:nvSpPr>
+        <p:spPr>
+          <a:xfrm rot="0" flipH="false" flipV="false">
+            <a:off x="1004132" y="4124972"/>
+            <a:ext cx="11093853" cy="457200"/>
+          </a:xfrm>
+          <a:prstGeom prst="rect">
+            <a:avLst/>
+          </a:prstGeom>
+          <a:noFill/>
+          <a:ln w="12700">
+            <a:noFill/>
+            <a:prstDash val="solid"/>
+          </a:ln>
+        </p:spPr>
+        <p:txBody>
+          <a:bodyPr anchor="ctr" rtlCol="false" lIns="0" rIns="0" tIns="0" bIns="0">
+            <a:noAutofit/>
+          </a:bodyPr>
+          <a:lstStyle/>
+          <a:p>
+            <a:pPr algn="l" indent="0">
+              <a:lnSpc>
+                <a:spcPct val="125000"/>
+              </a:lnSpc>
+              <a:defRPr/>
+            </a:pPr>
+            <a:r>
+              <a:rPr lang="en-US" b="false" i="false" strike="noStrike" u="none" sz="2400">
+                <a:solidFill>
+                  <a:srgbClr val="1F2329"/>
+                </a:solidFill>
+                <a:latin typeface="Noto Sans SC"/>
+                <a:ea typeface="Noto Sans SC"/>
+                <a:cs typeface="Noto Sans SC"/>
+                <a:sym typeface="Noto Sans SC"/>
+                <a:hlinkClick r:id="rId2" tooltip="https://blog.csdn.net/weixin_47282404/article/details/128855388">
+                  <a:extLst>
+                    <a:ext uri="{A12FA001-AC4F-418D-AE19-62706E023703}">
+                      <ahyp:hlinkClr xmlns:ahyp="http://schemas.microsoft.com/office/drawing/2018/hyperlinkcolor" val="tx"/>
+                    </a:ext>
+                  </a:extLst>
+                </a:hlinkClick>
+              </a:rPr>
+              <a:t>【教程】Python：IDLE开发环境安装与配置保姆级教学_idle安装-CSDN博客</a:t>
+            </a:r>
+            <a:endParaRPr lang="en-US" sz="1100"/>
+          </a:p>
+        </p:txBody>
+      </p:sp>
+    </p:spTree>
+  </p:cSld>
+  <p:clrMapOvr>
+    <a:masterClrMapping/>
+  </p:clrMapOvr>
+</p:sld>
+</file>
+
+<file path=ppt/slides/slide30.xml><?xml version="1.0" encoding="utf-8"?>
+<p:sld xmlns:p="http://schemas.openxmlformats.org/presentationml/2006/main" xmlns:a="http://schemas.openxmlformats.org/drawingml/2006/main" xmlns:r="http://schemas.openxmlformats.org/officeDocument/2006/relationships" show="true">
+  <p:cSld>
+    <p:spTree>
+      <p:nvGrpSpPr>
+        <p:cNvPr id="1" name=""/>
+        <p:cNvGrpSpPr/>
+        <p:nvPr/>
+      </p:nvGrpSpPr>
+      <p:grpSpPr>
+        <a:xfrm>
+          <a:off x="0" y="0"/>
+          <a:ext cx="0" cy="0"/>
+          <a:chOff x="0" y="0"/>
+          <a:chExt cx="0" cy="0"/>
+        </a:xfrm>
+      </p:grpSpPr>
+      <p:sp>
+        <p:nvSpPr>
+          <p:cNvPr name="AutoShape 2" id="2"/>
+          <p:cNvSpPr/>
+          <p:nvPr/>
+        </p:nvSpPr>
+        <p:spPr>
+          <a:xfrm rot="0" flipH="false" flipV="false">
+            <a:off x="260948" y="0"/>
+            <a:ext cx="10858500" cy="990600"/>
+          </a:xfrm>
+          <a:prstGeom prst="rect">
+            <a:avLst/>
+          </a:prstGeom>
+          <a:noFill/>
+          <a:ln w="12700">
+            <a:noFill/>
+            <a:prstDash val="solid"/>
+          </a:ln>
+        </p:spPr>
+        <p:txBody>
+          <a:bodyPr anchor="ctr" rtlCol="false" lIns="0" rIns="0" tIns="0" bIns="0">
+            <a:noAutofit/>
+          </a:bodyPr>
+          <a:lstStyle/>
+          <a:p>
+            <a:pPr algn="l" indent="0">
+              <a:lnSpc>
+                <a:spcPct val="125000"/>
+              </a:lnSpc>
+              <a:defRPr/>
+            </a:pPr>
+            <a:r>
+              <a:rPr lang="en-US" b="true" i="false" strike="noStrike" u="none" sz="5200">
+                <a:solidFill>
+                  <a:srgbClr val="000000"/>
+                </a:solidFill>
+                <a:latin typeface="Noto Sans SC"/>
+                <a:ea typeface="Noto Sans SC"/>
+                <a:cs typeface="Noto Sans SC"/>
+                <a:sym typeface="Noto Sans SC"/>
+              </a:rPr>
+              <a:t>1.3 Python算法基础</a:t>
+            </a:r>
+            <a:endParaRPr lang="en-US" sz="1100"/>
+          </a:p>
+        </p:txBody>
+      </p:sp>
+      <p:sp>
+        <p:nvSpPr>
+          <p:cNvPr name="AutoShape 3" id="3"/>
+          <p:cNvSpPr/>
+          <p:nvPr/>
+        </p:nvSpPr>
+        <p:spPr>
+          <a:xfrm rot="0" flipH="false" flipV="false">
+            <a:off x="260948" y="1056367"/>
+            <a:ext cx="3848100" cy="609600"/>
+          </a:xfrm>
+          <a:prstGeom prst="rect">
+            <a:avLst/>
+          </a:prstGeom>
+          <a:noFill/>
+          <a:ln w="12700">
+            <a:noFill/>
+            <a:prstDash val="solid"/>
+          </a:ln>
+        </p:spPr>
+        <p:txBody>
+          <a:bodyPr anchor="ctr" rtlCol="false" lIns="0" rIns="0" tIns="0" bIns="0">
+            <a:noAutofit/>
+          </a:bodyPr>
+          <a:lstStyle/>
+          <a:p>
+            <a:pPr algn="l" indent="0">
+              <a:lnSpc>
+                <a:spcPct val="125000"/>
+              </a:lnSpc>
+              <a:defRPr/>
+            </a:pPr>
+            <a:r>
+              <a:rPr lang="en-US" b="true" i="false" strike="noStrike" u="none" sz="3200">
+                <a:solidFill>
+                  <a:srgbClr val="1F2329"/>
+                </a:solidFill>
+                <a:latin typeface="Noto Sans SC"/>
+                <a:ea typeface="Noto Sans SC"/>
+                <a:cs typeface="Noto Sans SC"/>
+                <a:sym typeface="Noto Sans SC"/>
+              </a:rPr>
+              <a:t>输入 与 map映射</a:t>
+            </a:r>
+            <a:endParaRPr lang="en-US" sz="1100"/>
+          </a:p>
+        </p:txBody>
+      </p:sp>
+      <p:pic>
+        <p:nvPicPr>
+          <p:cNvPr name="Picture 4" id="4"/>
+          <p:cNvPicPr>
+            <a:picLocks noChangeAspect="true"/>
+          </p:cNvPicPr>
+          <p:nvPr/>
+        </p:nvPicPr>
+        <p:blipFill>
+          <a:blip r:embed="rId2"/>
+          <a:stretch>
+            <a:fillRect/>
+          </a:stretch>
+        </p:blipFill>
+        <p:spPr>
+          <a:xfrm rot="0" flipH="false" flipV="false">
+            <a:off x="1368027" y="2368474"/>
+            <a:ext cx="9481625" cy="4165498"/>
+          </a:xfrm>
+          <a:prstGeom prst="rect">
+            <a:avLst/>
+          </a:prstGeom>
+          <a:ln>
+            <a:noFill/>
+            <a:prstDash val="solid"/>
+          </a:ln>
+        </p:spPr>
+      </p:pic>
+      <p:sp>
+        <p:nvSpPr>
+          <p:cNvPr name="AutoShape 5" id="5"/>
+          <p:cNvSpPr/>
+          <p:nvPr/>
+        </p:nvSpPr>
+        <p:spPr>
+          <a:xfrm rot="0" flipH="false" flipV="false">
+            <a:off x="1368027" y="1693107"/>
+            <a:ext cx="5080000" cy="304800"/>
+          </a:xfrm>
+          <a:prstGeom prst="rect">
+            <a:avLst/>
+          </a:prstGeom>
+          <a:solidFill>
+            <a:srgbClr val="EDEDED">
+              <a:alpha val="100000"/>
+            </a:srgbClr>
+          </a:solidFill>
+          <a:ln w="25400">
+            <a:solidFill>
+              <a:srgbClr val="000000">
+                <a:alpha val="100000"/>
+              </a:srgbClr>
+            </a:solidFill>
+            <a:prstDash val="solid"/>
+          </a:ln>
+        </p:spPr>
+        <p:txBody>
+          <a:bodyPr anchor="ctr" rtlCol="false" lIns="0" rIns="0" tIns="0" bIns="0">
+            <a:noAutofit/>
+          </a:bodyPr>
+          <a:lstStyle/>
+          <a:p>
+            <a:pPr algn="l" indent="0">
+              <a:lnSpc>
+                <a:spcPct val="125000"/>
+              </a:lnSpc>
+              <a:defRPr/>
+            </a:pPr>
+            <a:r>
+              <a:rPr lang="en-US" b="false" i="false" strike="noStrike" u="none" sz="1600">
+                <a:solidFill>
+                  <a:srgbClr val="1F2329"/>
+                </a:solidFill>
+                <a:latin typeface="Consolas"/>
+                <a:ea typeface="Consolas"/>
+                <a:cs typeface="Consolas"/>
+                <a:sym typeface="Consolas"/>
+              </a:rPr>
+              <a:t>语法格式： map(key, iterable) </a:t>
+            </a:r>
+            <a:endParaRPr lang="en-US" sz="1100"/>
+          </a:p>
+        </p:txBody>
+      </p:sp>
+    </p:spTree>
+  </p:cSld>
+  <p:clrMapOvr>
+    <a:masterClrMapping/>
+  </p:clrMapOvr>
+</p:sld>
+</file>
+
+<file path=ppt/slides/slide31.xml><?xml version="1.0" encoding="utf-8"?>
+<p:sld xmlns:p="http://schemas.openxmlformats.org/presentationml/2006/main" xmlns:a="http://schemas.openxmlformats.org/drawingml/2006/main" xmlns:r="http://schemas.openxmlformats.org/officeDocument/2006/relationships" show="true">
+  <p:cSld>
+    <p:spTree>
+      <p:nvGrpSpPr>
+        <p:cNvPr id="1" name=""/>
+        <p:cNvGrpSpPr/>
+        <p:nvPr/>
+      </p:nvGrpSpPr>
+      <p:grpSpPr>
+        <a:xfrm>
+          <a:off x="0" y="0"/>
+          <a:ext cx="0" cy="0"/>
+          <a:chOff x="0" y="0"/>
+          <a:chExt cx="0" cy="0"/>
+        </a:xfrm>
+      </p:grpSpPr>
+      <p:sp>
+        <p:nvSpPr>
+          <p:cNvPr name="AutoShape 2" id="2"/>
+          <p:cNvSpPr/>
+          <p:nvPr/>
+        </p:nvSpPr>
+        <p:spPr>
+          <a:xfrm rot="0" flipH="false" flipV="false">
+            <a:off x="260948" y="0"/>
+            <a:ext cx="10858500" cy="990600"/>
+          </a:xfrm>
+          <a:prstGeom prst="rect">
+            <a:avLst/>
+          </a:prstGeom>
+          <a:noFill/>
+          <a:ln w="12700">
+            <a:noFill/>
+            <a:prstDash val="solid"/>
+          </a:ln>
+        </p:spPr>
+        <p:txBody>
+          <a:bodyPr anchor="ctr" rtlCol="false" lIns="0" rIns="0" tIns="0" bIns="0">
+            <a:noAutofit/>
+          </a:bodyPr>
+          <a:lstStyle/>
+          <a:p>
+            <a:pPr algn="l" indent="0">
+              <a:lnSpc>
+                <a:spcPct val="125000"/>
+              </a:lnSpc>
+              <a:defRPr/>
+            </a:pPr>
+            <a:r>
+              <a:rPr lang="en-US" b="true" i="false" strike="noStrike" u="none" sz="5200">
+                <a:solidFill>
+                  <a:srgbClr val="000000"/>
+                </a:solidFill>
+                <a:latin typeface="Noto Sans SC"/>
+                <a:ea typeface="Noto Sans SC"/>
+                <a:cs typeface="Noto Sans SC"/>
+                <a:sym typeface="Noto Sans SC"/>
+              </a:rPr>
+              <a:t>Python算法基础</a:t>
+            </a:r>
+            <a:endParaRPr lang="en-US" sz="1100"/>
+          </a:p>
+        </p:txBody>
+      </p:sp>
+      <p:sp>
+        <p:nvSpPr>
+          <p:cNvPr name="AutoShape 3" id="3"/>
+          <p:cNvSpPr/>
+          <p:nvPr/>
+        </p:nvSpPr>
+        <p:spPr>
+          <a:xfrm rot="0" flipH="false" flipV="false">
+            <a:off x="260948" y="1056367"/>
+            <a:ext cx="3251200" cy="609600"/>
+          </a:xfrm>
+          <a:prstGeom prst="rect">
+            <a:avLst/>
+          </a:prstGeom>
+          <a:noFill/>
+          <a:ln w="12700">
+            <a:noFill/>
+            <a:prstDash val="solid"/>
+          </a:ln>
+        </p:spPr>
+        <p:txBody>
+          <a:bodyPr anchor="ctr" rtlCol="false" lIns="0" rIns="0" tIns="0" bIns="0">
+            <a:noAutofit/>
+          </a:bodyPr>
+          <a:lstStyle/>
+          <a:p>
+            <a:pPr algn="l" indent="0">
+              <a:lnSpc>
+                <a:spcPct val="125000"/>
+              </a:lnSpc>
+              <a:defRPr/>
+            </a:pPr>
+            <a:r>
+              <a:rPr lang="en-US" b="true" i="false" strike="noStrike" u="none" sz="3200">
+                <a:solidFill>
+                  <a:srgbClr val="1F2329"/>
+                </a:solidFill>
+                <a:latin typeface="Noto Sans SC"/>
+                <a:ea typeface="Noto Sans SC"/>
+                <a:cs typeface="Noto Sans SC"/>
+                <a:sym typeface="Noto Sans SC"/>
+              </a:rPr>
+              <a:t>输入输出</a:t>
+            </a:r>
+            <a:endParaRPr lang="en-US" sz="1100"/>
+          </a:p>
+        </p:txBody>
+      </p:sp>
+      <p:pic>
+        <p:nvPicPr>
+          <p:cNvPr name="Picture 4" id="4"/>
+          <p:cNvPicPr>
+            <a:picLocks noChangeAspect="true"/>
+          </p:cNvPicPr>
+          <p:nvPr/>
+        </p:nvPicPr>
+        <p:blipFill>
+          <a:blip r:embed="rId2"/>
+          <a:stretch>
+            <a:fillRect/>
+          </a:stretch>
+        </p:blipFill>
+        <p:spPr>
+          <a:xfrm rot="0" flipH="false" flipV="false">
+            <a:off x="0" y="0"/>
+            <a:ext cx="12192000" cy="6858000"/>
+          </a:xfrm>
+          <a:prstGeom prst="rect">
+            <a:avLst/>
+          </a:prstGeom>
+          <a:ln>
+            <a:noFill/>
+            <a:prstDash val="solid"/>
+          </a:ln>
+        </p:spPr>
+      </p:pic>
+    </p:spTree>
+  </p:cSld>
+  <p:clrMapOvr>
+    <a:masterClrMapping/>
+  </p:clrMapOvr>
+</p:sld>
+</file>
+
+<file path=ppt/slides/slide32.xml><?xml version="1.0" encoding="utf-8"?>
+<p:sld xmlns:p="http://schemas.openxmlformats.org/presentationml/2006/main" xmlns:a="http://schemas.openxmlformats.org/drawingml/2006/main" xmlns:r="http://schemas.openxmlformats.org/officeDocument/2006/relationships" show="true">
+  <p:cSld>
+    <p:spTree>
+      <p:nvGrpSpPr>
+        <p:cNvPr id="1" name=""/>
+        <p:cNvGrpSpPr/>
+        <p:nvPr/>
+      </p:nvGrpSpPr>
+      <p:grpSpPr>
+        <a:xfrm>
+          <a:off x="0" y="0"/>
+          <a:ext cx="0" cy="0"/>
+          <a:chOff x="0" y="0"/>
+          <a:chExt cx="0" cy="0"/>
+        </a:xfrm>
+      </p:grpSpPr>
+      <p:sp>
+        <p:nvSpPr>
+          <p:cNvPr name="AutoShape 2" id="2"/>
+          <p:cNvSpPr/>
+          <p:nvPr/>
+        </p:nvSpPr>
+        <p:spPr>
+          <a:xfrm rot="0" flipH="false" flipV="false">
+            <a:off x="260948" y="0"/>
+            <a:ext cx="10858500" cy="990600"/>
+          </a:xfrm>
+          <a:prstGeom prst="rect">
+            <a:avLst/>
+          </a:prstGeom>
+          <a:noFill/>
+          <a:ln w="12700">
+            <a:noFill/>
+            <a:prstDash val="solid"/>
+          </a:ln>
+        </p:spPr>
+        <p:txBody>
+          <a:bodyPr anchor="ctr" rtlCol="false" lIns="0" rIns="0" tIns="0" bIns="0">
+            <a:noAutofit/>
+          </a:bodyPr>
+          <a:lstStyle/>
+          <a:p>
+            <a:pPr algn="l" indent="0">
+              <a:lnSpc>
+                <a:spcPct val="125000"/>
+              </a:lnSpc>
+              <a:defRPr/>
+            </a:pPr>
+            <a:r>
+              <a:rPr lang="en-US" b="true" i="false" strike="noStrike" u="none" sz="5200">
+                <a:solidFill>
+                  <a:srgbClr val="000000"/>
+                </a:solidFill>
+                <a:latin typeface="Noto Sans SC"/>
+                <a:ea typeface="Noto Sans SC"/>
+                <a:cs typeface="Noto Sans SC"/>
+                <a:sym typeface="Noto Sans SC"/>
+              </a:rPr>
+              <a:t>Python算法基础</a:t>
+            </a:r>
+            <a:endParaRPr lang="en-US" sz="1100"/>
+          </a:p>
+        </p:txBody>
+      </p:sp>
+      <p:sp>
+        <p:nvSpPr>
+          <p:cNvPr name="AutoShape 3" id="3"/>
+          <p:cNvSpPr/>
+          <p:nvPr/>
+        </p:nvSpPr>
+        <p:spPr>
+          <a:xfrm rot="0" flipH="false" flipV="false">
+            <a:off x="260948" y="1056367"/>
+            <a:ext cx="3251200" cy="609600"/>
+          </a:xfrm>
+          <a:prstGeom prst="rect">
+            <a:avLst/>
+          </a:prstGeom>
+          <a:noFill/>
+          <a:ln w="12700">
+            <a:noFill/>
+            <a:prstDash val="solid"/>
+          </a:ln>
+        </p:spPr>
+        <p:txBody>
+          <a:bodyPr anchor="ctr" rtlCol="false" lIns="0" rIns="0" tIns="0" bIns="0">
+            <a:noAutofit/>
+          </a:bodyPr>
+          <a:lstStyle/>
+          <a:p>
+            <a:pPr algn="l" indent="0">
+              <a:lnSpc>
+                <a:spcPct val="125000"/>
+              </a:lnSpc>
+              <a:defRPr/>
+            </a:pPr>
+            <a:r>
+              <a:rPr lang="en-US" b="true" i="false" strike="noStrike" u="none" sz="3200">
+                <a:solidFill>
+                  <a:srgbClr val="1F2329"/>
+                </a:solidFill>
+                <a:latin typeface="Noto Sans SC"/>
+                <a:ea typeface="Noto Sans SC"/>
+                <a:cs typeface="Noto Sans SC"/>
+                <a:sym typeface="Noto Sans SC"/>
+              </a:rPr>
+              <a:t>输入输出</a:t>
+            </a:r>
+            <a:endParaRPr lang="en-US" sz="1100"/>
+          </a:p>
+        </p:txBody>
+      </p:sp>
+      <p:pic>
+        <p:nvPicPr>
+          <p:cNvPr name="Picture 4" id="4"/>
+          <p:cNvPicPr>
+            <a:picLocks noChangeAspect="true"/>
+          </p:cNvPicPr>
+          <p:nvPr/>
+        </p:nvPicPr>
+        <p:blipFill>
+          <a:blip r:embed="rId2"/>
+          <a:stretch>
+            <a:fillRect/>
+          </a:stretch>
+        </p:blipFill>
+        <p:spPr>
+          <a:xfrm rot="0" flipH="false" flipV="false">
+            <a:off x="0" y="0"/>
+            <a:ext cx="12192000" cy="6858000"/>
+          </a:xfrm>
+          <a:prstGeom prst="rect">
+            <a:avLst/>
+          </a:prstGeom>
+          <a:ln>
+            <a:noFill/>
+            <a:prstDash val="solid"/>
+          </a:ln>
+        </p:spPr>
+      </p:pic>
+    </p:spTree>
+  </p:cSld>
+  <p:clrMapOvr>
+    <a:masterClrMapping/>
+  </p:clrMapOvr>
+</p:sld>
+</file>
+
+<file path=ppt/slides/slide4.xml><?xml version="1.0" encoding="utf-8"?>
 <p:sld xmlns:p="http://schemas.openxmlformats.org/presentationml/2006/main" xmlns:a="http://schemas.openxmlformats.org/drawingml/2006/main" show="true">
   <p:cSld>
     <p:spTree>
@@ -26369,752 +28318,7 @@
 </p:sld>
 </file>
 
-<file path=ppt/slides/slide30.xml><?xml version="1.0" encoding="utf-8"?>
-<p:sld xmlns:p="http://schemas.openxmlformats.org/presentationml/2006/main" xmlns:a="http://schemas.openxmlformats.org/drawingml/2006/main" xmlns:r="http://schemas.openxmlformats.org/officeDocument/2006/relationships" show="true">
-  <p:cSld>
-    <p:spTree>
-      <p:nvGrpSpPr>
-        <p:cNvPr id="1" name=""/>
-        <p:cNvGrpSpPr/>
-        <p:nvPr/>
-      </p:nvGrpSpPr>
-      <p:grpSpPr>
-        <a:xfrm>
-          <a:off x="0" y="0"/>
-          <a:ext cx="0" cy="0"/>
-          <a:chOff x="0" y="0"/>
-          <a:chExt cx="0" cy="0"/>
-        </a:xfrm>
-      </p:grpSpPr>
-      <p:sp>
-        <p:nvSpPr>
-          <p:cNvPr name="AutoShape 2" id="2"/>
-          <p:cNvSpPr/>
-          <p:nvPr/>
-        </p:nvSpPr>
-        <p:spPr>
-          <a:xfrm rot="0" flipH="false" flipV="false">
-            <a:off x="260948" y="0"/>
-            <a:ext cx="10858500" cy="990600"/>
-          </a:xfrm>
-          <a:prstGeom prst="rect">
-            <a:avLst/>
-          </a:prstGeom>
-          <a:noFill/>
-          <a:ln w="12700">
-            <a:noFill/>
-            <a:prstDash val="solid"/>
-          </a:ln>
-        </p:spPr>
-        <p:txBody>
-          <a:bodyPr anchor="ctr" rtlCol="false" lIns="0" rIns="0" tIns="0" bIns="0">
-            <a:noAutofit/>
-          </a:bodyPr>
-          <a:lstStyle/>
-          <a:p>
-            <a:pPr algn="l" indent="0">
-              <a:lnSpc>
-                <a:spcPct val="125000"/>
-              </a:lnSpc>
-              <a:defRPr/>
-            </a:pPr>
-            <a:r>
-              <a:rPr lang="en-US" b="true" i="false" strike="noStrike" u="none" sz="5200">
-                <a:solidFill>
-                  <a:srgbClr val="000000"/>
-                </a:solidFill>
-                <a:latin typeface="Noto Sans SC"/>
-                <a:ea typeface="Noto Sans SC"/>
-                <a:cs typeface="Noto Sans SC"/>
-                <a:sym typeface="Noto Sans SC"/>
-              </a:rPr>
-              <a:t>1.3 Python算法基础</a:t>
-            </a:r>
-            <a:endParaRPr lang="en-US" sz="1100"/>
-          </a:p>
-        </p:txBody>
-      </p:sp>
-      <p:sp>
-        <p:nvSpPr>
-          <p:cNvPr name="AutoShape 3" id="3"/>
-          <p:cNvSpPr/>
-          <p:nvPr/>
-        </p:nvSpPr>
-        <p:spPr>
-          <a:xfrm rot="0" flipH="false" flipV="false">
-            <a:off x="260948" y="1056367"/>
-            <a:ext cx="3251200" cy="609600"/>
-          </a:xfrm>
-          <a:prstGeom prst="rect">
-            <a:avLst/>
-          </a:prstGeom>
-          <a:noFill/>
-          <a:ln w="12700">
-            <a:noFill/>
-            <a:prstDash val="solid"/>
-          </a:ln>
-        </p:spPr>
-        <p:txBody>
-          <a:bodyPr anchor="ctr" rtlCol="false" lIns="0" rIns="0" tIns="0" bIns="0">
-            <a:noAutofit/>
-          </a:bodyPr>
-          <a:lstStyle/>
-          <a:p>
-            <a:pPr algn="l" indent="0">
-              <a:lnSpc>
-                <a:spcPct val="125000"/>
-              </a:lnSpc>
-              <a:defRPr/>
-            </a:pPr>
-            <a:r>
-              <a:rPr lang="en-US" b="true" i="false" strike="noStrike" u="none" sz="3200">
-                <a:solidFill>
-                  <a:srgbClr val="1F2329"/>
-                </a:solidFill>
-                <a:latin typeface="Noto Sans SC"/>
-                <a:ea typeface="Noto Sans SC"/>
-                <a:cs typeface="Noto Sans SC"/>
-                <a:sym typeface="Noto Sans SC"/>
-              </a:rPr>
-              <a:t>内置排序算法</a:t>
-            </a:r>
-            <a:endParaRPr lang="en-US" sz="1100"/>
-          </a:p>
-        </p:txBody>
-      </p:sp>
-      <p:pic>
-        <p:nvPicPr>
-          <p:cNvPr name="Picture 4" id="4"/>
-          <p:cNvPicPr>
-            <a:picLocks noChangeAspect="true"/>
-          </p:cNvPicPr>
-          <p:nvPr/>
-        </p:nvPicPr>
-        <p:blipFill>
-          <a:blip r:embed="rId2"/>
-          <a:stretch>
-            <a:fillRect/>
-          </a:stretch>
-        </p:blipFill>
-        <p:spPr>
-          <a:xfrm rot="0" flipH="false" flipV="false">
-            <a:off x="78658" y="1815218"/>
-            <a:ext cx="12113342" cy="5147359"/>
-          </a:xfrm>
-          <a:prstGeom prst="rect">
-            <a:avLst/>
-          </a:prstGeom>
-          <a:ln>
-            <a:noFill/>
-            <a:prstDash val="solid"/>
-          </a:ln>
-        </p:spPr>
-      </p:pic>
-    </p:spTree>
-  </p:cSld>
-  <p:clrMapOvr>
-    <a:masterClrMapping/>
-  </p:clrMapOvr>
-</p:sld>
-</file>
-
-<file path=ppt/slides/slide31.xml><?xml version="1.0" encoding="utf-8"?>
-<p:sld xmlns:p="http://schemas.openxmlformats.org/presentationml/2006/main" xmlns:a="http://schemas.openxmlformats.org/drawingml/2006/main" xmlns:r="http://schemas.openxmlformats.org/officeDocument/2006/relationships" show="true">
-  <p:cSld>
-    <p:spTree>
-      <p:nvGrpSpPr>
-        <p:cNvPr id="1" name=""/>
-        <p:cNvGrpSpPr/>
-        <p:nvPr/>
-      </p:nvGrpSpPr>
-      <p:grpSpPr>
-        <a:xfrm>
-          <a:off x="0" y="0"/>
-          <a:ext cx="0" cy="0"/>
-          <a:chOff x="0" y="0"/>
-          <a:chExt cx="0" cy="0"/>
-        </a:xfrm>
-      </p:grpSpPr>
-      <p:sp>
-        <p:nvSpPr>
-          <p:cNvPr name="AutoShape 2" id="2"/>
-          <p:cNvSpPr/>
-          <p:nvPr/>
-        </p:nvSpPr>
-        <p:spPr>
-          <a:xfrm rot="0" flipH="false" flipV="false">
-            <a:off x="260948" y="0"/>
-            <a:ext cx="10858500" cy="990600"/>
-          </a:xfrm>
-          <a:prstGeom prst="rect">
-            <a:avLst/>
-          </a:prstGeom>
-          <a:noFill/>
-          <a:ln w="12700">
-            <a:noFill/>
-            <a:prstDash val="solid"/>
-          </a:ln>
-        </p:spPr>
-        <p:txBody>
-          <a:bodyPr anchor="ctr" rtlCol="false" lIns="0" rIns="0" tIns="0" bIns="0">
-            <a:noAutofit/>
-          </a:bodyPr>
-          <a:lstStyle/>
-          <a:p>
-            <a:pPr algn="l" indent="0">
-              <a:lnSpc>
-                <a:spcPct val="125000"/>
-              </a:lnSpc>
-              <a:defRPr/>
-            </a:pPr>
-            <a:r>
-              <a:rPr lang="en-US" b="true" i="false" strike="noStrike" u="none" sz="5200">
-                <a:solidFill>
-                  <a:srgbClr val="000000"/>
-                </a:solidFill>
-                <a:latin typeface="Noto Sans SC"/>
-                <a:ea typeface="Noto Sans SC"/>
-                <a:cs typeface="Noto Sans SC"/>
-                <a:sym typeface="Noto Sans SC"/>
-              </a:rPr>
-              <a:t>1.3 Python算法基础</a:t>
-            </a:r>
-            <a:endParaRPr lang="en-US" sz="1100"/>
-          </a:p>
-        </p:txBody>
-      </p:sp>
-      <p:sp>
-        <p:nvSpPr>
-          <p:cNvPr name="AutoShape 3" id="3"/>
-          <p:cNvSpPr/>
-          <p:nvPr/>
-        </p:nvSpPr>
-        <p:spPr>
-          <a:xfrm rot="0" flipH="false" flipV="false">
-            <a:off x="260948" y="1056367"/>
-            <a:ext cx="3251200" cy="609600"/>
-          </a:xfrm>
-          <a:prstGeom prst="rect">
-            <a:avLst/>
-          </a:prstGeom>
-          <a:noFill/>
-          <a:ln w="12700">
-            <a:noFill/>
-            <a:prstDash val="solid"/>
-          </a:ln>
-        </p:spPr>
-        <p:txBody>
-          <a:bodyPr anchor="ctr" rtlCol="false" lIns="0" rIns="0" tIns="0" bIns="0">
-            <a:noAutofit/>
-          </a:bodyPr>
-          <a:lstStyle/>
-          <a:p>
-            <a:pPr algn="l" indent="0">
-              <a:lnSpc>
-                <a:spcPct val="125000"/>
-              </a:lnSpc>
-              <a:defRPr/>
-            </a:pPr>
-            <a:r>
-              <a:rPr lang="en-US" b="true" i="false" strike="noStrike" u="none" sz="3200">
-                <a:solidFill>
-                  <a:srgbClr val="1F2329"/>
-                </a:solidFill>
-                <a:latin typeface="Noto Sans SC"/>
-                <a:ea typeface="Noto Sans SC"/>
-                <a:cs typeface="Noto Sans SC"/>
-                <a:sym typeface="Noto Sans SC"/>
-              </a:rPr>
-              <a:t>内置排序算法</a:t>
-            </a:r>
-            <a:endParaRPr lang="en-US" sz="1100"/>
-          </a:p>
-        </p:txBody>
-      </p:sp>
-      <p:pic>
-        <p:nvPicPr>
-          <p:cNvPr name="Picture 4" id="4"/>
-          <p:cNvPicPr>
-            <a:picLocks noChangeAspect="true"/>
-          </p:cNvPicPr>
-          <p:nvPr/>
-        </p:nvPicPr>
-        <p:blipFill>
-          <a:blip r:embed="rId2"/>
-          <a:stretch>
-            <a:fillRect/>
-          </a:stretch>
-        </p:blipFill>
-        <p:spPr>
-          <a:xfrm rot="0" flipH="false" flipV="false">
-            <a:off x="132046" y="2216740"/>
-            <a:ext cx="12192000" cy="2914975"/>
-          </a:xfrm>
-          <a:prstGeom prst="rect">
-            <a:avLst/>
-          </a:prstGeom>
-          <a:ln>
-            <a:noFill/>
-            <a:prstDash val="solid"/>
-          </a:ln>
-        </p:spPr>
-      </p:pic>
-    </p:spTree>
-  </p:cSld>
-  <p:clrMapOvr>
-    <a:masterClrMapping/>
-  </p:clrMapOvr>
-</p:sld>
-</file>
-
-<file path=ppt/slides/slide32.xml><?xml version="1.0" encoding="utf-8"?>
-<p:sld xmlns:p="http://schemas.openxmlformats.org/presentationml/2006/main" xmlns:a="http://schemas.openxmlformats.org/drawingml/2006/main" xmlns:r="http://schemas.openxmlformats.org/officeDocument/2006/relationships" show="true">
-  <p:cSld>
-    <p:spTree>
-      <p:nvGrpSpPr>
-        <p:cNvPr id="1" name=""/>
-        <p:cNvGrpSpPr/>
-        <p:nvPr/>
-      </p:nvGrpSpPr>
-      <p:grpSpPr>
-        <a:xfrm>
-          <a:off x="0" y="0"/>
-          <a:ext cx="0" cy="0"/>
-          <a:chOff x="0" y="0"/>
-          <a:chExt cx="0" cy="0"/>
-        </a:xfrm>
-      </p:grpSpPr>
-      <p:sp>
-        <p:nvSpPr>
-          <p:cNvPr name="AutoShape 2" id="2"/>
-          <p:cNvSpPr/>
-          <p:nvPr/>
-        </p:nvSpPr>
-        <p:spPr>
-          <a:xfrm rot="0" flipH="false" flipV="false">
-            <a:off x="260948" y="0"/>
-            <a:ext cx="10858500" cy="990600"/>
-          </a:xfrm>
-          <a:prstGeom prst="rect">
-            <a:avLst/>
-          </a:prstGeom>
-          <a:noFill/>
-          <a:ln w="12700">
-            <a:noFill/>
-            <a:prstDash val="solid"/>
-          </a:ln>
-        </p:spPr>
-        <p:txBody>
-          <a:bodyPr anchor="ctr" rtlCol="false" lIns="0" rIns="0" tIns="0" bIns="0">
-            <a:noAutofit/>
-          </a:bodyPr>
-          <a:lstStyle/>
-          <a:p>
-            <a:pPr algn="l" indent="0">
-              <a:lnSpc>
-                <a:spcPct val="125000"/>
-              </a:lnSpc>
-              <a:defRPr/>
-            </a:pPr>
-            <a:r>
-              <a:rPr lang="en-US" b="true" i="false" strike="noStrike" u="none" sz="5200">
-                <a:solidFill>
-                  <a:srgbClr val="000000"/>
-                </a:solidFill>
-                <a:latin typeface="Noto Sans SC"/>
-                <a:ea typeface="Noto Sans SC"/>
-                <a:cs typeface="Noto Sans SC"/>
-                <a:sym typeface="Noto Sans SC"/>
-              </a:rPr>
-              <a:t>1.3 Python算法基础</a:t>
-            </a:r>
-            <a:endParaRPr lang="en-US" sz="1100"/>
-          </a:p>
-        </p:txBody>
-      </p:sp>
-      <p:sp>
-        <p:nvSpPr>
-          <p:cNvPr name="AutoShape 3" id="3"/>
-          <p:cNvSpPr/>
-          <p:nvPr/>
-        </p:nvSpPr>
-        <p:spPr>
-          <a:xfrm rot="0" flipH="false" flipV="false">
-            <a:off x="260948" y="1056367"/>
-            <a:ext cx="3251200" cy="609600"/>
-          </a:xfrm>
-          <a:prstGeom prst="rect">
-            <a:avLst/>
-          </a:prstGeom>
-          <a:noFill/>
-          <a:ln w="12700">
-            <a:noFill/>
-            <a:prstDash val="solid"/>
-          </a:ln>
-        </p:spPr>
-        <p:txBody>
-          <a:bodyPr anchor="ctr" rtlCol="false" lIns="0" rIns="0" tIns="0" bIns="0">
-            <a:noAutofit/>
-          </a:bodyPr>
-          <a:lstStyle/>
-          <a:p>
-            <a:pPr algn="l" indent="0">
-              <a:lnSpc>
-                <a:spcPct val="125000"/>
-              </a:lnSpc>
-              <a:defRPr/>
-            </a:pPr>
-            <a:r>
-              <a:rPr lang="en-US" b="true" i="false" strike="noStrike" u="none" sz="3200">
-                <a:solidFill>
-                  <a:srgbClr val="1F2329"/>
-                </a:solidFill>
-                <a:latin typeface="Noto Sans SC"/>
-                <a:ea typeface="Noto Sans SC"/>
-                <a:cs typeface="Noto Sans SC"/>
-                <a:sym typeface="Noto Sans SC"/>
-              </a:rPr>
-              <a:t>输入</a:t>
-            </a:r>
-            <a:endParaRPr lang="en-US" sz="1100"/>
-          </a:p>
-        </p:txBody>
-      </p:sp>
-      <p:pic>
-        <p:nvPicPr>
-          <p:cNvPr name="Picture 4" id="4"/>
-          <p:cNvPicPr>
-            <a:picLocks noChangeAspect="true"/>
-          </p:cNvPicPr>
-          <p:nvPr/>
-        </p:nvPicPr>
-        <p:blipFill>
-          <a:blip r:embed="rId2"/>
-          <a:stretch>
-            <a:fillRect/>
-          </a:stretch>
-        </p:blipFill>
-        <p:spPr>
-          <a:xfrm rot="0" flipH="false" flipV="false">
-            <a:off x="919040" y="1826576"/>
-            <a:ext cx="10109066" cy="4441148"/>
-          </a:xfrm>
-          <a:prstGeom prst="rect">
-            <a:avLst/>
-          </a:prstGeom>
-          <a:ln>
-            <a:noFill/>
-            <a:prstDash val="solid"/>
-          </a:ln>
-        </p:spPr>
-      </p:pic>
-    </p:spTree>
-  </p:cSld>
-  <p:clrMapOvr>
-    <a:masterClrMapping/>
-  </p:clrMapOvr>
-</p:sld>
-</file>
-
-<file path=ppt/slides/slide33.xml><?xml version="1.0" encoding="utf-8"?>
-<p:sld xmlns:p="http://schemas.openxmlformats.org/presentationml/2006/main" xmlns:a="http://schemas.openxmlformats.org/drawingml/2006/main" xmlns:r="http://schemas.openxmlformats.org/officeDocument/2006/relationships" show="true">
-  <p:cSld>
-    <p:spTree>
-      <p:nvGrpSpPr>
-        <p:cNvPr id="1" name=""/>
-        <p:cNvGrpSpPr/>
-        <p:nvPr/>
-      </p:nvGrpSpPr>
-      <p:grpSpPr>
-        <a:xfrm>
-          <a:off x="0" y="0"/>
-          <a:ext cx="0" cy="0"/>
-          <a:chOff x="0" y="0"/>
-          <a:chExt cx="0" cy="0"/>
-        </a:xfrm>
-      </p:grpSpPr>
-      <p:sp>
-        <p:nvSpPr>
-          <p:cNvPr name="AutoShape 2" id="2"/>
-          <p:cNvSpPr/>
-          <p:nvPr/>
-        </p:nvSpPr>
-        <p:spPr>
-          <a:xfrm rot="0" flipH="false" flipV="false">
-            <a:off x="260948" y="0"/>
-            <a:ext cx="10858500" cy="990600"/>
-          </a:xfrm>
-          <a:prstGeom prst="rect">
-            <a:avLst/>
-          </a:prstGeom>
-          <a:noFill/>
-          <a:ln w="12700">
-            <a:noFill/>
-            <a:prstDash val="solid"/>
-          </a:ln>
-        </p:spPr>
-        <p:txBody>
-          <a:bodyPr anchor="ctr" rtlCol="false" lIns="0" rIns="0" tIns="0" bIns="0">
-            <a:noAutofit/>
-          </a:bodyPr>
-          <a:lstStyle/>
-          <a:p>
-            <a:pPr algn="l" indent="0">
-              <a:lnSpc>
-                <a:spcPct val="125000"/>
-              </a:lnSpc>
-              <a:defRPr/>
-            </a:pPr>
-            <a:r>
-              <a:rPr lang="en-US" b="true" i="false" strike="noStrike" u="none" sz="5200">
-                <a:solidFill>
-                  <a:srgbClr val="000000"/>
-                </a:solidFill>
-                <a:latin typeface="Noto Sans SC"/>
-                <a:ea typeface="Noto Sans SC"/>
-                <a:cs typeface="Noto Sans SC"/>
-                <a:sym typeface="Noto Sans SC"/>
-              </a:rPr>
-              <a:t>Python算法基础</a:t>
-            </a:r>
-            <a:endParaRPr lang="en-US" sz="1100"/>
-          </a:p>
-        </p:txBody>
-      </p:sp>
-      <p:sp>
-        <p:nvSpPr>
-          <p:cNvPr name="AutoShape 3" id="3"/>
-          <p:cNvSpPr/>
-          <p:nvPr/>
-        </p:nvSpPr>
-        <p:spPr>
-          <a:xfrm rot="0" flipH="false" flipV="false">
-            <a:off x="260948" y="1056367"/>
-            <a:ext cx="3251200" cy="609600"/>
-          </a:xfrm>
-          <a:prstGeom prst="rect">
-            <a:avLst/>
-          </a:prstGeom>
-          <a:noFill/>
-          <a:ln w="12700">
-            <a:noFill/>
-            <a:prstDash val="solid"/>
-          </a:ln>
-        </p:spPr>
-        <p:txBody>
-          <a:bodyPr anchor="ctr" rtlCol="false" lIns="0" rIns="0" tIns="0" bIns="0">
-            <a:noAutofit/>
-          </a:bodyPr>
-          <a:lstStyle/>
-          <a:p>
-            <a:pPr algn="l" indent="0">
-              <a:lnSpc>
-                <a:spcPct val="125000"/>
-              </a:lnSpc>
-              <a:defRPr/>
-            </a:pPr>
-            <a:r>
-              <a:rPr lang="en-US" b="true" i="false" strike="noStrike" u="none" sz="3200">
-                <a:solidFill>
-                  <a:srgbClr val="1F2329"/>
-                </a:solidFill>
-                <a:latin typeface="Noto Sans SC"/>
-                <a:ea typeface="Noto Sans SC"/>
-                <a:cs typeface="Noto Sans SC"/>
-                <a:sym typeface="Noto Sans SC"/>
-              </a:rPr>
-              <a:t>输入输出</a:t>
-            </a:r>
-            <a:endParaRPr lang="en-US" sz="1100"/>
-          </a:p>
-        </p:txBody>
-      </p:sp>
-      <p:pic>
-        <p:nvPicPr>
-          <p:cNvPr name="Picture 4" id="4"/>
-          <p:cNvPicPr>
-            <a:picLocks noChangeAspect="true"/>
-          </p:cNvPicPr>
-          <p:nvPr/>
-        </p:nvPicPr>
-        <p:blipFill>
-          <a:blip r:embed="rId2"/>
-          <a:stretch>
-            <a:fillRect/>
-          </a:stretch>
-        </p:blipFill>
-        <p:spPr>
-          <a:xfrm rot="0" flipH="false" flipV="false">
-            <a:off x="0" y="0"/>
-            <a:ext cx="12192000" cy="6858000"/>
-          </a:xfrm>
-          <a:prstGeom prst="rect">
-            <a:avLst/>
-          </a:prstGeom>
-          <a:ln>
-            <a:noFill/>
-            <a:prstDash val="solid"/>
-          </a:ln>
-        </p:spPr>
-      </p:pic>
-    </p:spTree>
-  </p:cSld>
-  <p:clrMapOvr>
-    <a:masterClrMapping/>
-  </p:clrMapOvr>
-</p:sld>
-</file>
-
-<file path=ppt/slides/slide34.xml><?xml version="1.0" encoding="utf-8"?>
-<p:sld xmlns:p="http://schemas.openxmlformats.org/presentationml/2006/main" xmlns:a="http://schemas.openxmlformats.org/drawingml/2006/main" xmlns:r="http://schemas.openxmlformats.org/officeDocument/2006/relationships" show="true">
-  <p:cSld>
-    <p:spTree>
-      <p:nvGrpSpPr>
-        <p:cNvPr id="1" name=""/>
-        <p:cNvGrpSpPr/>
-        <p:nvPr/>
-      </p:nvGrpSpPr>
-      <p:grpSpPr>
-        <a:xfrm>
-          <a:off x="0" y="0"/>
-          <a:ext cx="0" cy="0"/>
-          <a:chOff x="0" y="0"/>
-          <a:chExt cx="0" cy="0"/>
-        </a:xfrm>
-      </p:grpSpPr>
-      <p:sp>
-        <p:nvSpPr>
-          <p:cNvPr name="AutoShape 2" id="2"/>
-          <p:cNvSpPr/>
-          <p:nvPr/>
-        </p:nvSpPr>
-        <p:spPr>
-          <a:xfrm rot="0" flipH="false" flipV="false">
-            <a:off x="260948" y="0"/>
-            <a:ext cx="10858500" cy="990600"/>
-          </a:xfrm>
-          <a:prstGeom prst="rect">
-            <a:avLst/>
-          </a:prstGeom>
-          <a:noFill/>
-          <a:ln w="12700">
-            <a:noFill/>
-            <a:prstDash val="solid"/>
-          </a:ln>
-        </p:spPr>
-        <p:txBody>
-          <a:bodyPr anchor="ctr" rtlCol="false" lIns="0" rIns="0" tIns="0" bIns="0">
-            <a:noAutofit/>
-          </a:bodyPr>
-          <a:lstStyle/>
-          <a:p>
-            <a:pPr algn="l" indent="0">
-              <a:lnSpc>
-                <a:spcPct val="125000"/>
-              </a:lnSpc>
-              <a:defRPr/>
-            </a:pPr>
-            <a:r>
-              <a:rPr lang="en-US" b="true" i="false" strike="noStrike" u="none" sz="5200">
-                <a:solidFill>
-                  <a:srgbClr val="000000"/>
-                </a:solidFill>
-                <a:latin typeface="Noto Sans SC"/>
-                <a:ea typeface="Noto Sans SC"/>
-                <a:cs typeface="Noto Sans SC"/>
-                <a:sym typeface="Noto Sans SC"/>
-              </a:rPr>
-              <a:t>Python算法基础</a:t>
-            </a:r>
-            <a:endParaRPr lang="en-US" sz="1100"/>
-          </a:p>
-        </p:txBody>
-      </p:sp>
-      <p:sp>
-        <p:nvSpPr>
-          <p:cNvPr name="AutoShape 3" id="3"/>
-          <p:cNvSpPr/>
-          <p:nvPr/>
-        </p:nvSpPr>
-        <p:spPr>
-          <a:xfrm rot="0" flipH="false" flipV="false">
-            <a:off x="260948" y="1056367"/>
-            <a:ext cx="3251200" cy="609600"/>
-          </a:xfrm>
-          <a:prstGeom prst="rect">
-            <a:avLst/>
-          </a:prstGeom>
-          <a:noFill/>
-          <a:ln w="12700">
-            <a:noFill/>
-            <a:prstDash val="solid"/>
-          </a:ln>
-        </p:spPr>
-        <p:txBody>
-          <a:bodyPr anchor="ctr" rtlCol="false" lIns="0" rIns="0" tIns="0" bIns="0">
-            <a:noAutofit/>
-          </a:bodyPr>
-          <a:lstStyle/>
-          <a:p>
-            <a:pPr algn="l" indent="0">
-              <a:lnSpc>
-                <a:spcPct val="125000"/>
-              </a:lnSpc>
-              <a:defRPr/>
-            </a:pPr>
-            <a:r>
-              <a:rPr lang="en-US" b="true" i="false" strike="noStrike" u="none" sz="3200">
-                <a:solidFill>
-                  <a:srgbClr val="1F2329"/>
-                </a:solidFill>
-                <a:latin typeface="Noto Sans SC"/>
-                <a:ea typeface="Noto Sans SC"/>
-                <a:cs typeface="Noto Sans SC"/>
-                <a:sym typeface="Noto Sans SC"/>
-              </a:rPr>
-              <a:t>输入输出</a:t>
-            </a:r>
-            <a:endParaRPr lang="en-US" sz="1100"/>
-          </a:p>
-        </p:txBody>
-      </p:sp>
-      <p:pic>
-        <p:nvPicPr>
-          <p:cNvPr name="Picture 4" id="4"/>
-          <p:cNvPicPr>
-            <a:picLocks noChangeAspect="true"/>
-          </p:cNvPicPr>
-          <p:nvPr/>
-        </p:nvPicPr>
-        <p:blipFill>
-          <a:blip r:embed="rId2"/>
-          <a:stretch>
-            <a:fillRect/>
-          </a:stretch>
-        </p:blipFill>
-        <p:spPr>
-          <a:xfrm rot="0" flipH="false" flipV="false">
-            <a:off x="0" y="0"/>
-            <a:ext cx="12192000" cy="6858000"/>
-          </a:xfrm>
-          <a:prstGeom prst="rect">
-            <a:avLst/>
-          </a:prstGeom>
-          <a:ln>
-            <a:noFill/>
-            <a:prstDash val="solid"/>
-          </a:ln>
-        </p:spPr>
-      </p:pic>
-    </p:spTree>
-  </p:cSld>
-  <p:clrMapOvr>
-    <a:masterClrMapping/>
-  </p:clrMapOvr>
-</p:sld>
-</file>
-
-<file path=ppt/slides/slide4.xml><?xml version="1.0" encoding="utf-8"?>
+<file path=ppt/slides/slide5.xml><?xml version="1.0" encoding="utf-8"?>
 <p:sld xmlns:p="http://schemas.openxmlformats.org/presentationml/2006/main" xmlns:a="http://schemas.openxmlformats.org/drawingml/2006/main" show="true">
   <p:cSld>
     <p:spTree>
@@ -27206,7 +28410,7 @@
 </p:sld>
 </file>
 
-<file path=ppt/slides/slide5.xml><?xml version="1.0" encoding="utf-8"?>
+<file path=ppt/slides/slide6.xml><?xml version="1.0" encoding="utf-8"?>
 <p:sld xmlns:p="http://schemas.openxmlformats.org/presentationml/2006/main" xmlns:a="http://schemas.openxmlformats.org/drawingml/2006/main" xmlns:r="http://schemas.openxmlformats.org/officeDocument/2006/relationships" show="true">
   <p:cSld>
     <p:spTree>
@@ -27441,7 +28645,7 @@
 </p:sld>
 </file>
 
-<file path=ppt/slides/slide6.xml><?xml version="1.0" encoding="utf-8"?>
+<file path=ppt/slides/slide7.xml><?xml version="1.0" encoding="utf-8"?>
 <p:sld xmlns:p="http://schemas.openxmlformats.org/presentationml/2006/main" xmlns:a="http://schemas.openxmlformats.org/drawingml/2006/main" xmlns:r="http://schemas.openxmlformats.org/officeDocument/2006/relationships" show="true">
   <p:cSld>
     <p:spTree>
@@ -27776,7 +28980,7 @@
 </p:sld>
 </file>
 
-<file path=ppt/slides/slide7.xml><?xml version="1.0" encoding="utf-8"?>
+<file path=ppt/slides/slide8.xml><?xml version="1.0" encoding="utf-8"?>
 <p:sld xmlns:p="http://schemas.openxmlformats.org/presentationml/2006/main" xmlns:a="http://schemas.openxmlformats.org/drawingml/2006/main" xmlns:r="http://schemas.openxmlformats.org/officeDocument/2006/relationships" show="true">
   <p:cSld>
     <p:spTree>
@@ -28053,7 +29257,7 @@
 </p:sld>
 </file>
 
-<file path=ppt/slides/slide8.xml><?xml version="1.0" encoding="utf-8"?>
+<file path=ppt/slides/slide9.xml><?xml version="1.0" encoding="utf-8"?>
 <p:sld xmlns:p="http://schemas.openxmlformats.org/presentationml/2006/main" xmlns:a="http://schemas.openxmlformats.org/drawingml/2006/main" xmlns:r="http://schemas.openxmlformats.org/officeDocument/2006/relationships" show="true">
   <p:cSld>
     <p:spTree>
@@ -28256,98 +29460,6 @@
           </a:ln>
         </p:spPr>
       </p:pic>
-    </p:spTree>
-  </p:cSld>
-  <p:clrMapOvr>
-    <a:masterClrMapping/>
-  </p:clrMapOvr>
-</p:sld>
-</file>
-
-<file path=ppt/slides/slide9.xml><?xml version="1.0" encoding="utf-8"?>
-<p:sld xmlns:p="http://schemas.openxmlformats.org/presentationml/2006/main" xmlns:a="http://schemas.openxmlformats.org/drawingml/2006/main" show="true">
-  <p:cSld>
-    <p:spTree>
-      <p:nvGrpSpPr>
-        <p:cNvPr id="1" name=""/>
-        <p:cNvGrpSpPr/>
-        <p:nvPr/>
-      </p:nvGrpSpPr>
-      <p:grpSpPr>
-        <a:xfrm>
-          <a:off x="0" y="0"/>
-          <a:ext cx="0" cy="0"/>
-          <a:chOff x="0" y="0"/>
-          <a:chExt cx="0" cy="0"/>
-        </a:xfrm>
-      </p:grpSpPr>
-      <p:sp>
-        <p:nvSpPr>
-          <p:cNvPr name="AutoShape 2" id="2"/>
-          <p:cNvSpPr/>
-          <p:nvPr/>
-        </p:nvSpPr>
-        <p:spPr>
-          <a:xfrm rot="0" flipH="false" flipV="false">
-            <a:off x="173472" y="1679969"/>
-            <a:ext cx="11645900" cy="1981200"/>
-          </a:xfrm>
-          <a:prstGeom prst="rect">
-            <a:avLst/>
-          </a:prstGeom>
-          <a:noFill/>
-          <a:ln w="12700">
-            <a:noFill/>
-            <a:prstDash val="solid"/>
-          </a:ln>
-        </p:spPr>
-        <p:txBody>
-          <a:bodyPr anchor="ctr" rtlCol="false" lIns="0" rIns="0" tIns="0" bIns="0">
-            <a:noAutofit/>
-          </a:bodyPr>
-          <a:lstStyle/>
-          <a:p>
-            <a:pPr algn="ctr" indent="0">
-              <a:lnSpc>
-                <a:spcPct val="125000"/>
-              </a:lnSpc>
-              <a:defRPr/>
-            </a:pPr>
-            <a:r>
-              <a:rPr lang="en-US" b="true" i="false" strike="noStrike" u="none" sz="5200">
-                <a:solidFill>
-                  <a:srgbClr val="000000"/>
-                </a:solidFill>
-                <a:latin typeface="Noto Sans SC"/>
-                <a:ea typeface="Noto Sans SC"/>
-                <a:cs typeface="Noto Sans SC"/>
-                <a:sym typeface="Noto Sans SC"/>
-              </a:rPr>
-              <a:t>课时1.2</a:t>
-            </a:r>
-            <a:endParaRPr lang="en-US" sz="1100"/>
-          </a:p>
-          <a:p>
-            <a:pPr algn="ctr" indent="0">
-              <a:lnSpc>
-                <a:spcPct val="125000"/>
-              </a:lnSpc>
-            </a:pPr>
-            <a:r>
-              <a:rPr lang="en-US" b="true" i="false" strike="noStrike" u="none" sz="5200">
-                <a:solidFill>
-                  <a:srgbClr val="000000"/>
-                </a:solidFill>
-                <a:latin typeface="Noto Sans SC"/>
-                <a:ea typeface="Noto Sans SC"/>
-                <a:cs typeface="Noto Sans SC"/>
-                <a:sym typeface="Noto Sans SC"/>
-              </a:rPr>
-              <a:t>【基础精炼强化】Python基础语法讲解</a:t>
-            </a:r>
-          </a:p>
-        </p:txBody>
-      </p:sp>
     </p:spTree>
   </p:cSld>
   <p:clrMapOvr>

--- a/Algorithm/_____保研岛____Python蓝桥杯/课件/Python 课时1.pptx
+++ b/Algorithm/_____保研岛____Python蓝桥杯/课件/Python 课时1.pptx
@@ -41,6 +41,8 @@
     <p:sldId id="285" r:id="rId67"/>
     <p:sldId id="286" r:id="rId69"/>
     <p:sldId id="287" r:id="rId71"/>
+    <p:sldId id="288" r:id="rId73"/>
+    <p:sldId id="289" r:id="rId75"/>
   </p:sldIdLst>
   <p:sldSz cx="12192000" cy="6858000"/>
   <p:notesSz cx="6858000" cy="9144000"/>
@@ -5968,6 +5970,432 @@
 </file>
 
 <file path=ppt/notesSlides/notesSlide32.xml><?xml version="1.0" encoding="utf-8"?>
+<p:notes xmlns:p="http://schemas.openxmlformats.org/presentationml/2006/main">
+  <p:cSld>
+    <p:spTree xmlns:a="http://schemas.openxmlformats.org/drawingml/2006/main" xmlns:r="http://schemas.openxmlformats.org/officeDocument/2006/relationships">
+      <p:nvGrpSpPr>
+        <p:cNvPr id="1" name=""/>
+        <p:cNvGrpSpPr/>
+        <p:nvPr/>
+      </p:nvGrpSpPr>
+      <p:grpSpPr>
+        <a:xfrm>
+          <a:off x="0" y="0"/>
+          <a:ext cx="0" cy="0"/>
+          <a:chOff x="0" y="0"/>
+          <a:chExt cx="0" cy="0"/>
+        </a:xfrm>
+      </p:grpSpPr>
+      <p:sp>
+        <p:nvSpPr>
+          <p:cNvPr id="2" name="Header Placeholder 1"/>
+          <p:cNvSpPr>
+            <a:spLocks noGrp="1"/>
+          </p:cNvSpPr>
+          <p:nvPr>
+            <p:ph type="hdr" sz="quarter"/>
+          </p:nvPr>
+        </p:nvSpPr>
+        <p:spPr>
+          <a:xfrm>
+            <a:off x="0" y="0"/>
+            <a:ext cx="3962400" cy="342900"/>
+          </a:xfrm>
+          <a:prstGeom prst="rect">
+            <a:avLst/>
+          </a:prstGeom>
+        </p:spPr>
+        <p:txBody>
+          <a:bodyPr vert="horz" lIns="91440" tIns="45720" rIns="91440" bIns="45720" rtlCol="0"/>
+          <a:lstStyle>
+            <a:lvl1pPr algn="l">
+              <a:defRPr sz="1200"/>
+            </a:lvl1pPr>
+          </a:lstStyle>
+          <a:p/>
+        </p:txBody>
+      </p:sp>
+      <p:sp>
+        <p:nvSpPr>
+          <p:cNvPr id="3" name="Date Placeholder 2"/>
+          <p:cNvSpPr>
+            <a:spLocks noGrp="1"/>
+          </p:cNvSpPr>
+          <p:nvPr>
+            <p:ph type="dt" idx="1"/>
+          </p:nvPr>
+        </p:nvSpPr>
+        <p:spPr>
+          <a:xfrm>
+            <a:off x="5180013" y="0"/>
+            <a:ext cx="3962400" cy="342900"/>
+          </a:xfrm>
+          <a:prstGeom prst="rect">
+            <a:avLst/>
+          </a:prstGeom>
+        </p:spPr>
+        <p:txBody>
+          <a:bodyPr vert="horz" lIns="91440" tIns="45720" rIns="91440" bIns="45720" rtlCol="0"/>
+          <a:lstStyle>
+            <a:lvl1pPr algn="r">
+              <a:defRPr sz="1200"/>
+            </a:lvl1pPr>
+          </a:lstStyle>
+          <a:p>
+            <a:r id="{B7268E1E-0E44-426D-905E-8AD9B19D2182}" type="datetimeFigureOut">
+              <a:rPr lang="cs-CZ" smtClean="0"/>
+              <a:t>1.7.2013</a:t>
+            </a:r>
+          </a:p>
+        </p:txBody>
+      </p:sp>
+      <p:sp>
+        <p:nvSpPr>
+          <p:cNvPr id="4" name="Slide Image Placeholder 3"/>
+          <p:cNvSpPr>
+            <a:spLocks noGrp="1" noRot="1" noChangeAspect="1"/>
+          </p:cNvSpPr>
+          <p:nvPr>
+            <p:ph type="sldImg" idx="2"/>
+          </p:nvPr>
+        </p:nvSpPr>
+        <p:spPr>
+          <a:xfrm>
+            <a:off x="2857500" y="512763"/>
+            <a:ext cx="3429000" cy="2566987"/>
+          </a:xfrm>
+          <a:prstGeom prst="rect">
+            <a:avLst/>
+          </a:prstGeom>
+          <a:noFill/>
+          <a:ln w="12700">
+            <a:solidFill>
+              <a:prstClr val="black"/>
+            </a:solidFill>
+          </a:ln>
+        </p:spPr>
+        <p:txBody>
+          <a:bodyPr vert="horz" lIns="91440" tIns="45720" rIns="91440" bIns="45720" rtlCol="0" anchor="ctr"/>
+          <a:lstStyle/>
+          <a:p/>
+        </p:txBody>
+      </p:sp>
+      <p:sp>
+        <p:nvSpPr>
+          <p:cNvPr id="5" name="Notes Placeholder 4"/>
+          <p:cNvSpPr>
+            <a:spLocks noGrp="1"/>
+          </p:cNvSpPr>
+          <p:nvPr>
+            <p:ph type="body" sz="quarter" idx="3"/>
+          </p:nvPr>
+        </p:nvSpPr>
+        <p:spPr>
+          <a:xfrm>
+            <a:off x="914400" y="3251200"/>
+            <a:ext cx="7315200" cy="3081338"/>
+          </a:xfrm>
+          <a:prstGeom prst="rect">
+            <a:avLst/>
+          </a:prstGeom>
+        </p:spPr>
+        <p:txBody>
+          <a:bodyPr vert="horz" lIns="91440" tIns="45720" rIns="91440" bIns="45720" rtlCol="0" anchor="ctr">
+            <a:noAutofit/>
+          </a:bodyPr>
+          <a:lstStyle>
+            <a:lvl1pPr algn="l">
+              <a:defRPr sz="1400" b="false" i="false" u="none" strike="noStrike"/>
+            </a:lvl1pPr>
+          </a:lstStyle>
+          <a:p>
+            <a:pPr algn="l"/>
+            <a:endParaRPr/>
+          </a:p>
+        </p:txBody>
+      </p:sp>
+      <p:sp>
+        <p:nvSpPr>
+          <p:cNvPr id="6" name="Footer Placeholder 5"/>
+          <p:cNvSpPr>
+            <a:spLocks noGrp="1"/>
+          </p:cNvSpPr>
+          <p:nvPr>
+            <p:ph type="ftr" sz="quarter" idx="4"/>
+          </p:nvPr>
+        </p:nvSpPr>
+        <p:spPr>
+          <a:xfrm>
+            <a:off x="0" y="6502400"/>
+            <a:ext cx="3962400" cy="341313"/>
+          </a:xfrm>
+          <a:prstGeom prst="rect">
+            <a:avLst/>
+          </a:prstGeom>
+        </p:spPr>
+        <p:txBody>
+          <a:bodyPr vert="horz" lIns="91440" tIns="45720" rIns="91440" bIns="45720" rtlCol="0" anchor="b"/>
+          <a:lstStyle>
+            <a:lvl1pPr algn="l">
+              <a:defRPr sz="1200"/>
+            </a:lvl1pPr>
+          </a:lstStyle>
+          <a:p/>
+        </p:txBody>
+      </p:sp>
+      <p:sp>
+        <p:nvSpPr>
+          <p:cNvPr id="7" name="Slide Number Placeholder 6"/>
+          <p:cNvSpPr>
+            <a:spLocks noGrp="1"/>
+          </p:cNvSpPr>
+          <p:nvPr>
+            <p:ph type="sldNum" sz="quarter" idx="5"/>
+          </p:nvPr>
+        </p:nvSpPr>
+        <p:spPr>
+          <a:xfrm>
+            <a:off x="5180013" y="6502400"/>
+            <a:ext cx="3962400" cy="341313"/>
+          </a:xfrm>
+          <a:prstGeom prst="rect">
+            <a:avLst/>
+          </a:prstGeom>
+        </p:spPr>
+        <p:txBody>
+          <a:bodyPr vert="horz" lIns="91440" tIns="45720" rIns="91440" bIns="45720" rtlCol="0" anchor="b"/>
+          <a:lstStyle>
+            <a:lvl1pPr algn="r">
+              <a:defRPr sz="1200"/>
+            </a:lvl1pPr>
+          </a:lstStyle>
+          <a:p>
+            <a:r id="{871B2431-D351-4C6E-A3CF-9DFAC0E3E050}" type="slidenum">
+              <a:rPr lang="cs-CZ" smtClean="0"/>
+              <a:t>‹#›</a:t>
+            </a:r>
+          </a:p>
+        </p:txBody>
+      </p:sp>
+    </p:spTree>
+  </p:cSld>
+</p:notes>
+</file>
+
+<file path=ppt/notesSlides/notesSlide33.xml><?xml version="1.0" encoding="utf-8"?>
+<p:notes xmlns:p="http://schemas.openxmlformats.org/presentationml/2006/main">
+  <p:cSld>
+    <p:spTree xmlns:a="http://schemas.openxmlformats.org/drawingml/2006/main" xmlns:r="http://schemas.openxmlformats.org/officeDocument/2006/relationships">
+      <p:nvGrpSpPr>
+        <p:cNvPr id="1" name=""/>
+        <p:cNvGrpSpPr/>
+        <p:nvPr/>
+      </p:nvGrpSpPr>
+      <p:grpSpPr>
+        <a:xfrm>
+          <a:off x="0" y="0"/>
+          <a:ext cx="0" cy="0"/>
+          <a:chOff x="0" y="0"/>
+          <a:chExt cx="0" cy="0"/>
+        </a:xfrm>
+      </p:grpSpPr>
+      <p:sp>
+        <p:nvSpPr>
+          <p:cNvPr id="2" name="Header Placeholder 1"/>
+          <p:cNvSpPr>
+            <a:spLocks noGrp="1"/>
+          </p:cNvSpPr>
+          <p:nvPr>
+            <p:ph type="hdr" sz="quarter"/>
+          </p:nvPr>
+        </p:nvSpPr>
+        <p:spPr>
+          <a:xfrm>
+            <a:off x="0" y="0"/>
+            <a:ext cx="3962400" cy="342900"/>
+          </a:xfrm>
+          <a:prstGeom prst="rect">
+            <a:avLst/>
+          </a:prstGeom>
+        </p:spPr>
+        <p:txBody>
+          <a:bodyPr vert="horz" lIns="91440" tIns="45720" rIns="91440" bIns="45720" rtlCol="0"/>
+          <a:lstStyle>
+            <a:lvl1pPr algn="l">
+              <a:defRPr sz="1200"/>
+            </a:lvl1pPr>
+          </a:lstStyle>
+          <a:p/>
+        </p:txBody>
+      </p:sp>
+      <p:sp>
+        <p:nvSpPr>
+          <p:cNvPr id="3" name="Date Placeholder 2"/>
+          <p:cNvSpPr>
+            <a:spLocks noGrp="1"/>
+          </p:cNvSpPr>
+          <p:nvPr>
+            <p:ph type="dt" idx="1"/>
+          </p:nvPr>
+        </p:nvSpPr>
+        <p:spPr>
+          <a:xfrm>
+            <a:off x="5180013" y="0"/>
+            <a:ext cx="3962400" cy="342900"/>
+          </a:xfrm>
+          <a:prstGeom prst="rect">
+            <a:avLst/>
+          </a:prstGeom>
+        </p:spPr>
+        <p:txBody>
+          <a:bodyPr vert="horz" lIns="91440" tIns="45720" rIns="91440" bIns="45720" rtlCol="0"/>
+          <a:lstStyle>
+            <a:lvl1pPr algn="r">
+              <a:defRPr sz="1200"/>
+            </a:lvl1pPr>
+          </a:lstStyle>
+          <a:p>
+            <a:r id="{B7268E1E-0E44-426D-905E-8AD9B19D2182}" type="datetimeFigureOut">
+              <a:rPr lang="cs-CZ" smtClean="0"/>
+              <a:t>1.7.2013</a:t>
+            </a:r>
+          </a:p>
+        </p:txBody>
+      </p:sp>
+      <p:sp>
+        <p:nvSpPr>
+          <p:cNvPr id="4" name="Slide Image Placeholder 3"/>
+          <p:cNvSpPr>
+            <a:spLocks noGrp="1" noRot="1" noChangeAspect="1"/>
+          </p:cNvSpPr>
+          <p:nvPr>
+            <p:ph type="sldImg" idx="2"/>
+          </p:nvPr>
+        </p:nvSpPr>
+        <p:spPr>
+          <a:xfrm>
+            <a:off x="2857500" y="512763"/>
+            <a:ext cx="3429000" cy="2566987"/>
+          </a:xfrm>
+          <a:prstGeom prst="rect">
+            <a:avLst/>
+          </a:prstGeom>
+          <a:noFill/>
+          <a:ln w="12700">
+            <a:solidFill>
+              <a:prstClr val="black"/>
+            </a:solidFill>
+          </a:ln>
+        </p:spPr>
+        <p:txBody>
+          <a:bodyPr vert="horz" lIns="91440" tIns="45720" rIns="91440" bIns="45720" rtlCol="0" anchor="ctr"/>
+          <a:lstStyle/>
+          <a:p/>
+        </p:txBody>
+      </p:sp>
+      <p:sp>
+        <p:nvSpPr>
+          <p:cNvPr id="5" name="Notes Placeholder 4"/>
+          <p:cNvSpPr>
+            <a:spLocks noGrp="1"/>
+          </p:cNvSpPr>
+          <p:nvPr>
+            <p:ph type="body" sz="quarter" idx="3"/>
+          </p:nvPr>
+        </p:nvSpPr>
+        <p:spPr>
+          <a:xfrm>
+            <a:off x="914400" y="3251200"/>
+            <a:ext cx="7315200" cy="3081338"/>
+          </a:xfrm>
+          <a:prstGeom prst="rect">
+            <a:avLst/>
+          </a:prstGeom>
+        </p:spPr>
+        <p:txBody>
+          <a:bodyPr vert="horz" lIns="91440" tIns="45720" rIns="91440" bIns="45720" rtlCol="0" anchor="ctr">
+            <a:noAutofit/>
+          </a:bodyPr>
+          <a:lstStyle>
+            <a:lvl1pPr algn="l">
+              <a:defRPr sz="1400" b="false" i="false" u="none" strike="noStrike"/>
+            </a:lvl1pPr>
+          </a:lstStyle>
+          <a:p>
+            <a:pPr algn="l"/>
+            <a:endParaRPr/>
+          </a:p>
+        </p:txBody>
+      </p:sp>
+      <p:sp>
+        <p:nvSpPr>
+          <p:cNvPr id="6" name="Footer Placeholder 5"/>
+          <p:cNvSpPr>
+            <a:spLocks noGrp="1"/>
+          </p:cNvSpPr>
+          <p:nvPr>
+            <p:ph type="ftr" sz="quarter" idx="4"/>
+          </p:nvPr>
+        </p:nvSpPr>
+        <p:spPr>
+          <a:xfrm>
+            <a:off x="0" y="6502400"/>
+            <a:ext cx="3962400" cy="341313"/>
+          </a:xfrm>
+          <a:prstGeom prst="rect">
+            <a:avLst/>
+          </a:prstGeom>
+        </p:spPr>
+        <p:txBody>
+          <a:bodyPr vert="horz" lIns="91440" tIns="45720" rIns="91440" bIns="45720" rtlCol="0" anchor="b"/>
+          <a:lstStyle>
+            <a:lvl1pPr algn="l">
+              <a:defRPr sz="1200"/>
+            </a:lvl1pPr>
+          </a:lstStyle>
+          <a:p/>
+        </p:txBody>
+      </p:sp>
+      <p:sp>
+        <p:nvSpPr>
+          <p:cNvPr id="7" name="Slide Number Placeholder 6"/>
+          <p:cNvSpPr>
+            <a:spLocks noGrp="1"/>
+          </p:cNvSpPr>
+          <p:nvPr>
+            <p:ph type="sldNum" sz="quarter" idx="5"/>
+          </p:nvPr>
+        </p:nvSpPr>
+        <p:spPr>
+          <a:xfrm>
+            <a:off x="5180013" y="6502400"/>
+            <a:ext cx="3962400" cy="341313"/>
+          </a:xfrm>
+          <a:prstGeom prst="rect">
+            <a:avLst/>
+          </a:prstGeom>
+        </p:spPr>
+        <p:txBody>
+          <a:bodyPr vert="horz" lIns="91440" tIns="45720" rIns="91440" bIns="45720" rtlCol="0" anchor="b"/>
+          <a:lstStyle>
+            <a:lvl1pPr algn="r">
+              <a:defRPr sz="1200"/>
+            </a:lvl1pPr>
+          </a:lstStyle>
+          <a:p>
+            <a:r id="{871B2431-D351-4C6E-A3CF-9DFAC0E3E050}" type="slidenum">
+              <a:rPr lang="cs-CZ" smtClean="0"/>
+              <a:t>‹#›</a:t>
+            </a:r>
+          </a:p>
+        </p:txBody>
+      </p:sp>
+    </p:spTree>
+  </p:cSld>
+</p:notes>
+</file>
+
+<file path=ppt/notesSlides/notesSlide34.xml><?xml version="1.0" encoding="utf-8"?>
 <p:notes xmlns:p="http://schemas.openxmlformats.org/presentationml/2006/main">
   <p:cSld>
     <p:spTree xmlns:a="http://schemas.openxmlformats.org/drawingml/2006/main" xmlns:r="http://schemas.openxmlformats.org/officeDocument/2006/relationships">
@@ -27975,6 +28403,2382 @@
                 <a:cs typeface="Noto Sans SC"/>
                 <a:sym typeface="Noto Sans SC"/>
               </a:rPr>
+              <a:t>1.4 刷题冲刺指南</a:t>
+            </a:r>
+            <a:endParaRPr lang="en-US" sz="1100"/>
+          </a:p>
+        </p:txBody>
+      </p:sp>
+      <p:graphicFrame>
+        <p:nvGraphicFramePr>
+          <p:cNvPr name="Table 3" id="3"/>
+          <p:cNvGraphicFramePr>
+            <a:graphicFrameLocks noGrp="true"/>
+          </p:cNvGraphicFramePr>
+          <p:nvPr/>
+        </p:nvGraphicFramePr>
+        <p:xfrm>
+          <a:off x="260948" y="1474450"/>
+          <a:ext cx="1661300" cy="4470400"/>
+        </p:xfrm>
+        <a:graphic>
+          <a:graphicData uri="http://schemas.openxmlformats.org/drawingml/2006/table">
+            <a:tbl>
+              <a:tblPr>
+                <a:effectLst/>
+              </a:tblPr>
+              <a:tblGrid>
+                <a:gridCol w="800889"/>
+                <a:gridCol w="811497"/>
+                <a:gridCol w="891055"/>
+                <a:gridCol w="535694"/>
+                <a:gridCol w="535694"/>
+                <a:gridCol w="403096"/>
+              </a:tblGrid>
+              <a:tr h="1041400">
+                <a:tc gridSpan="4">
+                  <a:txBody>
+                    <a:bodyPr anchor="t" rtlCol="false">
+                      <a:noAutofit/>
+                    </a:bodyPr>
+                    <a:lstStyle/>
+                    <a:p>
+                      <a:pPr algn="ctr" indent="0">
+                        <a:lnSpc>
+                          <a:spcPct val="100000"/>
+                        </a:lnSpc>
+                        <a:defRPr/>
+                      </a:pPr>
+                      <a:r>
+                        <a:rPr lang="en-US" b="false" i="false" strike="noStrike" u="sng" sz="1300">
+                          <a:solidFill>
+                            <a:srgbClr val="175CEB"/>
+                          </a:solidFill>
+                          <a:latin typeface="Noto Sans SC"/>
+                          <a:ea typeface="Noto Sans SC"/>
+                          <a:cs typeface="Noto Sans SC"/>
+                          <a:sym typeface="Noto Sans SC"/>
+                          <a:hlinkClick r:id="rId2" tooltip="https://www.lanqiao.cn/paper/">
+                            <a:extLst>
+                              <a:ext uri="{A12FA001-AC4F-418D-AE19-62706E023703}">
+                                <ahyp:hlinkClr xmlns:ahyp="http://schemas.microsoft.com/office/drawing/2018/hyperlinkcolor" val="tx"/>
+                              </a:ext>
+                            </a:extLst>
+                          </a:hlinkClick>
+                        </a:rPr>
+                        <a:t>https://www.lanqiao.cn/paper/</a:t>
+                      </a:r>
+                      <a:endParaRPr lang="en-US" sz="1100"/>
+                    </a:p>
+                  </a:txBody>
+                  <a:tcPr anchor="ctr" marL="101600" marR="0" marT="101600" marB="101600">
+                    <a:lnL cmpd="sng" algn="ctr" cap="flat" w="12700">
+                      <a:solidFill>
+                        <a:srgbClr val="DDDEDF"/>
+                      </a:solidFill>
+                      <a:prstDash val="solid"/>
+                      <a:round/>
+                      <a:headEnd type="none" w="med" len="med"/>
+                      <a:tailEnd type="none" w="med" len="med"/>
+                    </a:lnL>
+                    <a:lnR cmpd="sng" algn="ctr" cap="flat" w="12700">
+                      <a:solidFill>
+                        <a:srgbClr val="DDDEDF"/>
+                      </a:solidFill>
+                      <a:prstDash val="solid"/>
+                      <a:round/>
+                      <a:headEnd type="none" w="med" len="med"/>
+                      <a:tailEnd type="none" w="med" len="med"/>
+                    </a:lnR>
+                    <a:lnT cmpd="sng" algn="ctr" cap="flat" w="12700">
+                      <a:solidFill>
+                        <a:srgbClr val="DDDEDF"/>
+                      </a:solidFill>
+                      <a:prstDash val="solid"/>
+                      <a:round/>
+                      <a:headEnd type="none" w="med" len="med"/>
+                      <a:tailEnd type="none" w="med" len="med"/>
+                    </a:lnT>
+                    <a:lnB cmpd="sng" algn="ctr" cap="flat" w="12700">
+                      <a:solidFill>
+                        <a:srgbClr val="DDDEDF"/>
+                      </a:solidFill>
+                      <a:prstDash val="solid"/>
+                      <a:round/>
+                      <a:headEnd type="none" w="med" len="med"/>
+                      <a:tailEnd type="none" w="med" len="med"/>
+                    </a:lnB>
+                    <a:noFill/>
+                  </a:tcPr>
+                </a:tc>
+                <a:tc hMerge="true">
+                  <a:txBody>
+                    <a:bodyPr anchor="t" rtlCol="false">
+                      <a:noAutofit/>
+                    </a:bodyPr>
+                    <a:lstStyle/>
+                    <a:p>
+                      <a:pPr algn="ctr">
+                        <a:defRPr/>
+                      </a:pPr>
+                      <a:endParaRPr/>
+                    </a:p>
+                  </a:txBody>
+                  <a:tcPr anchor="ctr" marL="101600" marR="101600" marT="101600" marB="101600">
+                    <a:lnL cmpd="sng" algn="ctr" cap="flat" w="12700">
+                      <a:solidFill>
+                        <a:srgbClr val="DDDEDF"/>
+                      </a:solidFill>
+                      <a:prstDash val="solid"/>
+                      <a:round/>
+                      <a:headEnd type="none" w="med" len="med"/>
+                      <a:tailEnd type="none" w="med" len="med"/>
+                    </a:lnL>
+                    <a:lnR cmpd="sng" algn="ctr" cap="flat" w="12700">
+                      <a:solidFill>
+                        <a:srgbClr val="DDDEDF"/>
+                      </a:solidFill>
+                      <a:prstDash val="solid"/>
+                      <a:round/>
+                      <a:headEnd type="none" w="med" len="med"/>
+                      <a:tailEnd type="none" w="med" len="med"/>
+                    </a:lnR>
+                    <a:lnT cmpd="sng" algn="ctr" cap="flat" w="12700">
+                      <a:solidFill>
+                        <a:srgbClr val="DDDEDF"/>
+                      </a:solidFill>
+                      <a:prstDash val="solid"/>
+                      <a:round/>
+                      <a:headEnd type="none" w="med" len="med"/>
+                      <a:tailEnd type="none" w="med" len="med"/>
+                    </a:lnT>
+                    <a:lnB cmpd="sng" algn="ctr" cap="flat" w="12700">
+                      <a:solidFill>
+                        <a:srgbClr val="DDDEDF"/>
+                      </a:solidFill>
+                      <a:prstDash val="solid"/>
+                      <a:round/>
+                      <a:headEnd type="none" w="med" len="med"/>
+                      <a:tailEnd type="none" w="med" len="med"/>
+                    </a:lnB>
+                    <a:noFill/>
+                  </a:tcPr>
+                </a:tc>
+                <a:tc hMerge="true">
+                  <a:txBody>
+                    <a:bodyPr anchor="t" rtlCol="false">
+                      <a:noAutofit/>
+                    </a:bodyPr>
+                    <a:lstStyle/>
+                    <a:p>
+                      <a:pPr algn="ctr">
+                        <a:defRPr/>
+                      </a:pPr>
+                      <a:endParaRPr/>
+                    </a:p>
+                  </a:txBody>
+                  <a:tcPr anchor="ctr" marL="101600" marR="101600" marT="101600" marB="101600">
+                    <a:lnL cmpd="sng" algn="ctr" cap="flat" w="12700">
+                      <a:solidFill>
+                        <a:srgbClr val="DDDEDF"/>
+                      </a:solidFill>
+                      <a:prstDash val="solid"/>
+                      <a:round/>
+                      <a:headEnd type="none" w="med" len="med"/>
+                      <a:tailEnd type="none" w="med" len="med"/>
+                    </a:lnL>
+                    <a:lnR cmpd="sng" algn="ctr" cap="flat" w="12700">
+                      <a:solidFill>
+                        <a:srgbClr val="DDDEDF"/>
+                      </a:solidFill>
+                      <a:prstDash val="solid"/>
+                      <a:round/>
+                      <a:headEnd type="none" w="med" len="med"/>
+                      <a:tailEnd type="none" w="med" len="med"/>
+                    </a:lnR>
+                    <a:lnT cmpd="sng" algn="ctr" cap="flat" w="12700">
+                      <a:solidFill>
+                        <a:srgbClr val="DDDEDF"/>
+                      </a:solidFill>
+                      <a:prstDash val="solid"/>
+                      <a:round/>
+                      <a:headEnd type="none" w="med" len="med"/>
+                      <a:tailEnd type="none" w="med" len="med"/>
+                    </a:lnT>
+                    <a:lnB cmpd="sng" algn="ctr" cap="flat" w="12700">
+                      <a:solidFill>
+                        <a:srgbClr val="DDDEDF"/>
+                      </a:solidFill>
+                      <a:prstDash val="solid"/>
+                      <a:round/>
+                      <a:headEnd type="none" w="med" len="med"/>
+                      <a:tailEnd type="none" w="med" len="med"/>
+                    </a:lnB>
+                    <a:noFill/>
+                  </a:tcPr>
+                </a:tc>
+                <a:tc hMerge="true">
+                  <a:txBody>
+                    <a:bodyPr anchor="t" rtlCol="false">
+                      <a:noAutofit/>
+                    </a:bodyPr>
+                    <a:lstStyle/>
+                    <a:p>
+                      <a:pPr algn="ctr">
+                        <a:defRPr/>
+                      </a:pPr>
+                      <a:endParaRPr/>
+                    </a:p>
+                  </a:txBody>
+                  <a:tcPr anchor="ctr" marL="101600" marR="101600" marT="101600" marB="101600">
+                    <a:lnL cmpd="sng" algn="ctr" cap="flat" w="12700">
+                      <a:solidFill>
+                        <a:srgbClr val="DDDEDF"/>
+                      </a:solidFill>
+                      <a:prstDash val="solid"/>
+                      <a:round/>
+                      <a:headEnd type="none" w="med" len="med"/>
+                      <a:tailEnd type="none" w="med" len="med"/>
+                    </a:lnL>
+                    <a:lnR cmpd="sng" algn="ctr" cap="flat" w="12700">
+                      <a:solidFill>
+                        <a:srgbClr val="DDDEDF"/>
+                      </a:solidFill>
+                      <a:prstDash val="solid"/>
+                      <a:round/>
+                      <a:headEnd type="none" w="med" len="med"/>
+                      <a:tailEnd type="none" w="med" len="med"/>
+                    </a:lnR>
+                    <a:lnT cmpd="sng" algn="ctr" cap="flat" w="12700">
+                      <a:solidFill>
+                        <a:srgbClr val="DDDEDF"/>
+                      </a:solidFill>
+                      <a:prstDash val="solid"/>
+                      <a:round/>
+                      <a:headEnd type="none" w="med" len="med"/>
+                      <a:tailEnd type="none" w="med" len="med"/>
+                    </a:lnT>
+                    <a:lnB cmpd="sng" algn="ctr" cap="flat" w="12700">
+                      <a:solidFill>
+                        <a:srgbClr val="DDDEDF"/>
+                      </a:solidFill>
+                      <a:prstDash val="solid"/>
+                      <a:round/>
+                      <a:headEnd type="none" w="med" len="med"/>
+                      <a:tailEnd type="none" w="med" len="med"/>
+                    </a:lnB>
+                    <a:noFill/>
+                  </a:tcPr>
+                </a:tc>
+                <a:tc gridSpan="2">
+                  <a:txBody>
+                    <a:bodyPr anchor="t" rtlCol="false">
+                      <a:noAutofit/>
+                    </a:bodyPr>
+                    <a:lstStyle/>
+                    <a:p>
+                      <a:pPr algn="ctr" indent="0">
+                        <a:lnSpc>
+                          <a:spcPct val="100000"/>
+                        </a:lnSpc>
+                        <a:defRPr/>
+                      </a:pPr>
+                      <a:r>
+                        <a:rPr lang="en-US" b="false" i="false" strike="noStrike" u="none" sz="1400">
+                          <a:solidFill>
+                            <a:srgbClr val="1F2329"/>
+                          </a:solidFill>
+                          <a:latin typeface="Noto Sans SC"/>
+                          <a:ea typeface="Noto Sans SC"/>
+                          <a:cs typeface="Noto Sans SC"/>
+                          <a:sym typeface="Noto Sans SC"/>
+                        </a:rPr>
+                        <a:t>蓝桥杯真题卷模拟系统</a:t>
+                      </a:r>
+                      <a:endParaRPr lang="en-US" sz="1100"/>
+                    </a:p>
+                  </a:txBody>
+                  <a:tcPr anchor="ctr" marL="101600" marR="0" marT="101600" marB="101600">
+                    <a:lnL cmpd="sng" algn="ctr" cap="flat" w="12700">
+                      <a:solidFill>
+                        <a:srgbClr val="DDDEDF"/>
+                      </a:solidFill>
+                      <a:prstDash val="solid"/>
+                      <a:round/>
+                      <a:headEnd type="none" w="med" len="med"/>
+                      <a:tailEnd type="none" w="med" len="med"/>
+                    </a:lnL>
+                    <a:lnR cmpd="sng" algn="ctr" cap="flat" w="12700">
+                      <a:solidFill>
+                        <a:srgbClr val="DDDEDF"/>
+                      </a:solidFill>
+                      <a:prstDash val="solid"/>
+                      <a:round/>
+                      <a:headEnd type="none" w="med" len="med"/>
+                      <a:tailEnd type="none" w="med" len="med"/>
+                    </a:lnR>
+                    <a:lnT cmpd="sng" algn="ctr" cap="flat" w="12700">
+                      <a:solidFill>
+                        <a:srgbClr val="DDDEDF"/>
+                      </a:solidFill>
+                      <a:prstDash val="solid"/>
+                      <a:round/>
+                      <a:headEnd type="none" w="med" len="med"/>
+                      <a:tailEnd type="none" w="med" len="med"/>
+                    </a:lnT>
+                    <a:lnB cmpd="sng" algn="ctr" cap="flat" w="12700">
+                      <a:solidFill>
+                        <a:srgbClr val="DDDEDF"/>
+                      </a:solidFill>
+                      <a:prstDash val="solid"/>
+                      <a:round/>
+                      <a:headEnd type="none" w="med" len="med"/>
+                      <a:tailEnd type="none" w="med" len="med"/>
+                    </a:lnB>
+                    <a:noFill/>
+                  </a:tcPr>
+                </a:tc>
+                <a:tc hMerge="true">
+                  <a:txBody>
+                    <a:bodyPr anchor="t" rtlCol="false">
+                      <a:noAutofit/>
+                    </a:bodyPr>
+                    <a:lstStyle/>
+                    <a:p>
+                      <a:pPr algn="ctr">
+                        <a:defRPr/>
+                      </a:pPr>
+                      <a:endParaRPr/>
+                    </a:p>
+                  </a:txBody>
+                  <a:tcPr anchor="ctr" marL="101600" marR="101600" marT="101600" marB="101600">
+                    <a:lnL>
+                      <a:noFill/>
+                    </a:lnL>
+                    <a:lnR cmpd="sng" algn="ctr" cap="flat" w="12700">
+                      <a:solidFill>
+                        <a:srgbClr val="DDDEDF"/>
+                      </a:solidFill>
+                      <a:prstDash val="solid"/>
+                      <a:round/>
+                      <a:headEnd type="none" w="med" len="med"/>
+                      <a:tailEnd type="none" w="med" len="med"/>
+                    </a:lnR>
+                    <a:lnT cmpd="sng" algn="ctr" cap="flat" w="12700">
+                      <a:solidFill>
+                        <a:srgbClr val="DDDEDF"/>
+                      </a:solidFill>
+                      <a:prstDash val="solid"/>
+                      <a:round/>
+                      <a:headEnd type="none" w="med" len="med"/>
+                      <a:tailEnd type="none" w="med" len="med"/>
+                    </a:lnT>
+                    <a:lnB cmpd="sng" algn="ctr" cap="flat" w="12700">
+                      <a:solidFill>
+                        <a:srgbClr val="DDDEDF"/>
+                      </a:solidFill>
+                      <a:prstDash val="solid"/>
+                      <a:round/>
+                      <a:headEnd type="none" w="med" len="med"/>
+                      <a:tailEnd type="none" w="med" len="med"/>
+                    </a:lnB>
+                    <a:noFill/>
+                  </a:tcPr>
+                </a:tc>
+              </a:tr>
+              <a:tr h="711200">
+                <a:tc gridSpan="4">
+                  <a:txBody>
+                    <a:bodyPr anchor="t" rtlCol="false">
+                      <a:noAutofit/>
+                    </a:bodyPr>
+                    <a:lstStyle/>
+                    <a:p>
+                      <a:pPr algn="ctr" indent="0">
+                        <a:lnSpc>
+                          <a:spcPct val="100000"/>
+                        </a:lnSpc>
+                        <a:defRPr/>
+                      </a:pPr>
+                      <a:r>
+                        <a:rPr lang="en-US" b="false" i="false" strike="noStrike" u="sng" sz="1300">
+                          <a:solidFill>
+                            <a:srgbClr val="175CEB"/>
+                          </a:solidFill>
+                          <a:highlight>
+                            <a:srgbClr val="FFFFFF">
+                              <a:alpha val="0"/>
+                            </a:srgbClr>
+                          </a:highlight>
+                          <a:latin typeface="Noto Sans SC"/>
+                          <a:ea typeface="Noto Sans SC"/>
+                          <a:cs typeface="Noto Sans SC"/>
+                          <a:sym typeface="Noto Sans SC"/>
+                          <a:hlinkClick r:id="rId3" tooltip="https://www.lanqiao.cn/problems/?first_category_id=1">
+                            <a:extLst>
+                              <a:ext uri="{A12FA001-AC4F-418D-AE19-62706E023703}">
+                                <ahyp:hlinkClr xmlns:ahyp="http://schemas.microsoft.com/office/drawing/2018/hyperlinkcolor" val="tx"/>
+                              </a:ext>
+                            </a:extLst>
+                          </a:hlinkClick>
+                        </a:rPr>
+                        <a:t>https://www.lanqiao.cn/problems/?first_category_id=1</a:t>
+                      </a:r>
+                      <a:endParaRPr lang="en-US" sz="1100"/>
+                    </a:p>
+                  </a:txBody>
+                  <a:tcPr anchor="ctr" marL="101600" marR="0" marT="101600" marB="101600">
+                    <a:lnL cmpd="sng" algn="ctr" cap="flat" w="12700">
+                      <a:solidFill>
+                        <a:srgbClr val="DDDEDF"/>
+                      </a:solidFill>
+                      <a:prstDash val="solid"/>
+                      <a:round/>
+                      <a:headEnd type="none" w="med" len="med"/>
+                      <a:tailEnd type="none" w="med" len="med"/>
+                    </a:lnL>
+                    <a:lnR cmpd="sng" algn="ctr" cap="flat" w="12700">
+                      <a:solidFill>
+                        <a:srgbClr val="DDDEDF"/>
+                      </a:solidFill>
+                      <a:prstDash val="solid"/>
+                      <a:round/>
+                      <a:headEnd type="none" w="med" len="med"/>
+                      <a:tailEnd type="none" w="med" len="med"/>
+                    </a:lnR>
+                    <a:lnT cmpd="sng" algn="ctr" cap="flat" w="12700">
+                      <a:solidFill>
+                        <a:srgbClr val="DDDEDF"/>
+                      </a:solidFill>
+                      <a:prstDash val="solid"/>
+                      <a:round/>
+                      <a:headEnd type="none" w="med" len="med"/>
+                      <a:tailEnd type="none" w="med" len="med"/>
+                    </a:lnT>
+                    <a:lnB cmpd="sng" algn="ctr" cap="flat" w="12700">
+                      <a:solidFill>
+                        <a:srgbClr val="DDDEDF"/>
+                      </a:solidFill>
+                      <a:prstDash val="solid"/>
+                      <a:round/>
+                      <a:headEnd type="none" w="med" len="med"/>
+                      <a:tailEnd type="none" w="med" len="med"/>
+                    </a:lnB>
+                    <a:noFill/>
+                  </a:tcPr>
+                </a:tc>
+                <a:tc hMerge="true">
+                  <a:txBody>
+                    <a:bodyPr anchor="t" rtlCol="false">
+                      <a:noAutofit/>
+                    </a:bodyPr>
+                    <a:lstStyle/>
+                    <a:p>
+                      <a:pPr algn="ctr">
+                        <a:defRPr/>
+                      </a:pPr>
+                      <a:endParaRPr/>
+                    </a:p>
+                  </a:txBody>
+                  <a:tcPr anchor="ctr" marL="101600" marR="101600" marT="101600" marB="101600">
+                    <a:lnL cmpd="sng" algn="ctr" cap="flat" w="12700">
+                      <a:solidFill>
+                        <a:srgbClr val="DDDEDF"/>
+                      </a:solidFill>
+                      <a:prstDash val="solid"/>
+                      <a:round/>
+                      <a:headEnd type="none" w="med" len="med"/>
+                      <a:tailEnd type="none" w="med" len="med"/>
+                    </a:lnL>
+                    <a:lnR cmpd="sng" algn="ctr" cap="flat" w="12700">
+                      <a:solidFill>
+                        <a:srgbClr val="DDDEDF"/>
+                      </a:solidFill>
+                      <a:prstDash val="solid"/>
+                      <a:round/>
+                      <a:headEnd type="none" w="med" len="med"/>
+                      <a:tailEnd type="none" w="med" len="med"/>
+                    </a:lnR>
+                    <a:lnT cmpd="sng" algn="ctr" cap="flat" w="12700">
+                      <a:solidFill>
+                        <a:srgbClr val="DDDEDF"/>
+                      </a:solidFill>
+                      <a:prstDash val="solid"/>
+                      <a:round/>
+                      <a:headEnd type="none" w="med" len="med"/>
+                      <a:tailEnd type="none" w="med" len="med"/>
+                    </a:lnT>
+                    <a:lnB cmpd="sng" algn="ctr" cap="flat" w="12700">
+                      <a:solidFill>
+                        <a:srgbClr val="DDDEDF"/>
+                      </a:solidFill>
+                      <a:prstDash val="solid"/>
+                      <a:round/>
+                      <a:headEnd type="none" w="med" len="med"/>
+                      <a:tailEnd type="none" w="med" len="med"/>
+                    </a:lnB>
+                    <a:noFill/>
+                  </a:tcPr>
+                </a:tc>
+                <a:tc hMerge="true">
+                  <a:txBody>
+                    <a:bodyPr anchor="t" rtlCol="false">
+                      <a:noAutofit/>
+                    </a:bodyPr>
+                    <a:lstStyle/>
+                    <a:p>
+                      <a:pPr algn="ctr">
+                        <a:defRPr/>
+                      </a:pPr>
+                      <a:endParaRPr/>
+                    </a:p>
+                  </a:txBody>
+                  <a:tcPr anchor="ctr" marL="101600" marR="101600" marT="101600" marB="101600">
+                    <a:lnL cmpd="sng" algn="ctr" cap="flat" w="12700">
+                      <a:solidFill>
+                        <a:srgbClr val="DDDEDF"/>
+                      </a:solidFill>
+                      <a:prstDash val="solid"/>
+                      <a:round/>
+                      <a:headEnd type="none" w="med" len="med"/>
+                      <a:tailEnd type="none" w="med" len="med"/>
+                    </a:lnL>
+                    <a:lnR cmpd="sng" algn="ctr" cap="flat" w="12700">
+                      <a:solidFill>
+                        <a:srgbClr val="DDDEDF"/>
+                      </a:solidFill>
+                      <a:prstDash val="solid"/>
+                      <a:round/>
+                      <a:headEnd type="none" w="med" len="med"/>
+                      <a:tailEnd type="none" w="med" len="med"/>
+                    </a:lnR>
+                    <a:lnT cmpd="sng" algn="ctr" cap="flat" w="12700">
+                      <a:solidFill>
+                        <a:srgbClr val="DDDEDF"/>
+                      </a:solidFill>
+                      <a:prstDash val="solid"/>
+                      <a:round/>
+                      <a:headEnd type="none" w="med" len="med"/>
+                      <a:tailEnd type="none" w="med" len="med"/>
+                    </a:lnT>
+                    <a:lnB cmpd="sng" algn="ctr" cap="flat" w="12700">
+                      <a:solidFill>
+                        <a:srgbClr val="DDDEDF"/>
+                      </a:solidFill>
+                      <a:prstDash val="solid"/>
+                      <a:round/>
+                      <a:headEnd type="none" w="med" len="med"/>
+                      <a:tailEnd type="none" w="med" len="med"/>
+                    </a:lnB>
+                    <a:noFill/>
+                  </a:tcPr>
+                </a:tc>
+                <a:tc hMerge="true">
+                  <a:txBody>
+                    <a:bodyPr anchor="t" rtlCol="false">
+                      <a:noAutofit/>
+                    </a:bodyPr>
+                    <a:lstStyle/>
+                    <a:p>
+                      <a:pPr algn="ctr">
+                        <a:defRPr/>
+                      </a:pPr>
+                      <a:endParaRPr/>
+                    </a:p>
+                  </a:txBody>
+                  <a:tcPr anchor="ctr" marL="101600" marR="101600" marT="101600" marB="101600">
+                    <a:lnL cmpd="sng" algn="ctr" cap="flat" w="12700">
+                      <a:solidFill>
+                        <a:srgbClr val="DDDEDF"/>
+                      </a:solidFill>
+                      <a:prstDash val="solid"/>
+                      <a:round/>
+                      <a:headEnd type="none" w="med" len="med"/>
+                      <a:tailEnd type="none" w="med" len="med"/>
+                    </a:lnL>
+                    <a:lnR cmpd="sng" algn="ctr" cap="flat" w="12700">
+                      <a:solidFill>
+                        <a:srgbClr val="DDDEDF"/>
+                      </a:solidFill>
+                      <a:prstDash val="solid"/>
+                      <a:round/>
+                      <a:headEnd type="none" w="med" len="med"/>
+                      <a:tailEnd type="none" w="med" len="med"/>
+                    </a:lnR>
+                    <a:lnT cmpd="sng" algn="ctr" cap="flat" w="12700">
+                      <a:solidFill>
+                        <a:srgbClr val="DDDEDF"/>
+                      </a:solidFill>
+                      <a:prstDash val="solid"/>
+                      <a:round/>
+                      <a:headEnd type="none" w="med" len="med"/>
+                      <a:tailEnd type="none" w="med" len="med"/>
+                    </a:lnT>
+                    <a:lnB cmpd="sng" algn="ctr" cap="flat" w="12700">
+                      <a:solidFill>
+                        <a:srgbClr val="DDDEDF"/>
+                      </a:solidFill>
+                      <a:prstDash val="solid"/>
+                      <a:round/>
+                      <a:headEnd type="none" w="med" len="med"/>
+                      <a:tailEnd type="none" w="med" len="med"/>
+                    </a:lnB>
+                    <a:noFill/>
+                  </a:tcPr>
+                </a:tc>
+                <a:tc gridSpan="2">
+                  <a:txBody>
+                    <a:bodyPr anchor="t" rtlCol="false">
+                      <a:noAutofit/>
+                    </a:bodyPr>
+                    <a:lstStyle/>
+                    <a:p>
+                      <a:pPr algn="ctr" indent="0">
+                        <a:lnSpc>
+                          <a:spcPct val="100000"/>
+                        </a:lnSpc>
+                        <a:defRPr/>
+                      </a:pPr>
+                      <a:r>
+                        <a:rPr lang="en-US" b="false" i="false" strike="noStrike" u="none" sz="1400">
+                          <a:solidFill>
+                            <a:srgbClr val="1F2329"/>
+                          </a:solidFill>
+                          <a:latin typeface="Noto Sans SC"/>
+                          <a:ea typeface="Noto Sans SC"/>
+                          <a:cs typeface="Noto Sans SC"/>
+                          <a:sym typeface="Noto Sans SC"/>
+                        </a:rPr>
+                        <a:t>蓝桥题库</a:t>
+                      </a:r>
+                      <a:endParaRPr lang="en-US" sz="1100"/>
+                    </a:p>
+                  </a:txBody>
+                  <a:tcPr anchor="ctr" marL="101600" marR="0" marT="101600" marB="101600">
+                    <a:lnL cmpd="sng" algn="ctr" cap="flat" w="12700">
+                      <a:solidFill>
+                        <a:srgbClr val="DDDEDF"/>
+                      </a:solidFill>
+                      <a:prstDash val="solid"/>
+                      <a:round/>
+                      <a:headEnd type="none" w="med" len="med"/>
+                      <a:tailEnd type="none" w="med" len="med"/>
+                    </a:lnL>
+                    <a:lnR cmpd="sng" algn="ctr" cap="flat" w="12700">
+                      <a:solidFill>
+                        <a:srgbClr val="DDDEDF"/>
+                      </a:solidFill>
+                      <a:prstDash val="solid"/>
+                      <a:round/>
+                      <a:headEnd type="none" w="med" len="med"/>
+                      <a:tailEnd type="none" w="med" len="med"/>
+                    </a:lnR>
+                    <a:lnT cmpd="sng" algn="ctr" cap="flat" w="12700">
+                      <a:solidFill>
+                        <a:srgbClr val="DDDEDF"/>
+                      </a:solidFill>
+                      <a:prstDash val="solid"/>
+                      <a:round/>
+                      <a:headEnd type="none" w="med" len="med"/>
+                      <a:tailEnd type="none" w="med" len="med"/>
+                    </a:lnT>
+                    <a:lnB cmpd="sng" algn="ctr" cap="flat" w="12700">
+                      <a:solidFill>
+                        <a:srgbClr val="DDDEDF"/>
+                      </a:solidFill>
+                      <a:prstDash val="solid"/>
+                      <a:round/>
+                      <a:headEnd type="none" w="med" len="med"/>
+                      <a:tailEnd type="none" w="med" len="med"/>
+                    </a:lnB>
+                    <a:noFill/>
+                  </a:tcPr>
+                </a:tc>
+                <a:tc hMerge="true">
+                  <a:txBody>
+                    <a:bodyPr anchor="t" rtlCol="false">
+                      <a:noAutofit/>
+                    </a:bodyPr>
+                    <a:lstStyle/>
+                    <a:p>
+                      <a:pPr algn="ctr">
+                        <a:defRPr/>
+                      </a:pPr>
+                      <a:endParaRPr/>
+                    </a:p>
+                  </a:txBody>
+                  <a:tcPr anchor="ctr" marL="101600" marR="101600" marT="101600" marB="101600">
+                    <a:lnL>
+                      <a:noFill/>
+                    </a:lnL>
+                    <a:lnR cmpd="sng" algn="ctr" cap="flat" w="12700">
+                      <a:solidFill>
+                        <a:srgbClr val="DDDEDF"/>
+                      </a:solidFill>
+                      <a:prstDash val="solid"/>
+                      <a:round/>
+                      <a:headEnd type="none" w="med" len="med"/>
+                      <a:tailEnd type="none" w="med" len="med"/>
+                    </a:lnR>
+                    <a:lnT cmpd="sng" algn="ctr" cap="flat" w="12700">
+                      <a:solidFill>
+                        <a:srgbClr val="DDDEDF"/>
+                      </a:solidFill>
+                      <a:prstDash val="solid"/>
+                      <a:round/>
+                      <a:headEnd type="none" w="med" len="med"/>
+                      <a:tailEnd type="none" w="med" len="med"/>
+                    </a:lnT>
+                    <a:lnB cmpd="sng" algn="ctr" cap="flat" w="12700">
+                      <a:solidFill>
+                        <a:srgbClr val="DDDEDF"/>
+                      </a:solidFill>
+                      <a:prstDash val="solid"/>
+                      <a:round/>
+                      <a:headEnd type="none" w="med" len="med"/>
+                      <a:tailEnd type="none" w="med" len="med"/>
+                    </a:lnB>
+                    <a:noFill/>
+                  </a:tcPr>
+                </a:tc>
+              </a:tr>
+              <a:tr h="762000">
+                <a:tc gridSpan="4">
+                  <a:txBody>
+                    <a:bodyPr anchor="t" rtlCol="false">
+                      <a:noAutofit/>
+                    </a:bodyPr>
+                    <a:lstStyle/>
+                    <a:p>
+                      <a:pPr algn="ctr" indent="0">
+                        <a:lnSpc>
+                          <a:spcPct val="100000"/>
+                        </a:lnSpc>
+                        <a:defRPr/>
+                      </a:pPr>
+                      <a:r>
+                        <a:rPr lang="en-US" b="false" i="false" strike="noStrike" u="sng" sz="1300">
+                          <a:solidFill>
+                            <a:srgbClr val="175CEB"/>
+                          </a:solidFill>
+                          <a:latin typeface="Noto Sans SC"/>
+                          <a:ea typeface="Noto Sans SC"/>
+                          <a:cs typeface="Noto Sans SC"/>
+                          <a:sym typeface="Noto Sans SC"/>
+                          <a:hlinkClick r:id="rId4" tooltip="https://ac.nowcoder.com/acm/problem/collection/6999">
+                            <a:extLst>
+                              <a:ext uri="{A12FA001-AC4F-418D-AE19-62706E023703}">
+                                <ahyp:hlinkClr xmlns:ahyp="http://schemas.microsoft.com/office/drawing/2018/hyperlinkcolor" val="tx"/>
+                              </a:ext>
+                            </a:extLst>
+                          </a:hlinkClick>
+                        </a:rPr>
+                        <a:t>https://ac.nowcoder.com/acm/problem/collection/6999</a:t>
+                      </a:r>
+                      <a:endParaRPr lang="en-US" sz="1100"/>
+                    </a:p>
+                  </a:txBody>
+                  <a:tcPr anchor="ctr" marL="101600" marR="0" marT="101600" marB="101600">
+                    <a:lnL cmpd="sng" algn="ctr" cap="flat" w="12700">
+                      <a:solidFill>
+                        <a:srgbClr val="DDDEDF"/>
+                      </a:solidFill>
+                      <a:prstDash val="solid"/>
+                      <a:round/>
+                      <a:headEnd type="none" w="med" len="med"/>
+                      <a:tailEnd type="none" w="med" len="med"/>
+                    </a:lnL>
+                    <a:lnR cmpd="sng" algn="ctr" cap="flat" w="12700">
+                      <a:solidFill>
+                        <a:srgbClr val="DDDEDF"/>
+                      </a:solidFill>
+                      <a:prstDash val="solid"/>
+                      <a:round/>
+                      <a:headEnd type="none" w="med" len="med"/>
+                      <a:tailEnd type="none" w="med" len="med"/>
+                    </a:lnR>
+                    <a:lnT cmpd="sng" algn="ctr" cap="flat" w="12700">
+                      <a:solidFill>
+                        <a:srgbClr val="DDDEDF"/>
+                      </a:solidFill>
+                      <a:prstDash val="solid"/>
+                      <a:round/>
+                      <a:headEnd type="none" w="med" len="med"/>
+                      <a:tailEnd type="none" w="med" len="med"/>
+                    </a:lnT>
+                    <a:lnB cmpd="sng" algn="ctr" cap="flat" w="12700">
+                      <a:solidFill>
+                        <a:srgbClr val="DDDEDF"/>
+                      </a:solidFill>
+                      <a:prstDash val="solid"/>
+                      <a:round/>
+                      <a:headEnd type="none" w="med" len="med"/>
+                      <a:tailEnd type="none" w="med" len="med"/>
+                    </a:lnB>
+                    <a:noFill/>
+                  </a:tcPr>
+                </a:tc>
+                <a:tc hMerge="true">
+                  <a:txBody>
+                    <a:bodyPr anchor="t" rtlCol="false">
+                      <a:noAutofit/>
+                    </a:bodyPr>
+                    <a:lstStyle/>
+                    <a:p>
+                      <a:pPr algn="ctr">
+                        <a:defRPr/>
+                      </a:pPr>
+                      <a:endParaRPr/>
+                    </a:p>
+                  </a:txBody>
+                  <a:tcPr anchor="ctr" marL="101600" marR="101600" marT="101600" marB="101600">
+                    <a:lnL cmpd="sng" algn="ctr" cap="flat" w="12700">
+                      <a:solidFill>
+                        <a:srgbClr val="DDDEDF"/>
+                      </a:solidFill>
+                      <a:prstDash val="solid"/>
+                      <a:round/>
+                      <a:headEnd type="none" w="med" len="med"/>
+                      <a:tailEnd type="none" w="med" len="med"/>
+                    </a:lnL>
+                    <a:lnR cmpd="sng" algn="ctr" cap="flat" w="12700">
+                      <a:solidFill>
+                        <a:srgbClr val="DDDEDF"/>
+                      </a:solidFill>
+                      <a:prstDash val="solid"/>
+                      <a:round/>
+                      <a:headEnd type="none" w="med" len="med"/>
+                      <a:tailEnd type="none" w="med" len="med"/>
+                    </a:lnR>
+                    <a:lnT cmpd="sng" algn="ctr" cap="flat" w="12700">
+                      <a:solidFill>
+                        <a:srgbClr val="DDDEDF"/>
+                      </a:solidFill>
+                      <a:prstDash val="solid"/>
+                      <a:round/>
+                      <a:headEnd type="none" w="med" len="med"/>
+                      <a:tailEnd type="none" w="med" len="med"/>
+                    </a:lnT>
+                    <a:lnB cmpd="sng" algn="ctr" cap="flat" w="12700">
+                      <a:solidFill>
+                        <a:srgbClr val="DDDEDF"/>
+                      </a:solidFill>
+                      <a:prstDash val="solid"/>
+                      <a:round/>
+                      <a:headEnd type="none" w="med" len="med"/>
+                      <a:tailEnd type="none" w="med" len="med"/>
+                    </a:lnB>
+                    <a:noFill/>
+                  </a:tcPr>
+                </a:tc>
+                <a:tc hMerge="true">
+                  <a:txBody>
+                    <a:bodyPr anchor="t" rtlCol="false">
+                      <a:noAutofit/>
+                    </a:bodyPr>
+                    <a:lstStyle/>
+                    <a:p>
+                      <a:pPr algn="ctr">
+                        <a:defRPr/>
+                      </a:pPr>
+                      <a:endParaRPr/>
+                    </a:p>
+                  </a:txBody>
+                  <a:tcPr anchor="ctr" marL="101600" marR="101600" marT="101600" marB="101600">
+                    <a:lnL cmpd="sng" algn="ctr" cap="flat" w="12700">
+                      <a:solidFill>
+                        <a:srgbClr val="DDDEDF"/>
+                      </a:solidFill>
+                      <a:prstDash val="solid"/>
+                      <a:round/>
+                      <a:headEnd type="none" w="med" len="med"/>
+                      <a:tailEnd type="none" w="med" len="med"/>
+                    </a:lnL>
+                    <a:lnR cmpd="sng" algn="ctr" cap="flat" w="12700">
+                      <a:solidFill>
+                        <a:srgbClr val="DDDEDF"/>
+                      </a:solidFill>
+                      <a:prstDash val="solid"/>
+                      <a:round/>
+                      <a:headEnd type="none" w="med" len="med"/>
+                      <a:tailEnd type="none" w="med" len="med"/>
+                    </a:lnR>
+                    <a:lnT cmpd="sng" algn="ctr" cap="flat" w="12700">
+                      <a:solidFill>
+                        <a:srgbClr val="DDDEDF"/>
+                      </a:solidFill>
+                      <a:prstDash val="solid"/>
+                      <a:round/>
+                      <a:headEnd type="none" w="med" len="med"/>
+                      <a:tailEnd type="none" w="med" len="med"/>
+                    </a:lnT>
+                    <a:lnB cmpd="sng" algn="ctr" cap="flat" w="12700">
+                      <a:solidFill>
+                        <a:srgbClr val="DDDEDF"/>
+                      </a:solidFill>
+                      <a:prstDash val="solid"/>
+                      <a:round/>
+                      <a:headEnd type="none" w="med" len="med"/>
+                      <a:tailEnd type="none" w="med" len="med"/>
+                    </a:lnB>
+                    <a:noFill/>
+                  </a:tcPr>
+                </a:tc>
+                <a:tc hMerge="true">
+                  <a:txBody>
+                    <a:bodyPr anchor="t" rtlCol="false">
+                      <a:noAutofit/>
+                    </a:bodyPr>
+                    <a:lstStyle/>
+                    <a:p>
+                      <a:pPr algn="ctr">
+                        <a:defRPr/>
+                      </a:pPr>
+                      <a:endParaRPr/>
+                    </a:p>
+                  </a:txBody>
+                  <a:tcPr anchor="ctr" marL="101600" marR="101600" marT="101600" marB="101600">
+                    <a:lnL cmpd="sng" algn="ctr" cap="flat" w="12700">
+                      <a:solidFill>
+                        <a:srgbClr val="DDDEDF"/>
+                      </a:solidFill>
+                      <a:prstDash val="solid"/>
+                      <a:round/>
+                      <a:headEnd type="none" w="med" len="med"/>
+                      <a:tailEnd type="none" w="med" len="med"/>
+                    </a:lnL>
+                    <a:lnR cmpd="sng" algn="ctr" cap="flat" w="12700">
+                      <a:solidFill>
+                        <a:srgbClr val="DDDEDF"/>
+                      </a:solidFill>
+                      <a:prstDash val="solid"/>
+                      <a:round/>
+                      <a:headEnd type="none" w="med" len="med"/>
+                      <a:tailEnd type="none" w="med" len="med"/>
+                    </a:lnR>
+                    <a:lnT cmpd="sng" algn="ctr" cap="flat" w="12700">
+                      <a:solidFill>
+                        <a:srgbClr val="DDDEDF"/>
+                      </a:solidFill>
+                      <a:prstDash val="solid"/>
+                      <a:round/>
+                      <a:headEnd type="none" w="med" len="med"/>
+                      <a:tailEnd type="none" w="med" len="med"/>
+                    </a:lnT>
+                    <a:lnB cmpd="sng" algn="ctr" cap="flat" w="12700">
+                      <a:solidFill>
+                        <a:srgbClr val="DDDEDF"/>
+                      </a:solidFill>
+                      <a:prstDash val="solid"/>
+                      <a:round/>
+                      <a:headEnd type="none" w="med" len="med"/>
+                      <a:tailEnd type="none" w="med" len="med"/>
+                    </a:lnB>
+                    <a:noFill/>
+                  </a:tcPr>
+                </a:tc>
+                <a:tc gridSpan="2">
+                  <a:txBody>
+                    <a:bodyPr anchor="t" rtlCol="false">
+                      <a:noAutofit/>
+                    </a:bodyPr>
+                    <a:lstStyle/>
+                    <a:p>
+                      <a:pPr algn="ctr" indent="0">
+                        <a:lnSpc>
+                          <a:spcPct val="100000"/>
+                        </a:lnSpc>
+                        <a:defRPr/>
+                      </a:pPr>
+                      <a:r>
+                        <a:rPr lang="en-US" b="false" i="false" strike="noStrike" u="none" sz="1400">
+                          <a:solidFill>
+                            <a:srgbClr val="1F2329"/>
+                          </a:solidFill>
+                          <a:latin typeface="Noto Sans SC"/>
+                          <a:ea typeface="Noto Sans SC"/>
+                          <a:cs typeface="Noto Sans SC"/>
+                          <a:sym typeface="Noto Sans SC"/>
+                        </a:rPr>
+                        <a:t>牛客蓝桥寒假题单</a:t>
+                      </a:r>
+                      <a:endParaRPr lang="en-US" sz="1100"/>
+                    </a:p>
+                  </a:txBody>
+                  <a:tcPr anchor="ctr" marL="101600" marR="0" marT="101600" marB="101600">
+                    <a:lnL cmpd="sng" algn="ctr" cap="flat" w="12700">
+                      <a:solidFill>
+                        <a:srgbClr val="DDDEDF"/>
+                      </a:solidFill>
+                      <a:prstDash val="solid"/>
+                      <a:round/>
+                      <a:headEnd type="none" w="med" len="med"/>
+                      <a:tailEnd type="none" w="med" len="med"/>
+                    </a:lnL>
+                    <a:lnR cmpd="sng" algn="ctr" cap="flat" w="12700">
+                      <a:solidFill>
+                        <a:srgbClr val="DDDEDF"/>
+                      </a:solidFill>
+                      <a:prstDash val="solid"/>
+                      <a:round/>
+                      <a:headEnd type="none" w="med" len="med"/>
+                      <a:tailEnd type="none" w="med" len="med"/>
+                    </a:lnR>
+                    <a:lnT cmpd="sng" algn="ctr" cap="flat" w="12700">
+                      <a:solidFill>
+                        <a:srgbClr val="DDDEDF"/>
+                      </a:solidFill>
+                      <a:prstDash val="solid"/>
+                      <a:round/>
+                      <a:headEnd type="none" w="med" len="med"/>
+                      <a:tailEnd type="none" w="med" len="med"/>
+                    </a:lnT>
+                    <a:lnB cmpd="sng" algn="ctr" cap="flat" w="12700">
+                      <a:solidFill>
+                        <a:srgbClr val="DDDEDF"/>
+                      </a:solidFill>
+                      <a:prstDash val="solid"/>
+                      <a:round/>
+                      <a:headEnd type="none" w="med" len="med"/>
+                      <a:tailEnd type="none" w="med" len="med"/>
+                    </a:lnB>
+                    <a:noFill/>
+                  </a:tcPr>
+                </a:tc>
+                <a:tc hMerge="true">
+                  <a:txBody>
+                    <a:bodyPr anchor="t" rtlCol="false">
+                      <a:noAutofit/>
+                    </a:bodyPr>
+                    <a:lstStyle/>
+                    <a:p>
+                      <a:pPr algn="ctr">
+                        <a:defRPr/>
+                      </a:pPr>
+                      <a:endParaRPr/>
+                    </a:p>
+                  </a:txBody>
+                  <a:tcPr anchor="ctr" marL="101600" marR="101600" marT="101600" marB="101600">
+                    <a:lnL>
+                      <a:noFill/>
+                    </a:lnL>
+                    <a:lnR cmpd="sng" algn="ctr" cap="flat" w="12700">
+                      <a:solidFill>
+                        <a:srgbClr val="DDDEDF"/>
+                      </a:solidFill>
+                      <a:prstDash val="solid"/>
+                      <a:round/>
+                      <a:headEnd type="none" w="med" len="med"/>
+                      <a:tailEnd type="none" w="med" len="med"/>
+                    </a:lnR>
+                    <a:lnT cmpd="sng" algn="ctr" cap="flat" w="12700">
+                      <a:solidFill>
+                        <a:srgbClr val="DDDEDF"/>
+                      </a:solidFill>
+                      <a:prstDash val="solid"/>
+                      <a:round/>
+                      <a:headEnd type="none" w="med" len="med"/>
+                      <a:tailEnd type="none" w="med" len="med"/>
+                    </a:lnT>
+                    <a:lnB cmpd="sng" algn="ctr" cap="flat" w="12700">
+                      <a:solidFill>
+                        <a:srgbClr val="DDDEDF"/>
+                      </a:solidFill>
+                      <a:prstDash val="solid"/>
+                      <a:round/>
+                      <a:headEnd type="none" w="med" len="med"/>
+                      <a:tailEnd type="none" w="med" len="med"/>
+                    </a:lnB>
+                    <a:noFill/>
+                  </a:tcPr>
+                </a:tc>
+              </a:tr>
+              <a:tr h="711200">
+                <a:tc gridSpan="4">
+                  <a:txBody>
+                    <a:bodyPr anchor="t" rtlCol="false">
+                      <a:noAutofit/>
+                    </a:bodyPr>
+                    <a:lstStyle/>
+                    <a:p>
+                      <a:pPr algn="ctr" indent="0">
+                        <a:lnSpc>
+                          <a:spcPct val="100000"/>
+                        </a:lnSpc>
+                        <a:defRPr/>
+                      </a:pPr>
+                      <a:r>
+                        <a:rPr lang="en-US" b="false" i="false" strike="noStrike" u="sng" sz="1300">
+                          <a:solidFill>
+                            <a:srgbClr val="175CEB"/>
+                          </a:solidFill>
+                          <a:highlight>
+                            <a:srgbClr val="FFFFFF">
+                              <a:alpha val="0"/>
+                            </a:srgbClr>
+                          </a:highlight>
+                          <a:latin typeface="Noto Sans SC"/>
+                          <a:ea typeface="Noto Sans SC"/>
+                          <a:cs typeface="Noto Sans SC"/>
+                          <a:sym typeface="Noto Sans SC"/>
+                          <a:hlinkClick r:id="rId5" tooltip="https://www.luogu.com.cn/training/list">
+                            <a:extLst>
+                              <a:ext uri="{A12FA001-AC4F-418D-AE19-62706E023703}">
+                                <ahyp:hlinkClr xmlns:ahyp="http://schemas.microsoft.com/office/drawing/2018/hyperlinkcolor" val="tx"/>
+                              </a:ext>
+                            </a:extLst>
+                          </a:hlinkClick>
+                        </a:rPr>
+                        <a:t>https://www.luogu.com.cn/training/list</a:t>
+                      </a:r>
+                      <a:endParaRPr lang="en-US" sz="1100"/>
+                    </a:p>
+                  </a:txBody>
+                  <a:tcPr anchor="ctr" marL="101600" marR="0" marT="101600" marB="101600">
+                    <a:lnL cmpd="sng" algn="ctr" cap="flat" w="12700">
+                      <a:solidFill>
+                        <a:srgbClr val="DDDEDF"/>
+                      </a:solidFill>
+                      <a:prstDash val="solid"/>
+                      <a:round/>
+                      <a:headEnd type="none" w="med" len="med"/>
+                      <a:tailEnd type="none" w="med" len="med"/>
+                    </a:lnL>
+                    <a:lnR cmpd="sng" algn="ctr" cap="flat" w="12700">
+                      <a:solidFill>
+                        <a:srgbClr val="DDDEDF"/>
+                      </a:solidFill>
+                      <a:prstDash val="solid"/>
+                      <a:round/>
+                      <a:headEnd type="none" w="med" len="med"/>
+                      <a:tailEnd type="none" w="med" len="med"/>
+                    </a:lnR>
+                    <a:lnT cmpd="sng" algn="ctr" cap="flat" w="12700">
+                      <a:solidFill>
+                        <a:srgbClr val="DDDEDF"/>
+                      </a:solidFill>
+                      <a:prstDash val="solid"/>
+                      <a:round/>
+                      <a:headEnd type="none" w="med" len="med"/>
+                      <a:tailEnd type="none" w="med" len="med"/>
+                    </a:lnT>
+                    <a:lnB cmpd="sng" algn="ctr" cap="flat" w="12700">
+                      <a:solidFill>
+                        <a:srgbClr val="DDDEDF"/>
+                      </a:solidFill>
+                      <a:prstDash val="solid"/>
+                      <a:round/>
+                      <a:headEnd type="none" w="med" len="med"/>
+                      <a:tailEnd type="none" w="med" len="med"/>
+                    </a:lnB>
+                    <a:noFill/>
+                  </a:tcPr>
+                </a:tc>
+                <a:tc hMerge="true">
+                  <a:txBody>
+                    <a:bodyPr anchor="t" rtlCol="false">
+                      <a:noAutofit/>
+                    </a:bodyPr>
+                    <a:lstStyle/>
+                    <a:p>
+                      <a:pPr algn="ctr">
+                        <a:defRPr/>
+                      </a:pPr>
+                      <a:endParaRPr/>
+                    </a:p>
+                  </a:txBody>
+                  <a:tcPr anchor="ctr" marL="101600" marR="101600" marT="101600" marB="101600">
+                    <a:lnL cmpd="sng" algn="ctr" cap="flat" w="12700">
+                      <a:solidFill>
+                        <a:srgbClr val="DDDEDF"/>
+                      </a:solidFill>
+                      <a:prstDash val="solid"/>
+                      <a:round/>
+                      <a:headEnd type="none" w="med" len="med"/>
+                      <a:tailEnd type="none" w="med" len="med"/>
+                    </a:lnL>
+                    <a:lnR cmpd="sng" algn="ctr" cap="flat" w="12700">
+                      <a:solidFill>
+                        <a:srgbClr val="DDDEDF"/>
+                      </a:solidFill>
+                      <a:prstDash val="solid"/>
+                      <a:round/>
+                      <a:headEnd type="none" w="med" len="med"/>
+                      <a:tailEnd type="none" w="med" len="med"/>
+                    </a:lnR>
+                    <a:lnT cmpd="sng" algn="ctr" cap="flat" w="12700">
+                      <a:solidFill>
+                        <a:srgbClr val="DDDEDF"/>
+                      </a:solidFill>
+                      <a:prstDash val="solid"/>
+                      <a:round/>
+                      <a:headEnd type="none" w="med" len="med"/>
+                      <a:tailEnd type="none" w="med" len="med"/>
+                    </a:lnT>
+                    <a:lnB cmpd="sng" algn="ctr" cap="flat" w="12700">
+                      <a:solidFill>
+                        <a:srgbClr val="DDDEDF"/>
+                      </a:solidFill>
+                      <a:prstDash val="solid"/>
+                      <a:round/>
+                      <a:headEnd type="none" w="med" len="med"/>
+                      <a:tailEnd type="none" w="med" len="med"/>
+                    </a:lnB>
+                    <a:noFill/>
+                  </a:tcPr>
+                </a:tc>
+                <a:tc hMerge="true">
+                  <a:txBody>
+                    <a:bodyPr anchor="t" rtlCol="false">
+                      <a:noAutofit/>
+                    </a:bodyPr>
+                    <a:lstStyle/>
+                    <a:p>
+                      <a:pPr algn="ctr">
+                        <a:defRPr/>
+                      </a:pPr>
+                      <a:endParaRPr/>
+                    </a:p>
+                  </a:txBody>
+                  <a:tcPr anchor="ctr" marL="101600" marR="101600" marT="101600" marB="101600">
+                    <a:lnL cmpd="sng" algn="ctr" cap="flat" w="12700">
+                      <a:solidFill>
+                        <a:srgbClr val="DDDEDF"/>
+                      </a:solidFill>
+                      <a:prstDash val="solid"/>
+                      <a:round/>
+                      <a:headEnd type="none" w="med" len="med"/>
+                      <a:tailEnd type="none" w="med" len="med"/>
+                    </a:lnL>
+                    <a:lnR cmpd="sng" algn="ctr" cap="flat" w="12700">
+                      <a:solidFill>
+                        <a:srgbClr val="DDDEDF"/>
+                      </a:solidFill>
+                      <a:prstDash val="solid"/>
+                      <a:round/>
+                      <a:headEnd type="none" w="med" len="med"/>
+                      <a:tailEnd type="none" w="med" len="med"/>
+                    </a:lnR>
+                    <a:lnT cmpd="sng" algn="ctr" cap="flat" w="12700">
+                      <a:solidFill>
+                        <a:srgbClr val="DDDEDF"/>
+                      </a:solidFill>
+                      <a:prstDash val="solid"/>
+                      <a:round/>
+                      <a:headEnd type="none" w="med" len="med"/>
+                      <a:tailEnd type="none" w="med" len="med"/>
+                    </a:lnT>
+                    <a:lnB cmpd="sng" algn="ctr" cap="flat" w="12700">
+                      <a:solidFill>
+                        <a:srgbClr val="DDDEDF"/>
+                      </a:solidFill>
+                      <a:prstDash val="solid"/>
+                      <a:round/>
+                      <a:headEnd type="none" w="med" len="med"/>
+                      <a:tailEnd type="none" w="med" len="med"/>
+                    </a:lnB>
+                    <a:noFill/>
+                  </a:tcPr>
+                </a:tc>
+                <a:tc hMerge="true">
+                  <a:txBody>
+                    <a:bodyPr anchor="t" rtlCol="false">
+                      <a:noAutofit/>
+                    </a:bodyPr>
+                    <a:lstStyle/>
+                    <a:p>
+                      <a:pPr algn="ctr">
+                        <a:defRPr/>
+                      </a:pPr>
+                      <a:endParaRPr/>
+                    </a:p>
+                  </a:txBody>
+                  <a:tcPr anchor="ctr" marL="101600" marR="101600" marT="101600" marB="101600">
+                    <a:lnL cmpd="sng" algn="ctr" cap="flat" w="12700">
+                      <a:solidFill>
+                        <a:srgbClr val="DDDEDF"/>
+                      </a:solidFill>
+                      <a:prstDash val="solid"/>
+                      <a:round/>
+                      <a:headEnd type="none" w="med" len="med"/>
+                      <a:tailEnd type="none" w="med" len="med"/>
+                    </a:lnL>
+                    <a:lnR cmpd="sng" algn="ctr" cap="flat" w="12700">
+                      <a:solidFill>
+                        <a:srgbClr val="DDDEDF"/>
+                      </a:solidFill>
+                      <a:prstDash val="solid"/>
+                      <a:round/>
+                      <a:headEnd type="none" w="med" len="med"/>
+                      <a:tailEnd type="none" w="med" len="med"/>
+                    </a:lnR>
+                    <a:lnT cmpd="sng" algn="ctr" cap="flat" w="12700">
+                      <a:solidFill>
+                        <a:srgbClr val="DDDEDF"/>
+                      </a:solidFill>
+                      <a:prstDash val="solid"/>
+                      <a:round/>
+                      <a:headEnd type="none" w="med" len="med"/>
+                      <a:tailEnd type="none" w="med" len="med"/>
+                    </a:lnT>
+                    <a:lnB cmpd="sng" algn="ctr" cap="flat" w="12700">
+                      <a:solidFill>
+                        <a:srgbClr val="DDDEDF"/>
+                      </a:solidFill>
+                      <a:prstDash val="solid"/>
+                      <a:round/>
+                      <a:headEnd type="none" w="med" len="med"/>
+                      <a:tailEnd type="none" w="med" len="med"/>
+                    </a:lnB>
+                    <a:noFill/>
+                  </a:tcPr>
+                </a:tc>
+                <a:tc gridSpan="2">
+                  <a:txBody>
+                    <a:bodyPr anchor="t" rtlCol="false">
+                      <a:noAutofit/>
+                    </a:bodyPr>
+                    <a:lstStyle/>
+                    <a:p>
+                      <a:pPr algn="ctr" indent="0">
+                        <a:lnSpc>
+                          <a:spcPct val="100000"/>
+                        </a:lnSpc>
+                        <a:defRPr/>
+                      </a:pPr>
+                      <a:r>
+                        <a:rPr lang="en-US" b="false" i="false" strike="noStrike" u="none" sz="1400">
+                          <a:solidFill>
+                            <a:srgbClr val="1F2329"/>
+                          </a:solidFill>
+                          <a:latin typeface="Noto Sans SC"/>
+                          <a:ea typeface="Noto Sans SC"/>
+                          <a:cs typeface="Noto Sans SC"/>
+                          <a:sym typeface="Noto Sans SC"/>
+                        </a:rPr>
+                        <a:t>洛谷题单</a:t>
+                      </a:r>
+                      <a:endParaRPr lang="en-US" sz="1100"/>
+                    </a:p>
+                  </a:txBody>
+                  <a:tcPr anchor="ctr" marL="101600" marR="0" marT="101600" marB="101600">
+                    <a:lnL cmpd="sng" algn="ctr" cap="flat" w="12700">
+                      <a:solidFill>
+                        <a:srgbClr val="DDDEDF"/>
+                      </a:solidFill>
+                      <a:prstDash val="solid"/>
+                      <a:round/>
+                      <a:headEnd type="none" w="med" len="med"/>
+                      <a:tailEnd type="none" w="med" len="med"/>
+                    </a:lnL>
+                    <a:lnR cmpd="sng" algn="ctr" cap="flat" w="12700">
+                      <a:solidFill>
+                        <a:srgbClr val="DDDEDF"/>
+                      </a:solidFill>
+                      <a:prstDash val="solid"/>
+                      <a:round/>
+                      <a:headEnd type="none" w="med" len="med"/>
+                      <a:tailEnd type="none" w="med" len="med"/>
+                    </a:lnR>
+                    <a:lnT cmpd="sng" algn="ctr" cap="flat" w="12700">
+                      <a:solidFill>
+                        <a:srgbClr val="DDDEDF"/>
+                      </a:solidFill>
+                      <a:prstDash val="solid"/>
+                      <a:round/>
+                      <a:headEnd type="none" w="med" len="med"/>
+                      <a:tailEnd type="none" w="med" len="med"/>
+                    </a:lnT>
+                    <a:lnB cmpd="sng" algn="ctr" cap="flat" w="12700">
+                      <a:solidFill>
+                        <a:srgbClr val="DDDEDF"/>
+                      </a:solidFill>
+                      <a:prstDash val="solid"/>
+                      <a:round/>
+                      <a:headEnd type="none" w="med" len="med"/>
+                      <a:tailEnd type="none" w="med" len="med"/>
+                    </a:lnB>
+                    <a:noFill/>
+                  </a:tcPr>
+                </a:tc>
+                <a:tc hMerge="true">
+                  <a:txBody>
+                    <a:bodyPr anchor="t" rtlCol="false">
+                      <a:noAutofit/>
+                    </a:bodyPr>
+                    <a:lstStyle/>
+                    <a:p>
+                      <a:pPr algn="ctr">
+                        <a:defRPr/>
+                      </a:pPr>
+                      <a:endParaRPr/>
+                    </a:p>
+                  </a:txBody>
+                  <a:tcPr anchor="ctr" marL="101600" marR="101600" marT="101600" marB="101600">
+                    <a:lnL>
+                      <a:noFill/>
+                    </a:lnL>
+                    <a:lnR cmpd="sng" algn="ctr" cap="flat" w="12700">
+                      <a:solidFill>
+                        <a:srgbClr val="DDDEDF"/>
+                      </a:solidFill>
+                      <a:prstDash val="solid"/>
+                      <a:round/>
+                      <a:headEnd type="none" w="med" len="med"/>
+                      <a:tailEnd type="none" w="med" len="med"/>
+                    </a:lnR>
+                    <a:lnT cmpd="sng" algn="ctr" cap="flat" w="12700">
+                      <a:solidFill>
+                        <a:srgbClr val="DDDEDF"/>
+                      </a:solidFill>
+                      <a:prstDash val="solid"/>
+                      <a:round/>
+                      <a:headEnd type="none" w="med" len="med"/>
+                      <a:tailEnd type="none" w="med" len="med"/>
+                    </a:lnT>
+                    <a:lnB cmpd="sng" algn="ctr" cap="flat" w="12700">
+                      <a:solidFill>
+                        <a:srgbClr val="DDDEDF"/>
+                      </a:solidFill>
+                      <a:prstDash val="solid"/>
+                      <a:round/>
+                      <a:headEnd type="none" w="med" len="med"/>
+                      <a:tailEnd type="none" w="med" len="med"/>
+                    </a:lnB>
+                    <a:noFill/>
+                  </a:tcPr>
+                </a:tc>
+              </a:tr>
+              <a:tr h="482600">
+                <a:tc gridSpan="4">
+                  <a:txBody>
+                    <a:bodyPr anchor="t" rtlCol="false">
+                      <a:noAutofit/>
+                    </a:bodyPr>
+                    <a:lstStyle/>
+                    <a:p>
+                      <a:pPr algn="ctr" indent="0">
+                        <a:lnSpc>
+                          <a:spcPct val="100000"/>
+                        </a:lnSpc>
+                        <a:defRPr/>
+                      </a:pPr>
+                      <a:r>
+                        <a:rPr lang="en-US" b="false" i="false" strike="noStrike" u="sng" sz="1300">
+                          <a:solidFill>
+                            <a:srgbClr val="175CEB"/>
+                          </a:solidFill>
+                          <a:latin typeface="Noto Sans SC"/>
+                          <a:ea typeface="Noto Sans SC"/>
+                          <a:cs typeface="Noto Sans SC"/>
+                          <a:sym typeface="Noto Sans SC"/>
+                          <a:hlinkClick r:id="rId6" tooltip="https://leetcode.cn/contest/">
+                            <a:extLst>
+                              <a:ext uri="{A12FA001-AC4F-418D-AE19-62706E023703}">
+                                <ahyp:hlinkClr xmlns:ahyp="http://schemas.microsoft.com/office/drawing/2018/hyperlinkcolor" val="tx"/>
+                              </a:ext>
+                            </a:extLst>
+                          </a:hlinkClick>
+                        </a:rPr>
+                        <a:t>https://leetcode.cn/contest/</a:t>
+                      </a:r>
+                      <a:endParaRPr lang="en-US" sz="1100"/>
+                    </a:p>
+                  </a:txBody>
+                  <a:tcPr anchor="ctr" marL="101600" marR="0" marT="101600" marB="101600">
+                    <a:lnL cmpd="sng" algn="ctr" cap="flat" w="12700">
+                      <a:solidFill>
+                        <a:srgbClr val="DDDEDF"/>
+                      </a:solidFill>
+                      <a:prstDash val="solid"/>
+                      <a:round/>
+                      <a:headEnd type="none" w="med" len="med"/>
+                      <a:tailEnd type="none" w="med" len="med"/>
+                    </a:lnL>
+                    <a:lnR cmpd="sng" algn="ctr" cap="flat" w="12700">
+                      <a:solidFill>
+                        <a:srgbClr val="DDDEDF"/>
+                      </a:solidFill>
+                      <a:prstDash val="solid"/>
+                      <a:round/>
+                      <a:headEnd type="none" w="med" len="med"/>
+                      <a:tailEnd type="none" w="med" len="med"/>
+                    </a:lnR>
+                    <a:lnT cmpd="sng" algn="ctr" cap="flat" w="12700">
+                      <a:solidFill>
+                        <a:srgbClr val="DDDEDF"/>
+                      </a:solidFill>
+                      <a:prstDash val="solid"/>
+                      <a:round/>
+                      <a:headEnd type="none" w="med" len="med"/>
+                      <a:tailEnd type="none" w="med" len="med"/>
+                    </a:lnT>
+                    <a:lnB cmpd="sng" algn="ctr" cap="flat" w="12700">
+                      <a:solidFill>
+                        <a:srgbClr val="DDDEDF"/>
+                      </a:solidFill>
+                      <a:prstDash val="solid"/>
+                      <a:round/>
+                      <a:headEnd type="none" w="med" len="med"/>
+                      <a:tailEnd type="none" w="med" len="med"/>
+                    </a:lnB>
+                    <a:noFill/>
+                  </a:tcPr>
+                </a:tc>
+                <a:tc hMerge="true">
+                  <a:txBody>
+                    <a:bodyPr anchor="t" rtlCol="false">
+                      <a:noAutofit/>
+                    </a:bodyPr>
+                    <a:lstStyle/>
+                    <a:p>
+                      <a:pPr algn="ctr">
+                        <a:defRPr/>
+                      </a:pPr>
+                      <a:endParaRPr/>
+                    </a:p>
+                  </a:txBody>
+                  <a:tcPr anchor="ctr" marL="101600" marR="101600" marT="101600" marB="101600">
+                    <a:lnL cmpd="sng" algn="ctr" cap="flat" w="12700">
+                      <a:solidFill>
+                        <a:srgbClr val="DDDEDF"/>
+                      </a:solidFill>
+                      <a:prstDash val="solid"/>
+                      <a:round/>
+                      <a:headEnd type="none" w="med" len="med"/>
+                      <a:tailEnd type="none" w="med" len="med"/>
+                    </a:lnL>
+                    <a:lnR cmpd="sng" algn="ctr" cap="flat" w="12700">
+                      <a:solidFill>
+                        <a:srgbClr val="DDDEDF"/>
+                      </a:solidFill>
+                      <a:prstDash val="solid"/>
+                      <a:round/>
+                      <a:headEnd type="none" w="med" len="med"/>
+                      <a:tailEnd type="none" w="med" len="med"/>
+                    </a:lnR>
+                    <a:lnT cmpd="sng" algn="ctr" cap="flat" w="12700">
+                      <a:solidFill>
+                        <a:srgbClr val="DDDEDF"/>
+                      </a:solidFill>
+                      <a:prstDash val="solid"/>
+                      <a:round/>
+                      <a:headEnd type="none" w="med" len="med"/>
+                      <a:tailEnd type="none" w="med" len="med"/>
+                    </a:lnT>
+                    <a:lnB cmpd="sng" algn="ctr" cap="flat" w="12700">
+                      <a:solidFill>
+                        <a:srgbClr val="DDDEDF"/>
+                      </a:solidFill>
+                      <a:prstDash val="solid"/>
+                      <a:round/>
+                      <a:headEnd type="none" w="med" len="med"/>
+                      <a:tailEnd type="none" w="med" len="med"/>
+                    </a:lnB>
+                    <a:noFill/>
+                  </a:tcPr>
+                </a:tc>
+                <a:tc hMerge="true">
+                  <a:txBody>
+                    <a:bodyPr anchor="t" rtlCol="false">
+                      <a:noAutofit/>
+                    </a:bodyPr>
+                    <a:lstStyle/>
+                    <a:p>
+                      <a:pPr algn="ctr">
+                        <a:defRPr/>
+                      </a:pPr>
+                      <a:endParaRPr/>
+                    </a:p>
+                  </a:txBody>
+                  <a:tcPr anchor="ctr" marL="101600" marR="101600" marT="101600" marB="101600">
+                    <a:lnL cmpd="sng" algn="ctr" cap="flat" w="12700">
+                      <a:solidFill>
+                        <a:srgbClr val="DDDEDF"/>
+                      </a:solidFill>
+                      <a:prstDash val="solid"/>
+                      <a:round/>
+                      <a:headEnd type="none" w="med" len="med"/>
+                      <a:tailEnd type="none" w="med" len="med"/>
+                    </a:lnL>
+                    <a:lnR cmpd="sng" algn="ctr" cap="flat" w="12700">
+                      <a:solidFill>
+                        <a:srgbClr val="DDDEDF"/>
+                      </a:solidFill>
+                      <a:prstDash val="solid"/>
+                      <a:round/>
+                      <a:headEnd type="none" w="med" len="med"/>
+                      <a:tailEnd type="none" w="med" len="med"/>
+                    </a:lnR>
+                    <a:lnT cmpd="sng" algn="ctr" cap="flat" w="12700">
+                      <a:solidFill>
+                        <a:srgbClr val="DDDEDF"/>
+                      </a:solidFill>
+                      <a:prstDash val="solid"/>
+                      <a:round/>
+                      <a:headEnd type="none" w="med" len="med"/>
+                      <a:tailEnd type="none" w="med" len="med"/>
+                    </a:lnT>
+                    <a:lnB cmpd="sng" algn="ctr" cap="flat" w="12700">
+                      <a:solidFill>
+                        <a:srgbClr val="DDDEDF"/>
+                      </a:solidFill>
+                      <a:prstDash val="solid"/>
+                      <a:round/>
+                      <a:headEnd type="none" w="med" len="med"/>
+                      <a:tailEnd type="none" w="med" len="med"/>
+                    </a:lnB>
+                    <a:noFill/>
+                  </a:tcPr>
+                </a:tc>
+                <a:tc hMerge="true">
+                  <a:txBody>
+                    <a:bodyPr anchor="t" rtlCol="false">
+                      <a:noAutofit/>
+                    </a:bodyPr>
+                    <a:lstStyle/>
+                    <a:p>
+                      <a:pPr algn="ctr">
+                        <a:defRPr/>
+                      </a:pPr>
+                      <a:endParaRPr/>
+                    </a:p>
+                  </a:txBody>
+                  <a:tcPr anchor="ctr" marL="101600" marR="101600" marT="101600" marB="101600">
+                    <a:lnL cmpd="sng" algn="ctr" cap="flat" w="12700">
+                      <a:solidFill>
+                        <a:srgbClr val="DDDEDF"/>
+                      </a:solidFill>
+                      <a:prstDash val="solid"/>
+                      <a:round/>
+                      <a:headEnd type="none" w="med" len="med"/>
+                      <a:tailEnd type="none" w="med" len="med"/>
+                    </a:lnL>
+                    <a:lnR cmpd="sng" algn="ctr" cap="flat" w="12700">
+                      <a:solidFill>
+                        <a:srgbClr val="DDDEDF"/>
+                      </a:solidFill>
+                      <a:prstDash val="solid"/>
+                      <a:round/>
+                      <a:headEnd type="none" w="med" len="med"/>
+                      <a:tailEnd type="none" w="med" len="med"/>
+                    </a:lnR>
+                    <a:lnT cmpd="sng" algn="ctr" cap="flat" w="12700">
+                      <a:solidFill>
+                        <a:srgbClr val="DDDEDF"/>
+                      </a:solidFill>
+                      <a:prstDash val="solid"/>
+                      <a:round/>
+                      <a:headEnd type="none" w="med" len="med"/>
+                      <a:tailEnd type="none" w="med" len="med"/>
+                    </a:lnT>
+                    <a:lnB cmpd="sng" algn="ctr" cap="flat" w="12700">
+                      <a:solidFill>
+                        <a:srgbClr val="DDDEDF"/>
+                      </a:solidFill>
+                      <a:prstDash val="solid"/>
+                      <a:round/>
+                      <a:headEnd type="none" w="med" len="med"/>
+                      <a:tailEnd type="none" w="med" len="med"/>
+                    </a:lnB>
+                    <a:noFill/>
+                  </a:tcPr>
+                </a:tc>
+                <a:tc gridSpan="2">
+                  <a:txBody>
+                    <a:bodyPr anchor="t" rtlCol="false">
+                      <a:noAutofit/>
+                    </a:bodyPr>
+                    <a:lstStyle/>
+                    <a:p>
+                      <a:pPr algn="ctr" indent="0">
+                        <a:lnSpc>
+                          <a:spcPct val="100000"/>
+                        </a:lnSpc>
+                        <a:defRPr/>
+                      </a:pPr>
+                      <a:r>
+                        <a:rPr lang="en-US" b="false" i="false" strike="noStrike" u="none" sz="1400">
+                          <a:solidFill>
+                            <a:srgbClr val="1F2329"/>
+                          </a:solidFill>
+                          <a:latin typeface="Noto Sans SC"/>
+                          <a:ea typeface="Noto Sans SC"/>
+                          <a:cs typeface="Noto Sans SC"/>
+                          <a:sym typeface="Noto Sans SC"/>
+                        </a:rPr>
+                        <a:t>力扣周赛</a:t>
+                      </a:r>
+                      <a:endParaRPr lang="en-US" sz="1100"/>
+                    </a:p>
+                  </a:txBody>
+                  <a:tcPr anchor="ctr" marL="101600" marR="0" marT="101600" marB="101600">
+                    <a:lnL cmpd="sng" algn="ctr" cap="flat" w="12700">
+                      <a:solidFill>
+                        <a:srgbClr val="DDDEDF"/>
+                      </a:solidFill>
+                      <a:prstDash val="solid"/>
+                      <a:round/>
+                      <a:headEnd type="none" w="med" len="med"/>
+                      <a:tailEnd type="none" w="med" len="med"/>
+                    </a:lnL>
+                    <a:lnR cmpd="sng" algn="ctr" cap="flat" w="12700">
+                      <a:solidFill>
+                        <a:srgbClr val="DDDEDF"/>
+                      </a:solidFill>
+                      <a:prstDash val="solid"/>
+                      <a:round/>
+                      <a:headEnd type="none" w="med" len="med"/>
+                      <a:tailEnd type="none" w="med" len="med"/>
+                    </a:lnR>
+                    <a:lnT cmpd="sng" algn="ctr" cap="flat" w="12700">
+                      <a:solidFill>
+                        <a:srgbClr val="DDDEDF"/>
+                      </a:solidFill>
+                      <a:prstDash val="solid"/>
+                      <a:round/>
+                      <a:headEnd type="none" w="med" len="med"/>
+                      <a:tailEnd type="none" w="med" len="med"/>
+                    </a:lnT>
+                    <a:lnB cmpd="sng" algn="ctr" cap="flat" w="12700">
+                      <a:solidFill>
+                        <a:srgbClr val="DDDEDF"/>
+                      </a:solidFill>
+                      <a:prstDash val="solid"/>
+                      <a:round/>
+                      <a:headEnd type="none" w="med" len="med"/>
+                      <a:tailEnd type="none" w="med" len="med"/>
+                    </a:lnB>
+                    <a:noFill/>
+                  </a:tcPr>
+                </a:tc>
+                <a:tc hMerge="true">
+                  <a:txBody>
+                    <a:bodyPr anchor="t" rtlCol="false">
+                      <a:noAutofit/>
+                    </a:bodyPr>
+                    <a:lstStyle/>
+                    <a:p>
+                      <a:pPr algn="ctr">
+                        <a:defRPr/>
+                      </a:pPr>
+                      <a:endParaRPr/>
+                    </a:p>
+                  </a:txBody>
+                  <a:tcPr anchor="ctr" marL="101600" marR="101600" marT="101600" marB="101600">
+                    <a:lnL>
+                      <a:noFill/>
+                    </a:lnL>
+                    <a:lnR cmpd="sng" algn="ctr" cap="flat" w="12700">
+                      <a:solidFill>
+                        <a:srgbClr val="DDDEDF"/>
+                      </a:solidFill>
+                      <a:prstDash val="solid"/>
+                      <a:round/>
+                      <a:headEnd type="none" w="med" len="med"/>
+                      <a:tailEnd type="none" w="med" len="med"/>
+                    </a:lnR>
+                    <a:lnT cmpd="sng" algn="ctr" cap="flat" w="12700">
+                      <a:solidFill>
+                        <a:srgbClr val="DDDEDF"/>
+                      </a:solidFill>
+                      <a:prstDash val="solid"/>
+                      <a:round/>
+                      <a:headEnd type="none" w="med" len="med"/>
+                      <a:tailEnd type="none" w="med" len="med"/>
+                    </a:lnT>
+                    <a:lnB cmpd="sng" algn="ctr" cap="flat" w="12700">
+                      <a:solidFill>
+                        <a:srgbClr val="DDDEDF"/>
+                      </a:solidFill>
+                      <a:prstDash val="solid"/>
+                      <a:round/>
+                      <a:headEnd type="none" w="med" len="med"/>
+                      <a:tailEnd type="none" w="med" len="med"/>
+                    </a:lnB>
+                    <a:noFill/>
+                  </a:tcPr>
+                </a:tc>
+              </a:tr>
+              <a:tr h="762000">
+                <a:tc gridSpan="4">
+                  <a:txBody>
+                    <a:bodyPr anchor="t" rtlCol="false">
+                      <a:noAutofit/>
+                    </a:bodyPr>
+                    <a:lstStyle/>
+                    <a:p>
+                      <a:pPr algn="ctr" indent="0">
+                        <a:lnSpc>
+                          <a:spcPct val="100000"/>
+                        </a:lnSpc>
+                        <a:defRPr/>
+                      </a:pPr>
+                      <a:r>
+                        <a:rPr lang="en-US" b="false" i="false" strike="noStrike" u="sng" sz="1300">
+                          <a:solidFill>
+                            <a:srgbClr val="175CEB"/>
+                          </a:solidFill>
+                          <a:latin typeface="Noto Sans SC"/>
+                          <a:ea typeface="Noto Sans SC"/>
+                          <a:cs typeface="Noto Sans SC"/>
+                          <a:sym typeface="Noto Sans SC"/>
+                          <a:hlinkClick r:id="rId7" tooltip="https://leetcode.cn/problemset/">
+                            <a:extLst>
+                              <a:ext uri="{A12FA001-AC4F-418D-AE19-62706E023703}">
+                                <ahyp:hlinkClr xmlns:ahyp="http://schemas.microsoft.com/office/drawing/2018/hyperlinkcolor" val="tx"/>
+                              </a:ext>
+                            </a:extLst>
+                          </a:hlinkClick>
+                        </a:rPr>
+                        <a:t>https://leetcode.cn/problemset/</a:t>
+                      </a:r>
+                      <a:endParaRPr lang="en-US" sz="1100"/>
+                    </a:p>
+                  </a:txBody>
+                  <a:tcPr anchor="ctr" marL="101600" marR="0" marT="101600" marB="101600">
+                    <a:lnL cmpd="sng" algn="ctr" cap="flat" w="12700">
+                      <a:solidFill>
+                        <a:srgbClr val="DDDEDF"/>
+                      </a:solidFill>
+                      <a:prstDash val="solid"/>
+                      <a:round/>
+                      <a:headEnd type="none" w="med" len="med"/>
+                      <a:tailEnd type="none" w="med" len="med"/>
+                    </a:lnL>
+                    <a:lnR cmpd="sng" algn="ctr" cap="flat" w="12700">
+                      <a:solidFill>
+                        <a:srgbClr val="DDDEDF"/>
+                      </a:solidFill>
+                      <a:prstDash val="solid"/>
+                      <a:round/>
+                      <a:headEnd type="none" w="med" len="med"/>
+                      <a:tailEnd type="none" w="med" len="med"/>
+                    </a:lnR>
+                    <a:lnT cmpd="sng" algn="ctr" cap="flat" w="12700">
+                      <a:solidFill>
+                        <a:srgbClr val="DDDEDF"/>
+                      </a:solidFill>
+                      <a:prstDash val="solid"/>
+                      <a:round/>
+                      <a:headEnd type="none" w="med" len="med"/>
+                      <a:tailEnd type="none" w="med" len="med"/>
+                    </a:lnT>
+                    <a:lnB cmpd="sng" algn="ctr" cap="flat" w="12700">
+                      <a:solidFill>
+                        <a:srgbClr val="DDDEDF"/>
+                      </a:solidFill>
+                      <a:prstDash val="solid"/>
+                      <a:round/>
+                      <a:headEnd type="none" w="med" len="med"/>
+                      <a:tailEnd type="none" w="med" len="med"/>
+                    </a:lnB>
+                    <a:noFill/>
+                  </a:tcPr>
+                </a:tc>
+                <a:tc hMerge="true">
+                  <a:txBody>
+                    <a:bodyPr anchor="t" rtlCol="false">
+                      <a:noAutofit/>
+                    </a:bodyPr>
+                    <a:lstStyle/>
+                    <a:p>
+                      <a:pPr algn="ctr">
+                        <a:defRPr/>
+                      </a:pPr>
+                      <a:endParaRPr/>
+                    </a:p>
+                  </a:txBody>
+                  <a:tcPr anchor="ctr" marL="101600" marR="101600" marT="101600" marB="101600">
+                    <a:lnL cmpd="sng" algn="ctr" cap="flat" w="12700">
+                      <a:solidFill>
+                        <a:srgbClr val="DDDEDF"/>
+                      </a:solidFill>
+                      <a:prstDash val="solid"/>
+                      <a:round/>
+                      <a:headEnd type="none" w="med" len="med"/>
+                      <a:tailEnd type="none" w="med" len="med"/>
+                    </a:lnL>
+                    <a:lnR cmpd="sng" algn="ctr" cap="flat" w="12700">
+                      <a:solidFill>
+                        <a:srgbClr val="DDDEDF"/>
+                      </a:solidFill>
+                      <a:prstDash val="solid"/>
+                      <a:round/>
+                      <a:headEnd type="none" w="med" len="med"/>
+                      <a:tailEnd type="none" w="med" len="med"/>
+                    </a:lnR>
+                    <a:lnT cmpd="sng" algn="ctr" cap="flat" w="12700">
+                      <a:solidFill>
+                        <a:srgbClr val="DDDEDF"/>
+                      </a:solidFill>
+                      <a:prstDash val="solid"/>
+                      <a:round/>
+                      <a:headEnd type="none" w="med" len="med"/>
+                      <a:tailEnd type="none" w="med" len="med"/>
+                    </a:lnT>
+                    <a:lnB cmpd="sng" algn="ctr" cap="flat" w="12700">
+                      <a:solidFill>
+                        <a:srgbClr val="DDDEDF"/>
+                      </a:solidFill>
+                      <a:prstDash val="solid"/>
+                      <a:round/>
+                      <a:headEnd type="none" w="med" len="med"/>
+                      <a:tailEnd type="none" w="med" len="med"/>
+                    </a:lnB>
+                    <a:noFill/>
+                  </a:tcPr>
+                </a:tc>
+                <a:tc hMerge="true">
+                  <a:txBody>
+                    <a:bodyPr anchor="t" rtlCol="false">
+                      <a:noAutofit/>
+                    </a:bodyPr>
+                    <a:lstStyle/>
+                    <a:p>
+                      <a:pPr algn="ctr">
+                        <a:defRPr/>
+                      </a:pPr>
+                      <a:endParaRPr/>
+                    </a:p>
+                  </a:txBody>
+                  <a:tcPr anchor="ctr" marL="101600" marR="101600" marT="101600" marB="101600">
+                    <a:lnL cmpd="sng" algn="ctr" cap="flat" w="12700">
+                      <a:solidFill>
+                        <a:srgbClr val="DDDEDF"/>
+                      </a:solidFill>
+                      <a:prstDash val="solid"/>
+                      <a:round/>
+                      <a:headEnd type="none" w="med" len="med"/>
+                      <a:tailEnd type="none" w="med" len="med"/>
+                    </a:lnL>
+                    <a:lnR cmpd="sng" algn="ctr" cap="flat" w="12700">
+                      <a:solidFill>
+                        <a:srgbClr val="DDDEDF"/>
+                      </a:solidFill>
+                      <a:prstDash val="solid"/>
+                      <a:round/>
+                      <a:headEnd type="none" w="med" len="med"/>
+                      <a:tailEnd type="none" w="med" len="med"/>
+                    </a:lnR>
+                    <a:lnT cmpd="sng" algn="ctr" cap="flat" w="12700">
+                      <a:solidFill>
+                        <a:srgbClr val="DDDEDF"/>
+                      </a:solidFill>
+                      <a:prstDash val="solid"/>
+                      <a:round/>
+                      <a:headEnd type="none" w="med" len="med"/>
+                      <a:tailEnd type="none" w="med" len="med"/>
+                    </a:lnT>
+                    <a:lnB cmpd="sng" algn="ctr" cap="flat" w="12700">
+                      <a:solidFill>
+                        <a:srgbClr val="DDDEDF"/>
+                      </a:solidFill>
+                      <a:prstDash val="solid"/>
+                      <a:round/>
+                      <a:headEnd type="none" w="med" len="med"/>
+                      <a:tailEnd type="none" w="med" len="med"/>
+                    </a:lnB>
+                    <a:noFill/>
+                  </a:tcPr>
+                </a:tc>
+                <a:tc hMerge="true">
+                  <a:txBody>
+                    <a:bodyPr anchor="t" rtlCol="false">
+                      <a:noAutofit/>
+                    </a:bodyPr>
+                    <a:lstStyle/>
+                    <a:p>
+                      <a:pPr algn="ctr">
+                        <a:defRPr/>
+                      </a:pPr>
+                      <a:endParaRPr/>
+                    </a:p>
+                  </a:txBody>
+                  <a:tcPr anchor="ctr" marL="101600" marR="101600" marT="101600" marB="101600">
+                    <a:lnL cmpd="sng" algn="ctr" cap="flat" w="12700">
+                      <a:solidFill>
+                        <a:srgbClr val="DDDEDF"/>
+                      </a:solidFill>
+                      <a:prstDash val="solid"/>
+                      <a:round/>
+                      <a:headEnd type="none" w="med" len="med"/>
+                      <a:tailEnd type="none" w="med" len="med"/>
+                    </a:lnL>
+                    <a:lnR cmpd="sng" algn="ctr" cap="flat" w="12700">
+                      <a:solidFill>
+                        <a:srgbClr val="DDDEDF"/>
+                      </a:solidFill>
+                      <a:prstDash val="solid"/>
+                      <a:round/>
+                      <a:headEnd type="none" w="med" len="med"/>
+                      <a:tailEnd type="none" w="med" len="med"/>
+                    </a:lnR>
+                    <a:lnT cmpd="sng" algn="ctr" cap="flat" w="12700">
+                      <a:solidFill>
+                        <a:srgbClr val="DDDEDF"/>
+                      </a:solidFill>
+                      <a:prstDash val="solid"/>
+                      <a:round/>
+                      <a:headEnd type="none" w="med" len="med"/>
+                      <a:tailEnd type="none" w="med" len="med"/>
+                    </a:lnT>
+                    <a:lnB cmpd="sng" algn="ctr" cap="flat" w="12700">
+                      <a:solidFill>
+                        <a:srgbClr val="DDDEDF"/>
+                      </a:solidFill>
+                      <a:prstDash val="solid"/>
+                      <a:round/>
+                      <a:headEnd type="none" w="med" len="med"/>
+                      <a:tailEnd type="none" w="med" len="med"/>
+                    </a:lnB>
+                    <a:noFill/>
+                  </a:tcPr>
+                </a:tc>
+                <a:tc>
+                  <a:txBody>
+                    <a:bodyPr anchor="t" rtlCol="false">
+                      <a:noAutofit/>
+                    </a:bodyPr>
+                    <a:lstStyle/>
+                    <a:p>
+                      <a:pPr algn="ctr" indent="0">
+                        <a:lnSpc>
+                          <a:spcPct val="100000"/>
+                        </a:lnSpc>
+                        <a:defRPr/>
+                      </a:pPr>
+                      <a:r>
+                        <a:rPr lang="en-US" b="false" i="false" strike="noStrike" u="none" sz="1400">
+                          <a:solidFill>
+                            <a:srgbClr val="1F2329"/>
+                          </a:solidFill>
+                          <a:latin typeface="Noto Sans SC"/>
+                          <a:ea typeface="Noto Sans SC"/>
+                          <a:cs typeface="Noto Sans SC"/>
+                          <a:sym typeface="Noto Sans SC"/>
+                        </a:rPr>
+                        <a:t>力扣题库</a:t>
+                      </a:r>
+                      <a:endParaRPr lang="en-US" sz="1100"/>
+                    </a:p>
+                  </a:txBody>
+                  <a:tcPr anchor="ctr" marL="101600" marR="0" marT="101600" marB="101600">
+                    <a:lnL cmpd="sng" algn="ctr" cap="flat" w="12700">
+                      <a:solidFill>
+                        <a:srgbClr val="DDDEDF"/>
+                      </a:solidFill>
+                      <a:prstDash val="solid"/>
+                      <a:round/>
+                      <a:headEnd type="none" w="med" len="med"/>
+                      <a:tailEnd type="none" w="med" len="med"/>
+                    </a:lnL>
+                    <a:lnR cmpd="sng" algn="ctr" cap="flat" w="12700">
+                      <a:solidFill>
+                        <a:srgbClr val="DDDEDF"/>
+                      </a:solidFill>
+                      <a:prstDash val="solid"/>
+                      <a:round/>
+                      <a:headEnd type="none" w="med" len="med"/>
+                      <a:tailEnd type="none" w="med" len="med"/>
+                    </a:lnR>
+                    <a:lnT cmpd="sng" algn="ctr" cap="flat" w="12700">
+                      <a:solidFill>
+                        <a:srgbClr val="DDDEDF"/>
+                      </a:solidFill>
+                      <a:prstDash val="solid"/>
+                      <a:round/>
+                      <a:headEnd type="none" w="med" len="med"/>
+                      <a:tailEnd type="none" w="med" len="med"/>
+                    </a:lnT>
+                    <a:lnB cmpd="sng" algn="ctr" cap="flat" w="12700">
+                      <a:solidFill>
+                        <a:srgbClr val="DDDEDF"/>
+                      </a:solidFill>
+                      <a:prstDash val="solid"/>
+                      <a:round/>
+                      <a:headEnd type="none" w="med" len="med"/>
+                      <a:tailEnd type="none" w="med" len="med"/>
+                    </a:lnB>
+                    <a:noFill/>
+                  </a:tcPr>
+                </a:tc>
+                <a:tc>
+                  <a:txBody>
+                    <a:bodyPr anchor="t" rtlCol="false">
+                      <a:noAutofit/>
+                    </a:bodyPr>
+                    <a:lstStyle/>
+                    <a:p>
+                      <a:pPr algn="ctr">
+                        <a:defRPr/>
+                      </a:pPr>
+                      <a:endParaRPr/>
+                    </a:p>
+                  </a:txBody>
+                  <a:tcPr anchor="ctr" marL="101600" marR="0" marT="101600" marB="101600">
+                    <a:lnL>
+                      <a:noFill/>
+                    </a:lnL>
+                    <a:lnR cmpd="sng" algn="ctr" cap="flat" w="12700">
+                      <a:solidFill>
+                        <a:srgbClr val="DDDEDF"/>
+                      </a:solidFill>
+                      <a:prstDash val="solid"/>
+                      <a:round/>
+                      <a:headEnd type="none" w="med" len="med"/>
+                      <a:tailEnd type="none" w="med" len="med"/>
+                    </a:lnR>
+                    <a:lnT cmpd="sng" algn="ctr" cap="flat" w="12700">
+                      <a:solidFill>
+                        <a:srgbClr val="DDDEDF"/>
+                      </a:solidFill>
+                      <a:prstDash val="solid"/>
+                      <a:round/>
+                      <a:headEnd type="none" w="med" len="med"/>
+                      <a:tailEnd type="none" w="med" len="med"/>
+                    </a:lnT>
+                    <a:lnB cmpd="sng" algn="ctr" cap="flat" w="12700">
+                      <a:solidFill>
+                        <a:srgbClr val="DDDEDF"/>
+                      </a:solidFill>
+                      <a:prstDash val="solid"/>
+                      <a:round/>
+                      <a:headEnd type="none" w="med" len="med"/>
+                      <a:tailEnd type="none" w="med" len="med"/>
+                    </a:lnB>
+                    <a:noFill/>
+                  </a:tcPr>
+                </a:tc>
+              </a:tr>
+            </a:tbl>
+          </a:graphicData>
+        </a:graphic>
+      </p:graphicFrame>
+      <p:pic>
+        <p:nvPicPr>
+          <p:cNvPr name="Picture 4" id="4"/>
+          <p:cNvPicPr>
+            <a:picLocks noChangeAspect="true"/>
+          </p:cNvPicPr>
+          <p:nvPr/>
+        </p:nvPicPr>
+        <p:blipFill>
+          <a:blip r:embed="rId8"/>
+          <a:stretch>
+            <a:fillRect/>
+          </a:stretch>
+        </p:blipFill>
+        <p:spPr>
+          <a:xfrm rot="0" flipH="false" flipV="false">
+            <a:off x="4685006" y="1743611"/>
+            <a:ext cx="7190857" cy="4201239"/>
+          </a:xfrm>
+          <a:prstGeom prst="rect">
+            <a:avLst/>
+          </a:prstGeom>
+          <a:ln>
+            <a:noFill/>
+            <a:prstDash val="solid"/>
+          </a:ln>
+        </p:spPr>
+      </p:pic>
+    </p:spTree>
+  </p:cSld>
+  <p:clrMapOvr>
+    <a:masterClrMapping/>
+  </p:clrMapOvr>
+</p:sld>
+</file>
+
+<file path=ppt/slides/slide32.xml><?xml version="1.0" encoding="utf-8"?>
+<p:sld xmlns:p="http://schemas.openxmlformats.org/presentationml/2006/main" xmlns:a="http://schemas.openxmlformats.org/drawingml/2006/main" xmlns:r="http://schemas.openxmlformats.org/officeDocument/2006/relationships" show="true">
+  <p:cSld>
+    <p:spTree>
+      <p:nvGrpSpPr>
+        <p:cNvPr id="1" name=""/>
+        <p:cNvGrpSpPr/>
+        <p:nvPr/>
+      </p:nvGrpSpPr>
+      <p:grpSpPr>
+        <a:xfrm>
+          <a:off x="0" y="0"/>
+          <a:ext cx="0" cy="0"/>
+          <a:chOff x="0" y="0"/>
+          <a:chExt cx="0" cy="0"/>
+        </a:xfrm>
+      </p:grpSpPr>
+      <p:sp>
+        <p:nvSpPr>
+          <p:cNvPr name="AutoShape 2" id="2"/>
+          <p:cNvSpPr/>
+          <p:nvPr/>
+        </p:nvSpPr>
+        <p:spPr>
+          <a:xfrm rot="0" flipH="false" flipV="false">
+            <a:off x="260948" y="0"/>
+            <a:ext cx="10858500" cy="990600"/>
+          </a:xfrm>
+          <a:prstGeom prst="rect">
+            <a:avLst/>
+          </a:prstGeom>
+          <a:noFill/>
+          <a:ln w="12700">
+            <a:noFill/>
+            <a:prstDash val="solid"/>
+          </a:ln>
+        </p:spPr>
+        <p:txBody>
+          <a:bodyPr anchor="ctr" rtlCol="false" lIns="0" rIns="0" tIns="0" bIns="0">
+            <a:noAutofit/>
+          </a:bodyPr>
+          <a:lstStyle/>
+          <a:p>
+            <a:pPr algn="l" indent="0">
+              <a:lnSpc>
+                <a:spcPct val="125000"/>
+              </a:lnSpc>
+              <a:defRPr/>
+            </a:pPr>
+            <a:r>
+              <a:rPr lang="en-US" b="true" i="false" strike="noStrike" u="none" sz="5200">
+                <a:solidFill>
+                  <a:srgbClr val="000000"/>
+                </a:solidFill>
+                <a:latin typeface="Noto Sans SC"/>
+                <a:ea typeface="Noto Sans SC"/>
+                <a:cs typeface="Noto Sans SC"/>
+                <a:sym typeface="Noto Sans SC"/>
+              </a:rPr>
+              <a:t>1.4 刷题冲刺指南</a:t>
+            </a:r>
+            <a:endParaRPr lang="en-US" sz="1100"/>
+          </a:p>
+        </p:txBody>
+      </p:sp>
+      <p:pic>
+        <p:nvPicPr>
+          <p:cNvPr name="Picture 3" id="3"/>
+          <p:cNvPicPr>
+            <a:picLocks noChangeAspect="true"/>
+          </p:cNvPicPr>
+          <p:nvPr/>
+        </p:nvPicPr>
+        <p:blipFill>
+          <a:blip r:embed="rId2"/>
+          <a:stretch>
+            <a:fillRect/>
+          </a:stretch>
+        </p:blipFill>
+        <p:spPr>
+          <a:xfrm rot="0" flipH="false" flipV="false">
+            <a:off x="260948" y="1153359"/>
+            <a:ext cx="5012052" cy="5490754"/>
+          </a:xfrm>
+          <a:prstGeom prst="rect">
+            <a:avLst/>
+          </a:prstGeom>
+          <a:ln>
+            <a:noFill/>
+            <a:prstDash val="solid"/>
+          </a:ln>
+        </p:spPr>
+      </p:pic>
+      <p:pic>
+        <p:nvPicPr>
+          <p:cNvPr name="Picture 4" id="4"/>
+          <p:cNvPicPr>
+            <a:picLocks noChangeAspect="true"/>
+          </p:cNvPicPr>
+          <p:nvPr/>
+        </p:nvPicPr>
+        <p:blipFill>
+          <a:blip r:embed="rId3"/>
+          <a:stretch>
+            <a:fillRect/>
+          </a:stretch>
+        </p:blipFill>
+        <p:spPr>
+          <a:xfrm rot="0" flipH="false" flipV="false">
+            <a:off x="5137009" y="1588143"/>
+            <a:ext cx="7054991" cy="4484657"/>
+          </a:xfrm>
+          <a:prstGeom prst="rect">
+            <a:avLst/>
+          </a:prstGeom>
+          <a:ln>
+            <a:noFill/>
+            <a:prstDash val="solid"/>
+          </a:ln>
+        </p:spPr>
+      </p:pic>
+    </p:spTree>
+  </p:cSld>
+  <p:clrMapOvr>
+    <a:masterClrMapping/>
+  </p:clrMapOvr>
+</p:sld>
+</file>
+
+<file path=ppt/slides/slide33.xml><?xml version="1.0" encoding="utf-8"?>
+<p:sld xmlns:p="http://schemas.openxmlformats.org/presentationml/2006/main" xmlns:a="http://schemas.openxmlformats.org/drawingml/2006/main" xmlns:r="http://schemas.openxmlformats.org/officeDocument/2006/relationships" show="true">
+  <p:cSld>
+    <p:spTree>
+      <p:nvGrpSpPr>
+        <p:cNvPr id="1" name=""/>
+        <p:cNvGrpSpPr/>
+        <p:nvPr/>
+      </p:nvGrpSpPr>
+      <p:grpSpPr>
+        <a:xfrm>
+          <a:off x="0" y="0"/>
+          <a:ext cx="0" cy="0"/>
+          <a:chOff x="0" y="0"/>
+          <a:chExt cx="0" cy="0"/>
+        </a:xfrm>
+      </p:grpSpPr>
+      <p:sp>
+        <p:nvSpPr>
+          <p:cNvPr name="AutoShape 2" id="2"/>
+          <p:cNvSpPr/>
+          <p:nvPr/>
+        </p:nvSpPr>
+        <p:spPr>
+          <a:xfrm rot="0" flipH="false" flipV="false">
+            <a:off x="260948" y="0"/>
+            <a:ext cx="10858500" cy="990600"/>
+          </a:xfrm>
+          <a:prstGeom prst="rect">
+            <a:avLst/>
+          </a:prstGeom>
+          <a:noFill/>
+          <a:ln w="12700">
+            <a:noFill/>
+            <a:prstDash val="solid"/>
+          </a:ln>
+        </p:spPr>
+        <p:txBody>
+          <a:bodyPr anchor="ctr" rtlCol="false" lIns="0" rIns="0" tIns="0" bIns="0">
+            <a:noAutofit/>
+          </a:bodyPr>
+          <a:lstStyle/>
+          <a:p>
+            <a:pPr algn="l" indent="0">
+              <a:lnSpc>
+                <a:spcPct val="125000"/>
+              </a:lnSpc>
+              <a:defRPr/>
+            </a:pPr>
+            <a:r>
+              <a:rPr lang="en-US" b="true" i="false" strike="noStrike" u="none" sz="5200">
+                <a:solidFill>
+                  <a:srgbClr val="000000"/>
+                </a:solidFill>
+                <a:latin typeface="Noto Sans SC"/>
+                <a:ea typeface="Noto Sans SC"/>
+                <a:cs typeface="Noto Sans SC"/>
+                <a:sym typeface="Noto Sans SC"/>
+              </a:rPr>
               <a:t>Python算法基础</a:t>
             </a:r>
             <a:endParaRPr lang="en-US" sz="1100"/>
@@ -28065,7 +30869,7 @@
 </p:sld>
 </file>
 
-<file path=ppt/slides/slide32.xml><?xml version="1.0" encoding="utf-8"?>
+<file path=ppt/slides/slide34.xml><?xml version="1.0" encoding="utf-8"?>
 <p:sld xmlns:p="http://schemas.openxmlformats.org/presentationml/2006/main" xmlns:a="http://schemas.openxmlformats.org/drawingml/2006/main" xmlns:r="http://schemas.openxmlformats.org/officeDocument/2006/relationships" show="true">
   <p:cSld>
     <p:spTree>
